--- a/介面.pptx
+++ b/介面.pptx
@@ -5,7 +5,7 @@
     <p:sldMasterId id="2147483648" r:id="rId1"/>
   </p:sldMasterIdLst>
   <p:notesMasterIdLst>
-    <p:notesMasterId r:id="rId22"/>
+    <p:notesMasterId r:id="rId21"/>
   </p:notesMasterIdLst>
   <p:sldIdLst>
     <p:sldId id="280" r:id="rId2"/>
@@ -22,12 +22,11 @@
     <p:sldId id="314" r:id="rId13"/>
     <p:sldId id="281" r:id="rId14"/>
     <p:sldId id="315" r:id="rId15"/>
-    <p:sldId id="270" r:id="rId16"/>
+    <p:sldId id="317" r:id="rId16"/>
     <p:sldId id="312" r:id="rId17"/>
     <p:sldId id="313" r:id="rId18"/>
     <p:sldId id="311" r:id="rId19"/>
     <p:sldId id="277" r:id="rId20"/>
-    <p:sldId id="278" r:id="rId21"/>
   </p:sldIdLst>
   <p:sldSz cx="12192000" cy="6858000"/>
   <p:notesSz cx="6858000" cy="9144000"/>
@@ -227,7 +226,7 @@
           <a:p>
             <a:fld id="{4C8CD385-DF20-4DAF-8E56-832193D99297}" type="datetimeFigureOut">
               <a:rPr lang="zh-TW" altLang="en-US" smtClean="0"/>
-              <a:t>2020/11/17</a:t>
+              <a:t>2020/12/08</a:t>
             </a:fld>
             <a:endParaRPr lang="zh-TW" altLang="en-US"/>
           </a:p>
@@ -1084,7 +1083,7 @@
     </p:spTree>
     <p:extLst>
       <p:ext uri="{BB962C8B-B14F-4D97-AF65-F5344CB8AC3E}">
-        <p14:creationId xmlns:p14="http://schemas.microsoft.com/office/powerpoint/2010/main" val="4078542799"/>
+        <p14:creationId xmlns:p14="http://schemas.microsoft.com/office/powerpoint/2010/main" val="2932481540"/>
       </p:ext>
     </p:extLst>
   </p:cSld>
@@ -1945,7 +1944,7 @@
           <a:p>
             <a:fld id="{3F1169B5-0FF2-4C98-8757-8DBF4E03E30D}" type="datetimeFigureOut">
               <a:rPr lang="zh-TW" altLang="en-US" smtClean="0"/>
-              <a:t>2020/11/17</a:t>
+              <a:t>2020/12/08</a:t>
             </a:fld>
             <a:endParaRPr lang="zh-TW" altLang="en-US"/>
           </a:p>
@@ -2143,7 +2142,7 @@
           <a:p>
             <a:fld id="{3F1169B5-0FF2-4C98-8757-8DBF4E03E30D}" type="datetimeFigureOut">
               <a:rPr lang="zh-TW" altLang="en-US" smtClean="0"/>
-              <a:t>2020/11/17</a:t>
+              <a:t>2020/12/08</a:t>
             </a:fld>
             <a:endParaRPr lang="zh-TW" altLang="en-US"/>
           </a:p>
@@ -2351,7 +2350,7 @@
           <a:p>
             <a:fld id="{3F1169B5-0FF2-4C98-8757-8DBF4E03E30D}" type="datetimeFigureOut">
               <a:rPr lang="zh-TW" altLang="en-US" smtClean="0"/>
-              <a:t>2020/11/17</a:t>
+              <a:t>2020/12/08</a:t>
             </a:fld>
             <a:endParaRPr lang="zh-TW" altLang="en-US"/>
           </a:p>
@@ -2549,7 +2548,7 @@
           <a:p>
             <a:fld id="{3F1169B5-0FF2-4C98-8757-8DBF4E03E30D}" type="datetimeFigureOut">
               <a:rPr lang="zh-TW" altLang="en-US" smtClean="0"/>
-              <a:t>2020/11/17</a:t>
+              <a:t>2020/12/08</a:t>
             </a:fld>
             <a:endParaRPr lang="zh-TW" altLang="en-US"/>
           </a:p>
@@ -2824,7 +2823,7 @@
           <a:p>
             <a:fld id="{3F1169B5-0FF2-4C98-8757-8DBF4E03E30D}" type="datetimeFigureOut">
               <a:rPr lang="zh-TW" altLang="en-US" smtClean="0"/>
-              <a:t>2020/11/17</a:t>
+              <a:t>2020/12/08</a:t>
             </a:fld>
             <a:endParaRPr lang="zh-TW" altLang="en-US"/>
           </a:p>
@@ -3089,7 +3088,7 @@
           <a:p>
             <a:fld id="{3F1169B5-0FF2-4C98-8757-8DBF4E03E30D}" type="datetimeFigureOut">
               <a:rPr lang="zh-TW" altLang="en-US" smtClean="0"/>
-              <a:t>2020/11/17</a:t>
+              <a:t>2020/12/08</a:t>
             </a:fld>
             <a:endParaRPr lang="zh-TW" altLang="en-US"/>
           </a:p>
@@ -3501,7 +3500,7 @@
           <a:p>
             <a:fld id="{3F1169B5-0FF2-4C98-8757-8DBF4E03E30D}" type="datetimeFigureOut">
               <a:rPr lang="zh-TW" altLang="en-US" smtClean="0"/>
-              <a:t>2020/11/17</a:t>
+              <a:t>2020/12/08</a:t>
             </a:fld>
             <a:endParaRPr lang="zh-TW" altLang="en-US"/>
           </a:p>
@@ -3642,7 +3641,7 @@
           <a:p>
             <a:fld id="{3F1169B5-0FF2-4C98-8757-8DBF4E03E30D}" type="datetimeFigureOut">
               <a:rPr lang="zh-TW" altLang="en-US" smtClean="0"/>
-              <a:t>2020/11/17</a:t>
+              <a:t>2020/12/08</a:t>
             </a:fld>
             <a:endParaRPr lang="zh-TW" altLang="en-US"/>
           </a:p>
@@ -3755,7 +3754,7 @@
           <a:p>
             <a:fld id="{3F1169B5-0FF2-4C98-8757-8DBF4E03E30D}" type="datetimeFigureOut">
               <a:rPr lang="zh-TW" altLang="en-US" smtClean="0"/>
-              <a:t>2020/11/17</a:t>
+              <a:t>2020/12/08</a:t>
             </a:fld>
             <a:endParaRPr lang="zh-TW" altLang="en-US"/>
           </a:p>
@@ -4066,7 +4065,7 @@
           <a:p>
             <a:fld id="{3F1169B5-0FF2-4C98-8757-8DBF4E03E30D}" type="datetimeFigureOut">
               <a:rPr lang="zh-TW" altLang="en-US" smtClean="0"/>
-              <a:t>2020/11/17</a:t>
+              <a:t>2020/12/08</a:t>
             </a:fld>
             <a:endParaRPr lang="zh-TW" altLang="en-US"/>
           </a:p>
@@ -4354,7 +4353,7 @@
           <a:p>
             <a:fld id="{3F1169B5-0FF2-4C98-8757-8DBF4E03E30D}" type="datetimeFigureOut">
               <a:rPr lang="zh-TW" altLang="en-US" smtClean="0"/>
-              <a:t>2020/11/17</a:t>
+              <a:t>2020/12/08</a:t>
             </a:fld>
             <a:endParaRPr lang="zh-TW" altLang="en-US"/>
           </a:p>
@@ -4595,7 +4594,7 @@
           <a:p>
             <a:fld id="{3F1169B5-0FF2-4C98-8757-8DBF4E03E30D}" type="datetimeFigureOut">
               <a:rPr lang="zh-TW" altLang="en-US" smtClean="0"/>
-              <a:t>2020/11/17</a:t>
+              <a:t>2020/12/08</a:t>
             </a:fld>
             <a:endParaRPr lang="zh-TW" altLang="en-US"/>
           </a:p>
@@ -8118,10 +8117,3456 @@
           <a:chExt cx="0" cy="0"/>
         </a:xfrm>
       </p:grpSpPr>
+      <p:grpSp>
+        <p:nvGrpSpPr>
+          <p:cNvPr id="2" name="群組 1">
+            <a:extLst>
+              <a:ext uri="{FF2B5EF4-FFF2-40B4-BE49-F238E27FC236}">
+                <a16:creationId xmlns:a16="http://schemas.microsoft.com/office/drawing/2014/main" id="{06EBE817-E3C4-46D0-8CA5-3CD8A47A0D4A}"/>
+              </a:ext>
+            </a:extLst>
+          </p:cNvPr>
+          <p:cNvGrpSpPr/>
+          <p:nvPr/>
+        </p:nvGrpSpPr>
+        <p:grpSpPr>
+          <a:xfrm>
+            <a:off x="223432" y="111875"/>
+            <a:ext cx="3326304" cy="1772496"/>
+            <a:chOff x="6695440" y="1729749"/>
+            <a:chExt cx="3326304" cy="1772496"/>
+          </a:xfrm>
+        </p:grpSpPr>
+        <p:grpSp>
+          <p:nvGrpSpPr>
+            <p:cNvPr id="3" name="群組 2">
+              <a:extLst>
+                <a:ext uri="{FF2B5EF4-FFF2-40B4-BE49-F238E27FC236}">
+                  <a16:creationId xmlns:a16="http://schemas.microsoft.com/office/drawing/2014/main" id="{C8555963-B3A0-483B-A423-E87F6068153A}"/>
+                </a:ext>
+              </a:extLst>
+            </p:cNvPr>
+            <p:cNvGrpSpPr/>
+            <p:nvPr/>
+          </p:nvGrpSpPr>
+          <p:grpSpPr>
+            <a:xfrm>
+              <a:off x="6825526" y="1991359"/>
+              <a:ext cx="2155913" cy="1437641"/>
+              <a:chOff x="7061198" y="2352040"/>
+              <a:chExt cx="2407923" cy="2461562"/>
+            </a:xfrm>
+          </p:grpSpPr>
+          <p:cxnSp>
+            <p:nvCxnSpPr>
+              <p:cNvPr id="8" name="接點: 肘形 7">
+                <a:extLst>
+                  <a:ext uri="{FF2B5EF4-FFF2-40B4-BE49-F238E27FC236}">
+                    <a16:creationId xmlns:a16="http://schemas.microsoft.com/office/drawing/2014/main" id="{CE9C2D09-15CB-494B-850D-9C57842A095D}"/>
+                  </a:ext>
+                </a:extLst>
+              </p:cNvPr>
+              <p:cNvCxnSpPr/>
+              <p:nvPr/>
+            </p:nvCxnSpPr>
+            <p:spPr>
+              <a:xfrm flipV="1">
+                <a:off x="7061201" y="2352040"/>
+                <a:ext cx="2407920" cy="1226792"/>
+              </a:xfrm>
+              <a:prstGeom prst="bentConnector3">
+                <a:avLst/>
+              </a:prstGeom>
+              <a:ln w="12700">
+                <a:solidFill>
+                  <a:srgbClr val="0000FF"/>
+                </a:solidFill>
+              </a:ln>
+            </p:spPr>
+            <p:style>
+              <a:lnRef idx="1">
+                <a:schemeClr val="accent1"/>
+              </a:lnRef>
+              <a:fillRef idx="0">
+                <a:schemeClr val="accent1"/>
+              </a:fillRef>
+              <a:effectRef idx="0">
+                <a:schemeClr val="accent1"/>
+              </a:effectRef>
+              <a:fontRef idx="minor">
+                <a:schemeClr val="tx1"/>
+              </a:fontRef>
+            </p:style>
+          </p:cxnSp>
+          <p:cxnSp>
+            <p:nvCxnSpPr>
+              <p:cNvPr id="9" name="接點: 肘形 8">
+                <a:extLst>
+                  <a:ext uri="{FF2B5EF4-FFF2-40B4-BE49-F238E27FC236}">
+                    <a16:creationId xmlns:a16="http://schemas.microsoft.com/office/drawing/2014/main" id="{BAB84194-D105-48F6-A7C7-ED0F65545991}"/>
+                  </a:ext>
+                </a:extLst>
+              </p:cNvPr>
+              <p:cNvCxnSpPr>
+                <a:cxnSpLocks/>
+              </p:cNvCxnSpPr>
+              <p:nvPr/>
+            </p:nvCxnSpPr>
+            <p:spPr>
+              <a:xfrm>
+                <a:off x="7061198" y="3586176"/>
+                <a:ext cx="2407920" cy="1227426"/>
+              </a:xfrm>
+              <a:prstGeom prst="bentConnector3">
+                <a:avLst/>
+              </a:prstGeom>
+              <a:ln w="12700">
+                <a:solidFill>
+                  <a:srgbClr val="FF0000"/>
+                </a:solidFill>
+              </a:ln>
+            </p:spPr>
+            <p:style>
+              <a:lnRef idx="1">
+                <a:schemeClr val="accent1"/>
+              </a:lnRef>
+              <a:fillRef idx="0">
+                <a:schemeClr val="accent1"/>
+              </a:fillRef>
+              <a:effectRef idx="0">
+                <a:schemeClr val="accent1"/>
+              </a:effectRef>
+              <a:fontRef idx="minor">
+                <a:schemeClr val="tx1"/>
+              </a:fontRef>
+            </p:style>
+          </p:cxnSp>
+        </p:grpSp>
+        <p:sp>
+          <p:nvSpPr>
+            <p:cNvPr id="4" name="文字方塊 3">
+              <a:extLst>
+                <a:ext uri="{FF2B5EF4-FFF2-40B4-BE49-F238E27FC236}">
+                  <a16:creationId xmlns:a16="http://schemas.microsoft.com/office/drawing/2014/main" id="{85336ECE-EE01-4714-9D5D-3C5FCF1D066E}"/>
+                </a:ext>
+              </a:extLst>
+            </p:cNvPr>
+            <p:cNvSpPr txBox="1"/>
+            <p:nvPr/>
+          </p:nvSpPr>
+          <p:spPr>
+            <a:xfrm flipH="1">
+              <a:off x="9215113" y="1729749"/>
+              <a:ext cx="806631" cy="523220"/>
+            </a:xfrm>
+            <a:prstGeom prst="rect">
+              <a:avLst/>
+            </a:prstGeom>
+            <a:noFill/>
+          </p:spPr>
+          <p:txBody>
+            <a:bodyPr wrap="square" rtlCol="0">
+              <a:spAutoFit/>
+            </a:bodyPr>
+            <a:lstStyle/>
+            <a:p>
+              <a:pPr marL="0" marR="0" lvl="0" indent="0" algn="ctr" defTabSz="914400" rtl="0" eaLnBrk="1" fontAlgn="auto" latinLnBrk="0" hangingPunct="1">
+                <a:lnSpc>
+                  <a:spcPct val="100000"/>
+                </a:lnSpc>
+                <a:spcBef>
+                  <a:spcPts val="0"/>
+                </a:spcBef>
+                <a:spcAft>
+                  <a:spcPts val="0"/>
+                </a:spcAft>
+                <a:buClrTx/>
+                <a:buSzTx/>
+                <a:buFontTx/>
+                <a:buNone/>
+                <a:tabLst/>
+                <a:defRPr/>
+              </a:pPr>
+              <a:r>
+                <a:rPr kumimoji="0" lang="en-US" altLang="zh-TW" sz="2800" b="0" i="0" u="none" strike="noStrike" kern="1200" cap="none" spc="0" normalizeH="0" baseline="0" noProof="0" dirty="0">
+                  <a:ln>
+                    <a:noFill/>
+                  </a:ln>
+                  <a:solidFill>
+                    <a:srgbClr val="0000FF"/>
+                  </a:solidFill>
+                  <a:effectLst/>
+                  <a:uLnTx/>
+                  <a:uFillTx/>
+                  <a:latin typeface="Calibri" panose="020F0502020204030204"/>
+                  <a:ea typeface="新細明體" panose="02020500000000000000" pitchFamily="18" charset="-120"/>
+                  <a:cs typeface="+mn-cs"/>
+                </a:rPr>
+                <a:t>500</a:t>
+              </a:r>
+            </a:p>
+          </p:txBody>
+        </p:sp>
+        <p:sp>
+          <p:nvSpPr>
+            <p:cNvPr id="5" name="文字方塊 4">
+              <a:extLst>
+                <a:ext uri="{FF2B5EF4-FFF2-40B4-BE49-F238E27FC236}">
+                  <a16:creationId xmlns:a16="http://schemas.microsoft.com/office/drawing/2014/main" id="{E8F09AA5-295A-4AF3-8FE6-01EF8643BC52}"/>
+                </a:ext>
+              </a:extLst>
+            </p:cNvPr>
+            <p:cNvSpPr txBox="1"/>
+            <p:nvPr/>
+          </p:nvSpPr>
+          <p:spPr>
+            <a:xfrm>
+              <a:off x="8173765" y="1917646"/>
+              <a:ext cx="806631" cy="523220"/>
+            </a:xfrm>
+            <a:prstGeom prst="rect">
+              <a:avLst/>
+            </a:prstGeom>
+            <a:noFill/>
+          </p:spPr>
+          <p:txBody>
+            <a:bodyPr wrap="none" rtlCol="0">
+              <a:spAutoFit/>
+            </a:bodyPr>
+            <a:lstStyle/>
+            <a:p>
+              <a:pPr marL="0" marR="0" lvl="0" indent="0" algn="l" defTabSz="914400" rtl="0" eaLnBrk="1" fontAlgn="auto" latinLnBrk="0" hangingPunct="1">
+                <a:lnSpc>
+                  <a:spcPct val="100000"/>
+                </a:lnSpc>
+                <a:spcBef>
+                  <a:spcPts val="0"/>
+                </a:spcBef>
+                <a:spcAft>
+                  <a:spcPts val="0"/>
+                </a:spcAft>
+                <a:buClrTx/>
+                <a:buSzTx/>
+                <a:buFontTx/>
+                <a:buNone/>
+                <a:tabLst/>
+                <a:defRPr/>
+              </a:pPr>
+              <a:r>
+                <a:rPr kumimoji="0" lang="en-US" altLang="zh-TW" sz="2800" b="0" i="0" u="none" strike="noStrike" kern="1200" cap="none" spc="0" normalizeH="0" baseline="0" noProof="0" dirty="0">
+                  <a:ln>
+                    <a:noFill/>
+                  </a:ln>
+                  <a:solidFill>
+                    <a:srgbClr val="0000FF"/>
+                  </a:solidFill>
+                  <a:effectLst/>
+                  <a:uLnTx/>
+                  <a:uFillTx/>
+                  <a:latin typeface="Calibri" panose="020F0502020204030204"/>
+                  <a:ea typeface="新細明體" panose="02020500000000000000" pitchFamily="18" charset="-120"/>
+                  <a:cs typeface="+mn-cs"/>
+                </a:rPr>
+                <a:t>50%</a:t>
+              </a:r>
+              <a:endParaRPr kumimoji="0" lang="zh-TW" altLang="en-US" sz="2800" b="0" i="0" u="none" strike="noStrike" kern="1200" cap="none" spc="0" normalizeH="0" baseline="0" noProof="0" dirty="0">
+                <a:ln>
+                  <a:noFill/>
+                </a:ln>
+                <a:solidFill>
+                  <a:srgbClr val="0000FF"/>
+                </a:solidFill>
+                <a:effectLst/>
+                <a:uLnTx/>
+                <a:uFillTx/>
+                <a:latin typeface="Calibri" panose="020F0502020204030204"/>
+                <a:ea typeface="新細明體" panose="02020500000000000000" pitchFamily="18" charset="-120"/>
+                <a:cs typeface="+mn-cs"/>
+              </a:endParaRPr>
+            </a:p>
+          </p:txBody>
+        </p:sp>
+        <p:sp>
+          <p:nvSpPr>
+            <p:cNvPr id="6" name="文字方塊 5">
+              <a:extLst>
+                <a:ext uri="{FF2B5EF4-FFF2-40B4-BE49-F238E27FC236}">
+                  <a16:creationId xmlns:a16="http://schemas.microsoft.com/office/drawing/2014/main" id="{4B092E40-3E51-48E2-9BA9-478DC91D3FC4}"/>
+                </a:ext>
+              </a:extLst>
+            </p:cNvPr>
+            <p:cNvSpPr txBox="1"/>
+            <p:nvPr/>
+          </p:nvSpPr>
+          <p:spPr>
+            <a:xfrm>
+              <a:off x="8173765" y="2979025"/>
+              <a:ext cx="806631" cy="523220"/>
+            </a:xfrm>
+            <a:prstGeom prst="rect">
+              <a:avLst/>
+            </a:prstGeom>
+            <a:noFill/>
+          </p:spPr>
+          <p:txBody>
+            <a:bodyPr wrap="none" rtlCol="0">
+              <a:spAutoFit/>
+            </a:bodyPr>
+            <a:lstStyle/>
+            <a:p>
+              <a:pPr marL="0" marR="0" lvl="0" indent="0" algn="l" defTabSz="914400" rtl="0" eaLnBrk="1" fontAlgn="auto" latinLnBrk="0" hangingPunct="1">
+                <a:lnSpc>
+                  <a:spcPct val="100000"/>
+                </a:lnSpc>
+                <a:spcBef>
+                  <a:spcPts val="0"/>
+                </a:spcBef>
+                <a:spcAft>
+                  <a:spcPts val="0"/>
+                </a:spcAft>
+                <a:buClrTx/>
+                <a:buSzTx/>
+                <a:buFontTx/>
+                <a:buNone/>
+                <a:tabLst/>
+                <a:defRPr/>
+              </a:pPr>
+              <a:r>
+                <a:rPr kumimoji="0" lang="en-US" altLang="zh-TW" sz="2800" b="0" i="0" u="none" strike="noStrike" kern="1200" cap="none" spc="0" normalizeH="0" baseline="0" noProof="0" dirty="0">
+                  <a:ln>
+                    <a:noFill/>
+                  </a:ln>
+                  <a:solidFill>
+                    <a:srgbClr val="FF0000"/>
+                  </a:solidFill>
+                  <a:effectLst/>
+                  <a:uLnTx/>
+                  <a:uFillTx/>
+                  <a:latin typeface="Calibri" panose="020F0502020204030204"/>
+                  <a:ea typeface="新細明體" panose="02020500000000000000" pitchFamily="18" charset="-120"/>
+                  <a:cs typeface="+mn-cs"/>
+                </a:rPr>
+                <a:t>50%</a:t>
+              </a:r>
+              <a:endParaRPr kumimoji="0" lang="zh-TW" altLang="en-US" sz="2800" b="0" i="0" u="none" strike="noStrike" kern="1200" cap="none" spc="0" normalizeH="0" baseline="0" noProof="0" dirty="0">
+                <a:ln>
+                  <a:noFill/>
+                </a:ln>
+                <a:solidFill>
+                  <a:srgbClr val="FF0000"/>
+                </a:solidFill>
+                <a:effectLst/>
+                <a:uLnTx/>
+                <a:uFillTx/>
+                <a:latin typeface="Calibri" panose="020F0502020204030204"/>
+                <a:ea typeface="新細明體" panose="02020500000000000000" pitchFamily="18" charset="-120"/>
+                <a:cs typeface="+mn-cs"/>
+              </a:endParaRPr>
+            </a:p>
+          </p:txBody>
+        </p:sp>
+        <p:sp>
+          <p:nvSpPr>
+            <p:cNvPr id="7" name="橢圓 6">
+              <a:extLst>
+                <a:ext uri="{FF2B5EF4-FFF2-40B4-BE49-F238E27FC236}">
+                  <a16:creationId xmlns:a16="http://schemas.microsoft.com/office/drawing/2014/main" id="{BF0876CE-3A87-443F-AC8A-126366A9BC40}"/>
+                </a:ext>
+              </a:extLst>
+            </p:cNvPr>
+            <p:cNvSpPr/>
+            <p:nvPr/>
+          </p:nvSpPr>
+          <p:spPr>
+            <a:xfrm>
+              <a:off x="6695440" y="2611120"/>
+              <a:ext cx="193040" cy="193040"/>
+            </a:xfrm>
+            <a:prstGeom prst="ellipse">
+              <a:avLst/>
+            </a:prstGeom>
+            <a:solidFill>
+              <a:schemeClr val="bg1">
+                <a:lumMod val="50000"/>
+              </a:schemeClr>
+            </a:solidFill>
+            <a:ln>
+              <a:noFill/>
+            </a:ln>
+          </p:spPr>
+          <p:style>
+            <a:lnRef idx="2">
+              <a:schemeClr val="accent1">
+                <a:shade val="50000"/>
+              </a:schemeClr>
+            </a:lnRef>
+            <a:fillRef idx="1">
+              <a:schemeClr val="accent1"/>
+            </a:fillRef>
+            <a:effectRef idx="0">
+              <a:schemeClr val="accent1"/>
+            </a:effectRef>
+            <a:fontRef idx="minor">
+              <a:schemeClr val="lt1"/>
+            </a:fontRef>
+          </p:style>
+          <p:txBody>
+            <a:bodyPr rtlCol="0" anchor="ctr"/>
+            <a:lstStyle/>
+            <a:p>
+              <a:pPr marL="0" marR="0" lvl="0" indent="0" algn="ctr" defTabSz="914400" rtl="0" eaLnBrk="1" fontAlgn="auto" latinLnBrk="0" hangingPunct="1">
+                <a:lnSpc>
+                  <a:spcPct val="100000"/>
+                </a:lnSpc>
+                <a:spcBef>
+                  <a:spcPts val="0"/>
+                </a:spcBef>
+                <a:spcAft>
+                  <a:spcPts val="0"/>
+                </a:spcAft>
+                <a:buClrTx/>
+                <a:buSzTx/>
+                <a:buFontTx/>
+                <a:buNone/>
+                <a:tabLst/>
+                <a:defRPr/>
+              </a:pPr>
+              <a:endParaRPr kumimoji="0" lang="zh-TW" altLang="en-US" sz="2800" b="0" i="0" u="none" strike="noStrike" kern="1200" cap="none" spc="0" normalizeH="0" baseline="0" noProof="0">
+                <a:ln>
+                  <a:noFill/>
+                </a:ln>
+                <a:solidFill>
+                  <a:prstClr val="white">
+                    <a:lumMod val="85000"/>
+                  </a:prstClr>
+                </a:solidFill>
+                <a:effectLst/>
+                <a:uLnTx/>
+                <a:uFillTx/>
+                <a:latin typeface="Calibri" panose="020F0502020204030204"/>
+                <a:ea typeface="新細明體" panose="02020500000000000000" pitchFamily="18" charset="-120"/>
+                <a:cs typeface="+mn-cs"/>
+              </a:endParaRPr>
+            </a:p>
+          </p:txBody>
+        </p:sp>
+      </p:grpSp>
+      <p:grpSp>
+        <p:nvGrpSpPr>
+          <p:cNvPr id="10" name="群組 9">
+            <a:extLst>
+              <a:ext uri="{FF2B5EF4-FFF2-40B4-BE49-F238E27FC236}">
+                <a16:creationId xmlns:a16="http://schemas.microsoft.com/office/drawing/2014/main" id="{F2075648-51A1-474F-A160-3D25263F6BD6}"/>
+              </a:ext>
+            </a:extLst>
+          </p:cNvPr>
+          <p:cNvGrpSpPr/>
+          <p:nvPr/>
+        </p:nvGrpSpPr>
+        <p:grpSpPr>
+          <a:xfrm>
+            <a:off x="931043" y="2355925"/>
+            <a:ext cx="1502277" cy="619741"/>
+            <a:chOff x="7014402" y="4912969"/>
+            <a:chExt cx="1502277" cy="619741"/>
+          </a:xfrm>
+        </p:grpSpPr>
+        <p:grpSp>
+          <p:nvGrpSpPr>
+            <p:cNvPr id="11" name="群組 10">
+              <a:extLst>
+                <a:ext uri="{FF2B5EF4-FFF2-40B4-BE49-F238E27FC236}">
+                  <a16:creationId xmlns:a16="http://schemas.microsoft.com/office/drawing/2014/main" id="{0223DC0C-68A7-4498-A414-E325FC32708D}"/>
+                </a:ext>
+              </a:extLst>
+            </p:cNvPr>
+            <p:cNvGrpSpPr/>
+            <p:nvPr/>
+          </p:nvGrpSpPr>
+          <p:grpSpPr>
+            <a:xfrm>
+              <a:off x="7014402" y="5339670"/>
+              <a:ext cx="1502277" cy="193040"/>
+              <a:chOff x="2793276" y="2606336"/>
+              <a:chExt cx="1502277" cy="193040"/>
+            </a:xfrm>
+          </p:grpSpPr>
+          <p:sp>
+            <p:nvSpPr>
+              <p:cNvPr id="13" name="橢圓 12">
+                <a:extLst>
+                  <a:ext uri="{FF2B5EF4-FFF2-40B4-BE49-F238E27FC236}">
+                    <a16:creationId xmlns:a16="http://schemas.microsoft.com/office/drawing/2014/main" id="{ED0C62F4-8BB1-4302-892F-FA5B75913E34}"/>
+                  </a:ext>
+                </a:extLst>
+              </p:cNvPr>
+              <p:cNvSpPr/>
+              <p:nvPr/>
+            </p:nvSpPr>
+            <p:spPr>
+              <a:xfrm>
+                <a:off x="2793276" y="2606336"/>
+                <a:ext cx="193040" cy="193040"/>
+              </a:xfrm>
+              <a:prstGeom prst="ellipse">
+                <a:avLst/>
+              </a:prstGeom>
+              <a:solidFill>
+                <a:schemeClr val="bg1">
+                  <a:lumMod val="50000"/>
+                </a:schemeClr>
+              </a:solidFill>
+              <a:ln>
+                <a:noFill/>
+              </a:ln>
+            </p:spPr>
+            <p:style>
+              <a:lnRef idx="2">
+                <a:schemeClr val="accent1">
+                  <a:shade val="50000"/>
+                </a:schemeClr>
+              </a:lnRef>
+              <a:fillRef idx="1">
+                <a:schemeClr val="accent1"/>
+              </a:fillRef>
+              <a:effectRef idx="0">
+                <a:schemeClr val="accent1"/>
+              </a:effectRef>
+              <a:fontRef idx="minor">
+                <a:schemeClr val="lt1"/>
+              </a:fontRef>
+            </p:style>
+            <p:txBody>
+              <a:bodyPr rtlCol="0" anchor="ctr"/>
+              <a:lstStyle/>
+              <a:p>
+                <a:pPr marL="0" marR="0" lvl="0" indent="0" algn="ctr" defTabSz="914400" rtl="0" eaLnBrk="1" fontAlgn="auto" latinLnBrk="0" hangingPunct="1">
+                  <a:lnSpc>
+                    <a:spcPct val="100000"/>
+                  </a:lnSpc>
+                  <a:spcBef>
+                    <a:spcPts val="0"/>
+                  </a:spcBef>
+                  <a:spcAft>
+                    <a:spcPts val="0"/>
+                  </a:spcAft>
+                  <a:buClrTx/>
+                  <a:buSzTx/>
+                  <a:buFontTx/>
+                  <a:buNone/>
+                  <a:tabLst/>
+                  <a:defRPr/>
+                </a:pPr>
+                <a:endParaRPr kumimoji="0" lang="zh-TW" altLang="en-US" sz="2800" b="0" i="0" u="none" strike="noStrike" kern="1200" cap="none" spc="0" normalizeH="0" baseline="0" noProof="0">
+                  <a:ln>
+                    <a:noFill/>
+                  </a:ln>
+                  <a:solidFill>
+                    <a:srgbClr val="FF0000"/>
+                  </a:solidFill>
+                  <a:effectLst/>
+                  <a:uLnTx/>
+                  <a:uFillTx/>
+                  <a:latin typeface="Calibri" panose="020F0502020204030204"/>
+                  <a:ea typeface="新細明體" panose="02020500000000000000" pitchFamily="18" charset="-120"/>
+                  <a:cs typeface="+mn-cs"/>
+                </a:endParaRPr>
+              </a:p>
+            </p:txBody>
+          </p:sp>
+          <p:cxnSp>
+            <p:nvCxnSpPr>
+              <p:cNvPr id="14" name="直線接點 13">
+                <a:extLst>
+                  <a:ext uri="{FF2B5EF4-FFF2-40B4-BE49-F238E27FC236}">
+                    <a16:creationId xmlns:a16="http://schemas.microsoft.com/office/drawing/2014/main" id="{4A4449F4-8D1B-4ED4-A8FD-1CBD9801E902}"/>
+                  </a:ext>
+                </a:extLst>
+              </p:cNvPr>
+              <p:cNvCxnSpPr>
+                <a:stCxn id="13" idx="6"/>
+              </p:cNvCxnSpPr>
+              <p:nvPr/>
+            </p:nvCxnSpPr>
+            <p:spPr>
+              <a:xfrm>
+                <a:off x="2986316" y="2702856"/>
+                <a:ext cx="1309237" cy="4784"/>
+              </a:xfrm>
+              <a:prstGeom prst="line">
+                <a:avLst/>
+              </a:prstGeom>
+              <a:ln>
+                <a:solidFill>
+                  <a:srgbClr val="0000FF"/>
+                </a:solidFill>
+              </a:ln>
+            </p:spPr>
+            <p:style>
+              <a:lnRef idx="2">
+                <a:schemeClr val="dk1"/>
+              </a:lnRef>
+              <a:fillRef idx="0">
+                <a:schemeClr val="dk1"/>
+              </a:fillRef>
+              <a:effectRef idx="1">
+                <a:schemeClr val="dk1"/>
+              </a:effectRef>
+              <a:fontRef idx="minor">
+                <a:schemeClr val="tx1"/>
+              </a:fontRef>
+            </p:style>
+          </p:cxnSp>
+        </p:grpSp>
+        <p:sp>
+          <p:nvSpPr>
+            <p:cNvPr id="12" name="文字方塊 11">
+              <a:extLst>
+                <a:ext uri="{FF2B5EF4-FFF2-40B4-BE49-F238E27FC236}">
+                  <a16:creationId xmlns:a16="http://schemas.microsoft.com/office/drawing/2014/main" id="{A5B0D25B-675E-44FA-88A8-33D1B1C868C8}"/>
+                </a:ext>
+              </a:extLst>
+            </p:cNvPr>
+            <p:cNvSpPr txBox="1"/>
+            <p:nvPr/>
+          </p:nvSpPr>
+          <p:spPr>
+            <a:xfrm>
+              <a:off x="7449791" y="4912969"/>
+              <a:ext cx="989373" cy="523220"/>
+            </a:xfrm>
+            <a:prstGeom prst="rect">
+              <a:avLst/>
+            </a:prstGeom>
+            <a:noFill/>
+            <a:ln>
+              <a:noFill/>
+            </a:ln>
+          </p:spPr>
+          <p:txBody>
+            <a:bodyPr wrap="none" rtlCol="0">
+              <a:spAutoFit/>
+            </a:bodyPr>
+            <a:lstStyle/>
+            <a:p>
+              <a:r>
+                <a:rPr lang="en-US" altLang="zh-TW" sz="2800" dirty="0">
+                  <a:solidFill>
+                    <a:srgbClr val="0000FF"/>
+                  </a:solidFill>
+                </a:rPr>
+                <a:t>100%</a:t>
+              </a:r>
+              <a:endParaRPr lang="zh-TW" altLang="en-US" sz="2800" dirty="0">
+                <a:solidFill>
+                  <a:srgbClr val="0000FF"/>
+                </a:solidFill>
+              </a:endParaRPr>
+            </a:p>
+          </p:txBody>
+        </p:sp>
+      </p:grpSp>
+      <p:grpSp>
+        <p:nvGrpSpPr>
+          <p:cNvPr id="15" name="群組 14">
+            <a:extLst>
+              <a:ext uri="{FF2B5EF4-FFF2-40B4-BE49-F238E27FC236}">
+                <a16:creationId xmlns:a16="http://schemas.microsoft.com/office/drawing/2014/main" id="{A4DDE465-3622-422D-B902-4EB72481F947}"/>
+              </a:ext>
+            </a:extLst>
+          </p:cNvPr>
+          <p:cNvGrpSpPr/>
+          <p:nvPr/>
+        </p:nvGrpSpPr>
+        <p:grpSpPr>
+          <a:xfrm>
+            <a:off x="931043" y="3429000"/>
+            <a:ext cx="1502277" cy="619741"/>
+            <a:chOff x="7014402" y="4912969"/>
+            <a:chExt cx="1502277" cy="619741"/>
+          </a:xfrm>
+        </p:grpSpPr>
+        <p:grpSp>
+          <p:nvGrpSpPr>
+            <p:cNvPr id="16" name="群組 15">
+              <a:extLst>
+                <a:ext uri="{FF2B5EF4-FFF2-40B4-BE49-F238E27FC236}">
+                  <a16:creationId xmlns:a16="http://schemas.microsoft.com/office/drawing/2014/main" id="{FDDB651F-BF4C-49CC-8A57-2138E6F1D874}"/>
+                </a:ext>
+              </a:extLst>
+            </p:cNvPr>
+            <p:cNvGrpSpPr/>
+            <p:nvPr/>
+          </p:nvGrpSpPr>
+          <p:grpSpPr>
+            <a:xfrm>
+              <a:off x="7014402" y="5339670"/>
+              <a:ext cx="1502277" cy="193040"/>
+              <a:chOff x="2793276" y="2606336"/>
+              <a:chExt cx="1502277" cy="193040"/>
+            </a:xfrm>
+          </p:grpSpPr>
+          <p:sp>
+            <p:nvSpPr>
+              <p:cNvPr id="18" name="橢圓 17">
+                <a:extLst>
+                  <a:ext uri="{FF2B5EF4-FFF2-40B4-BE49-F238E27FC236}">
+                    <a16:creationId xmlns:a16="http://schemas.microsoft.com/office/drawing/2014/main" id="{2C452C0F-E256-4925-81C8-AD7F515016EF}"/>
+                  </a:ext>
+                </a:extLst>
+              </p:cNvPr>
+              <p:cNvSpPr/>
+              <p:nvPr/>
+            </p:nvSpPr>
+            <p:spPr>
+              <a:xfrm>
+                <a:off x="2793276" y="2606336"/>
+                <a:ext cx="193040" cy="193040"/>
+              </a:xfrm>
+              <a:prstGeom prst="ellipse">
+                <a:avLst/>
+              </a:prstGeom>
+              <a:solidFill>
+                <a:schemeClr val="bg1">
+                  <a:lumMod val="50000"/>
+                </a:schemeClr>
+              </a:solidFill>
+              <a:ln>
+                <a:noFill/>
+              </a:ln>
+            </p:spPr>
+            <p:style>
+              <a:lnRef idx="2">
+                <a:schemeClr val="accent1">
+                  <a:shade val="50000"/>
+                </a:schemeClr>
+              </a:lnRef>
+              <a:fillRef idx="1">
+                <a:schemeClr val="accent1"/>
+              </a:fillRef>
+              <a:effectRef idx="0">
+                <a:schemeClr val="accent1"/>
+              </a:effectRef>
+              <a:fontRef idx="minor">
+                <a:schemeClr val="lt1"/>
+              </a:fontRef>
+            </p:style>
+            <p:txBody>
+              <a:bodyPr rtlCol="0" anchor="ctr"/>
+              <a:lstStyle/>
+              <a:p>
+                <a:pPr marL="0" marR="0" lvl="0" indent="0" algn="ctr" defTabSz="914400" rtl="0" eaLnBrk="1" fontAlgn="auto" latinLnBrk="0" hangingPunct="1">
+                  <a:lnSpc>
+                    <a:spcPct val="100000"/>
+                  </a:lnSpc>
+                  <a:spcBef>
+                    <a:spcPts val="0"/>
+                  </a:spcBef>
+                  <a:spcAft>
+                    <a:spcPts val="0"/>
+                  </a:spcAft>
+                  <a:buClrTx/>
+                  <a:buSzTx/>
+                  <a:buFontTx/>
+                  <a:buNone/>
+                  <a:tabLst/>
+                  <a:defRPr/>
+                </a:pPr>
+                <a:endParaRPr kumimoji="0" lang="zh-TW" altLang="en-US" sz="2800" b="0" i="0" u="none" strike="noStrike" kern="1200" cap="none" spc="0" normalizeH="0" baseline="0" noProof="0">
+                  <a:ln>
+                    <a:noFill/>
+                  </a:ln>
+                  <a:solidFill>
+                    <a:prstClr val="white">
+                      <a:lumMod val="85000"/>
+                    </a:prstClr>
+                  </a:solidFill>
+                  <a:effectLst/>
+                  <a:uLnTx/>
+                  <a:uFillTx/>
+                  <a:latin typeface="Calibri" panose="020F0502020204030204"/>
+                  <a:ea typeface="新細明體" panose="02020500000000000000" pitchFamily="18" charset="-120"/>
+                  <a:cs typeface="+mn-cs"/>
+                </a:endParaRPr>
+              </a:p>
+            </p:txBody>
+          </p:sp>
+          <p:cxnSp>
+            <p:nvCxnSpPr>
+              <p:cNvPr id="19" name="直線接點 18">
+                <a:extLst>
+                  <a:ext uri="{FF2B5EF4-FFF2-40B4-BE49-F238E27FC236}">
+                    <a16:creationId xmlns:a16="http://schemas.microsoft.com/office/drawing/2014/main" id="{97718996-71CB-410E-82A5-86ABFFA9ADEE}"/>
+                  </a:ext>
+                </a:extLst>
+              </p:cNvPr>
+              <p:cNvCxnSpPr>
+                <a:stCxn id="18" idx="6"/>
+              </p:cNvCxnSpPr>
+              <p:nvPr/>
+            </p:nvCxnSpPr>
+            <p:spPr>
+              <a:xfrm>
+                <a:off x="2986316" y="2702856"/>
+                <a:ext cx="1309237" cy="4784"/>
+              </a:xfrm>
+              <a:prstGeom prst="line">
+                <a:avLst/>
+              </a:prstGeom>
+              <a:ln>
+                <a:solidFill>
+                  <a:srgbClr val="FF0000"/>
+                </a:solidFill>
+              </a:ln>
+            </p:spPr>
+            <p:style>
+              <a:lnRef idx="2">
+                <a:schemeClr val="dk1"/>
+              </a:lnRef>
+              <a:fillRef idx="0">
+                <a:schemeClr val="dk1"/>
+              </a:fillRef>
+              <a:effectRef idx="1">
+                <a:schemeClr val="dk1"/>
+              </a:effectRef>
+              <a:fontRef idx="minor">
+                <a:schemeClr val="tx1"/>
+              </a:fontRef>
+            </p:style>
+          </p:cxnSp>
+        </p:grpSp>
+        <p:sp>
+          <p:nvSpPr>
+            <p:cNvPr id="17" name="文字方塊 16">
+              <a:extLst>
+                <a:ext uri="{FF2B5EF4-FFF2-40B4-BE49-F238E27FC236}">
+                  <a16:creationId xmlns:a16="http://schemas.microsoft.com/office/drawing/2014/main" id="{F029C956-CE91-4CAF-B2B9-30D100317AAE}"/>
+                </a:ext>
+              </a:extLst>
+            </p:cNvPr>
+            <p:cNvSpPr txBox="1"/>
+            <p:nvPr/>
+          </p:nvSpPr>
+          <p:spPr>
+            <a:xfrm>
+              <a:off x="7449791" y="4912969"/>
+              <a:ext cx="989373" cy="523220"/>
+            </a:xfrm>
+            <a:prstGeom prst="rect">
+              <a:avLst/>
+            </a:prstGeom>
+            <a:noFill/>
+          </p:spPr>
+          <p:txBody>
+            <a:bodyPr wrap="none" rtlCol="0">
+              <a:spAutoFit/>
+            </a:bodyPr>
+            <a:lstStyle/>
+            <a:p>
+              <a:r>
+                <a:rPr lang="en-US" altLang="zh-TW" sz="2800" dirty="0">
+                  <a:solidFill>
+                    <a:srgbClr val="FF0000"/>
+                  </a:solidFill>
+                </a:rPr>
+                <a:t>100%</a:t>
+              </a:r>
+              <a:endParaRPr lang="zh-TW" altLang="en-US" sz="2800" dirty="0">
+                <a:solidFill>
+                  <a:srgbClr val="FF0000"/>
+                </a:solidFill>
+              </a:endParaRPr>
+            </a:p>
+          </p:txBody>
+        </p:sp>
+      </p:grpSp>
+      <p:grpSp>
+        <p:nvGrpSpPr>
+          <p:cNvPr id="20" name="群組 19">
+            <a:extLst>
+              <a:ext uri="{FF2B5EF4-FFF2-40B4-BE49-F238E27FC236}">
+                <a16:creationId xmlns:a16="http://schemas.microsoft.com/office/drawing/2014/main" id="{E3DBCD9F-B105-41FB-B64F-130A3A6883F6}"/>
+              </a:ext>
+            </a:extLst>
+          </p:cNvPr>
+          <p:cNvGrpSpPr/>
+          <p:nvPr/>
+        </p:nvGrpSpPr>
+        <p:grpSpPr>
+          <a:xfrm>
+            <a:off x="223432" y="4505440"/>
+            <a:ext cx="2285999" cy="1584599"/>
+            <a:chOff x="6695440" y="1917646"/>
+            <a:chExt cx="2285999" cy="1584599"/>
+          </a:xfrm>
+        </p:grpSpPr>
+        <p:grpSp>
+          <p:nvGrpSpPr>
+            <p:cNvPr id="21" name="群組 20">
+              <a:extLst>
+                <a:ext uri="{FF2B5EF4-FFF2-40B4-BE49-F238E27FC236}">
+                  <a16:creationId xmlns:a16="http://schemas.microsoft.com/office/drawing/2014/main" id="{6974B9F9-ABCC-4989-92D1-95377202B300}"/>
+                </a:ext>
+              </a:extLst>
+            </p:cNvPr>
+            <p:cNvGrpSpPr/>
+            <p:nvPr/>
+          </p:nvGrpSpPr>
+          <p:grpSpPr>
+            <a:xfrm>
+              <a:off x="6825526" y="1991359"/>
+              <a:ext cx="2155913" cy="1437641"/>
+              <a:chOff x="7061198" y="2352040"/>
+              <a:chExt cx="2407923" cy="2461562"/>
+            </a:xfrm>
+          </p:grpSpPr>
+          <p:cxnSp>
+            <p:nvCxnSpPr>
+              <p:cNvPr id="25" name="接點: 肘形 24">
+                <a:extLst>
+                  <a:ext uri="{FF2B5EF4-FFF2-40B4-BE49-F238E27FC236}">
+                    <a16:creationId xmlns:a16="http://schemas.microsoft.com/office/drawing/2014/main" id="{12CDEB56-856E-493A-838A-90EF6B031016}"/>
+                  </a:ext>
+                </a:extLst>
+              </p:cNvPr>
+              <p:cNvCxnSpPr/>
+              <p:nvPr/>
+            </p:nvCxnSpPr>
+            <p:spPr>
+              <a:xfrm flipV="1">
+                <a:off x="7061201" y="2352040"/>
+                <a:ext cx="2407920" cy="1226792"/>
+              </a:xfrm>
+              <a:prstGeom prst="bentConnector3">
+                <a:avLst/>
+              </a:prstGeom>
+              <a:ln w="12700">
+                <a:solidFill>
+                  <a:srgbClr val="0000FF"/>
+                </a:solidFill>
+              </a:ln>
+            </p:spPr>
+            <p:style>
+              <a:lnRef idx="1">
+                <a:schemeClr val="accent1"/>
+              </a:lnRef>
+              <a:fillRef idx="0">
+                <a:schemeClr val="accent1"/>
+              </a:fillRef>
+              <a:effectRef idx="0">
+                <a:schemeClr val="accent1"/>
+              </a:effectRef>
+              <a:fontRef idx="minor">
+                <a:schemeClr val="tx1"/>
+              </a:fontRef>
+            </p:style>
+          </p:cxnSp>
+          <p:cxnSp>
+            <p:nvCxnSpPr>
+              <p:cNvPr id="26" name="接點: 肘形 25">
+                <a:extLst>
+                  <a:ext uri="{FF2B5EF4-FFF2-40B4-BE49-F238E27FC236}">
+                    <a16:creationId xmlns:a16="http://schemas.microsoft.com/office/drawing/2014/main" id="{9E47E78D-5C7F-429C-968C-CA27B33E4D9F}"/>
+                  </a:ext>
+                </a:extLst>
+              </p:cNvPr>
+              <p:cNvCxnSpPr>
+                <a:cxnSpLocks/>
+              </p:cNvCxnSpPr>
+              <p:nvPr/>
+            </p:nvCxnSpPr>
+            <p:spPr>
+              <a:xfrm>
+                <a:off x="7061198" y="3586176"/>
+                <a:ext cx="2407920" cy="1227426"/>
+              </a:xfrm>
+              <a:prstGeom prst="bentConnector3">
+                <a:avLst/>
+              </a:prstGeom>
+              <a:ln w="12700">
+                <a:solidFill>
+                  <a:srgbClr val="FF0000"/>
+                </a:solidFill>
+              </a:ln>
+            </p:spPr>
+            <p:style>
+              <a:lnRef idx="1">
+                <a:schemeClr val="accent1"/>
+              </a:lnRef>
+              <a:fillRef idx="0">
+                <a:schemeClr val="accent1"/>
+              </a:fillRef>
+              <a:effectRef idx="0">
+                <a:schemeClr val="accent1"/>
+              </a:effectRef>
+              <a:fontRef idx="minor">
+                <a:schemeClr val="tx1"/>
+              </a:fontRef>
+            </p:style>
+          </p:cxnSp>
+        </p:grpSp>
+        <p:sp>
+          <p:nvSpPr>
+            <p:cNvPr id="22" name="文字方塊 21">
+              <a:extLst>
+                <a:ext uri="{FF2B5EF4-FFF2-40B4-BE49-F238E27FC236}">
+                  <a16:creationId xmlns:a16="http://schemas.microsoft.com/office/drawing/2014/main" id="{EFD0BBAC-94AB-41F3-8EE0-1B623A970989}"/>
+                </a:ext>
+              </a:extLst>
+            </p:cNvPr>
+            <p:cNvSpPr txBox="1"/>
+            <p:nvPr/>
+          </p:nvSpPr>
+          <p:spPr>
+            <a:xfrm>
+              <a:off x="8173765" y="1917646"/>
+              <a:ext cx="806631" cy="523220"/>
+            </a:xfrm>
+            <a:prstGeom prst="rect">
+              <a:avLst/>
+            </a:prstGeom>
+            <a:noFill/>
+          </p:spPr>
+          <p:txBody>
+            <a:bodyPr wrap="none" rtlCol="0">
+              <a:spAutoFit/>
+            </a:bodyPr>
+            <a:lstStyle/>
+            <a:p>
+              <a:pPr marL="0" marR="0" lvl="0" indent="0" algn="l" defTabSz="914400" rtl="0" eaLnBrk="1" fontAlgn="auto" latinLnBrk="0" hangingPunct="1">
+                <a:lnSpc>
+                  <a:spcPct val="100000"/>
+                </a:lnSpc>
+                <a:spcBef>
+                  <a:spcPts val="0"/>
+                </a:spcBef>
+                <a:spcAft>
+                  <a:spcPts val="0"/>
+                </a:spcAft>
+                <a:buClrTx/>
+                <a:buSzTx/>
+                <a:buFontTx/>
+                <a:buNone/>
+                <a:tabLst/>
+                <a:defRPr/>
+              </a:pPr>
+              <a:r>
+                <a:rPr kumimoji="0" lang="en-US" altLang="zh-TW" sz="2800" b="0" i="0" u="none" strike="noStrike" kern="1200" cap="none" spc="0" normalizeH="0" baseline="0" noProof="0" dirty="0">
+                  <a:ln>
+                    <a:noFill/>
+                  </a:ln>
+                  <a:solidFill>
+                    <a:srgbClr val="0000FF"/>
+                  </a:solidFill>
+                  <a:effectLst/>
+                  <a:uLnTx/>
+                  <a:uFillTx/>
+                  <a:latin typeface="Calibri" panose="020F0502020204030204"/>
+                  <a:ea typeface="新細明體" panose="02020500000000000000" pitchFamily="18" charset="-120"/>
+                  <a:cs typeface="+mn-cs"/>
+                </a:rPr>
+                <a:t>50%</a:t>
+              </a:r>
+              <a:endParaRPr kumimoji="0" lang="zh-TW" altLang="en-US" sz="2800" b="0" i="0" u="none" strike="noStrike" kern="1200" cap="none" spc="0" normalizeH="0" baseline="0" noProof="0" dirty="0">
+                <a:ln>
+                  <a:noFill/>
+                </a:ln>
+                <a:solidFill>
+                  <a:srgbClr val="0000FF"/>
+                </a:solidFill>
+                <a:effectLst/>
+                <a:uLnTx/>
+                <a:uFillTx/>
+                <a:latin typeface="Calibri" panose="020F0502020204030204"/>
+                <a:ea typeface="新細明體" panose="02020500000000000000" pitchFamily="18" charset="-120"/>
+                <a:cs typeface="+mn-cs"/>
+              </a:endParaRPr>
+            </a:p>
+          </p:txBody>
+        </p:sp>
+        <p:sp>
+          <p:nvSpPr>
+            <p:cNvPr id="23" name="文字方塊 22">
+              <a:extLst>
+                <a:ext uri="{FF2B5EF4-FFF2-40B4-BE49-F238E27FC236}">
+                  <a16:creationId xmlns:a16="http://schemas.microsoft.com/office/drawing/2014/main" id="{D9DA7F43-4B32-4268-B985-8CB3A4BE274B}"/>
+                </a:ext>
+              </a:extLst>
+            </p:cNvPr>
+            <p:cNvSpPr txBox="1"/>
+            <p:nvPr/>
+          </p:nvSpPr>
+          <p:spPr>
+            <a:xfrm>
+              <a:off x="8173765" y="2979025"/>
+              <a:ext cx="806631" cy="523220"/>
+            </a:xfrm>
+            <a:prstGeom prst="rect">
+              <a:avLst/>
+            </a:prstGeom>
+            <a:noFill/>
+          </p:spPr>
+          <p:txBody>
+            <a:bodyPr wrap="none" rtlCol="0">
+              <a:spAutoFit/>
+            </a:bodyPr>
+            <a:lstStyle/>
+            <a:p>
+              <a:pPr marL="0" marR="0" lvl="0" indent="0" algn="l" defTabSz="914400" rtl="0" eaLnBrk="1" fontAlgn="auto" latinLnBrk="0" hangingPunct="1">
+                <a:lnSpc>
+                  <a:spcPct val="100000"/>
+                </a:lnSpc>
+                <a:spcBef>
+                  <a:spcPts val="0"/>
+                </a:spcBef>
+                <a:spcAft>
+                  <a:spcPts val="0"/>
+                </a:spcAft>
+                <a:buClrTx/>
+                <a:buSzTx/>
+                <a:buFontTx/>
+                <a:buNone/>
+                <a:tabLst/>
+                <a:defRPr/>
+              </a:pPr>
+              <a:r>
+                <a:rPr kumimoji="0" lang="en-US" altLang="zh-TW" sz="2800" b="0" i="0" u="none" strike="noStrike" kern="1200" cap="none" spc="0" normalizeH="0" baseline="0" noProof="0" dirty="0">
+                  <a:ln>
+                    <a:noFill/>
+                  </a:ln>
+                  <a:solidFill>
+                    <a:srgbClr val="FF0000"/>
+                  </a:solidFill>
+                  <a:effectLst/>
+                  <a:uLnTx/>
+                  <a:uFillTx/>
+                  <a:latin typeface="Calibri" panose="020F0502020204030204"/>
+                  <a:ea typeface="新細明體" panose="02020500000000000000" pitchFamily="18" charset="-120"/>
+                  <a:cs typeface="+mn-cs"/>
+                </a:rPr>
+                <a:t>50%</a:t>
+              </a:r>
+              <a:endParaRPr kumimoji="0" lang="zh-TW" altLang="en-US" sz="2800" b="0" i="0" u="none" strike="noStrike" kern="1200" cap="none" spc="0" normalizeH="0" baseline="0" noProof="0" dirty="0">
+                <a:ln>
+                  <a:noFill/>
+                </a:ln>
+                <a:solidFill>
+                  <a:srgbClr val="FF0000"/>
+                </a:solidFill>
+                <a:effectLst/>
+                <a:uLnTx/>
+                <a:uFillTx/>
+                <a:latin typeface="Calibri" panose="020F0502020204030204"/>
+                <a:ea typeface="新細明體" panose="02020500000000000000" pitchFamily="18" charset="-120"/>
+                <a:cs typeface="+mn-cs"/>
+              </a:endParaRPr>
+            </a:p>
+          </p:txBody>
+        </p:sp>
+        <p:sp>
+          <p:nvSpPr>
+            <p:cNvPr id="24" name="橢圓 23">
+              <a:extLst>
+                <a:ext uri="{FF2B5EF4-FFF2-40B4-BE49-F238E27FC236}">
+                  <a16:creationId xmlns:a16="http://schemas.microsoft.com/office/drawing/2014/main" id="{055A7936-C714-4372-912E-2A1DE3E2BBEB}"/>
+                </a:ext>
+              </a:extLst>
+            </p:cNvPr>
+            <p:cNvSpPr/>
+            <p:nvPr/>
+          </p:nvSpPr>
+          <p:spPr>
+            <a:xfrm>
+              <a:off x="6695440" y="2611120"/>
+              <a:ext cx="193040" cy="193040"/>
+            </a:xfrm>
+            <a:prstGeom prst="ellipse">
+              <a:avLst/>
+            </a:prstGeom>
+            <a:solidFill>
+              <a:schemeClr val="bg1">
+                <a:lumMod val="50000"/>
+              </a:schemeClr>
+            </a:solidFill>
+            <a:ln>
+              <a:noFill/>
+            </a:ln>
+          </p:spPr>
+          <p:style>
+            <a:lnRef idx="2">
+              <a:schemeClr val="accent1">
+                <a:shade val="50000"/>
+              </a:schemeClr>
+            </a:lnRef>
+            <a:fillRef idx="1">
+              <a:schemeClr val="accent1"/>
+            </a:fillRef>
+            <a:effectRef idx="0">
+              <a:schemeClr val="accent1"/>
+            </a:effectRef>
+            <a:fontRef idx="minor">
+              <a:schemeClr val="lt1"/>
+            </a:fontRef>
+          </p:style>
+          <p:txBody>
+            <a:bodyPr rtlCol="0" anchor="ctr"/>
+            <a:lstStyle/>
+            <a:p>
+              <a:pPr marL="0" marR="0" lvl="0" indent="0" algn="ctr" defTabSz="914400" rtl="0" eaLnBrk="1" fontAlgn="auto" latinLnBrk="0" hangingPunct="1">
+                <a:lnSpc>
+                  <a:spcPct val="100000"/>
+                </a:lnSpc>
+                <a:spcBef>
+                  <a:spcPts val="0"/>
+                </a:spcBef>
+                <a:spcAft>
+                  <a:spcPts val="0"/>
+                </a:spcAft>
+                <a:buClrTx/>
+                <a:buSzTx/>
+                <a:buFontTx/>
+                <a:buNone/>
+                <a:tabLst/>
+                <a:defRPr/>
+              </a:pPr>
+              <a:endParaRPr kumimoji="0" lang="zh-TW" altLang="en-US" sz="2800" b="0" i="0" u="none" strike="noStrike" kern="1200" cap="none" spc="0" normalizeH="0" baseline="0" noProof="0">
+                <a:ln>
+                  <a:noFill/>
+                </a:ln>
+                <a:solidFill>
+                  <a:prstClr val="white">
+                    <a:lumMod val="85000"/>
+                  </a:prstClr>
+                </a:solidFill>
+                <a:effectLst/>
+                <a:uLnTx/>
+                <a:uFillTx/>
+                <a:latin typeface="Calibri" panose="020F0502020204030204"/>
+                <a:ea typeface="新細明體" panose="02020500000000000000" pitchFamily="18" charset="-120"/>
+                <a:cs typeface="+mn-cs"/>
+              </a:endParaRPr>
+            </a:p>
+          </p:txBody>
+        </p:sp>
+      </p:grpSp>
+      <p:grpSp>
+        <p:nvGrpSpPr>
+          <p:cNvPr id="27" name="群組 26">
+            <a:extLst>
+              <a:ext uri="{FF2B5EF4-FFF2-40B4-BE49-F238E27FC236}">
+                <a16:creationId xmlns:a16="http://schemas.microsoft.com/office/drawing/2014/main" id="{61567155-66F3-4A6F-AB6F-453CAAD203AC}"/>
+              </a:ext>
+            </a:extLst>
+          </p:cNvPr>
+          <p:cNvGrpSpPr/>
+          <p:nvPr/>
+        </p:nvGrpSpPr>
+        <p:grpSpPr>
+          <a:xfrm>
+            <a:off x="3856624" y="226527"/>
+            <a:ext cx="2285999" cy="1584599"/>
+            <a:chOff x="6695440" y="1917646"/>
+            <a:chExt cx="2285999" cy="1584599"/>
+          </a:xfrm>
+        </p:grpSpPr>
+        <p:grpSp>
+          <p:nvGrpSpPr>
+            <p:cNvPr id="28" name="群組 27">
+              <a:extLst>
+                <a:ext uri="{FF2B5EF4-FFF2-40B4-BE49-F238E27FC236}">
+                  <a16:creationId xmlns:a16="http://schemas.microsoft.com/office/drawing/2014/main" id="{B1EE62FD-EB0D-4F39-B415-F9E899EA9D01}"/>
+                </a:ext>
+              </a:extLst>
+            </p:cNvPr>
+            <p:cNvGrpSpPr/>
+            <p:nvPr/>
+          </p:nvGrpSpPr>
+          <p:grpSpPr>
+            <a:xfrm>
+              <a:off x="6825526" y="1991359"/>
+              <a:ext cx="2155913" cy="1437641"/>
+              <a:chOff x="7061198" y="2352040"/>
+              <a:chExt cx="2407923" cy="2461562"/>
+            </a:xfrm>
+          </p:grpSpPr>
+          <p:cxnSp>
+            <p:nvCxnSpPr>
+              <p:cNvPr id="32" name="接點: 肘形 31">
+                <a:extLst>
+                  <a:ext uri="{FF2B5EF4-FFF2-40B4-BE49-F238E27FC236}">
+                    <a16:creationId xmlns:a16="http://schemas.microsoft.com/office/drawing/2014/main" id="{9716FA7D-84EA-4089-AC8C-BAF5B7D53BE3}"/>
+                  </a:ext>
+                </a:extLst>
+              </p:cNvPr>
+              <p:cNvCxnSpPr/>
+              <p:nvPr/>
+            </p:nvCxnSpPr>
+            <p:spPr>
+              <a:xfrm flipV="1">
+                <a:off x="7061201" y="2352040"/>
+                <a:ext cx="2407920" cy="1226792"/>
+              </a:xfrm>
+              <a:prstGeom prst="bentConnector3">
+                <a:avLst/>
+              </a:prstGeom>
+              <a:ln w="12700">
+                <a:solidFill>
+                  <a:srgbClr val="0000FF"/>
+                </a:solidFill>
+              </a:ln>
+            </p:spPr>
+            <p:style>
+              <a:lnRef idx="1">
+                <a:schemeClr val="accent1"/>
+              </a:lnRef>
+              <a:fillRef idx="0">
+                <a:schemeClr val="accent1"/>
+              </a:fillRef>
+              <a:effectRef idx="0">
+                <a:schemeClr val="accent1"/>
+              </a:effectRef>
+              <a:fontRef idx="minor">
+                <a:schemeClr val="tx1"/>
+              </a:fontRef>
+            </p:style>
+          </p:cxnSp>
+          <p:cxnSp>
+            <p:nvCxnSpPr>
+              <p:cNvPr id="33" name="接點: 肘形 32">
+                <a:extLst>
+                  <a:ext uri="{FF2B5EF4-FFF2-40B4-BE49-F238E27FC236}">
+                    <a16:creationId xmlns:a16="http://schemas.microsoft.com/office/drawing/2014/main" id="{4CA60C7B-BED0-4D5C-A785-B0204F3D02ED}"/>
+                  </a:ext>
+                </a:extLst>
+              </p:cNvPr>
+              <p:cNvCxnSpPr>
+                <a:cxnSpLocks/>
+              </p:cNvCxnSpPr>
+              <p:nvPr/>
+            </p:nvCxnSpPr>
+            <p:spPr>
+              <a:xfrm>
+                <a:off x="7061198" y="3586176"/>
+                <a:ext cx="2407920" cy="1227426"/>
+              </a:xfrm>
+              <a:prstGeom prst="bentConnector3">
+                <a:avLst/>
+              </a:prstGeom>
+              <a:ln w="12700">
+                <a:solidFill>
+                  <a:srgbClr val="FF0000"/>
+                </a:solidFill>
+              </a:ln>
+            </p:spPr>
+            <p:style>
+              <a:lnRef idx="1">
+                <a:schemeClr val="accent1"/>
+              </a:lnRef>
+              <a:fillRef idx="0">
+                <a:schemeClr val="accent1"/>
+              </a:fillRef>
+              <a:effectRef idx="0">
+                <a:schemeClr val="accent1"/>
+              </a:effectRef>
+              <a:fontRef idx="minor">
+                <a:schemeClr val="tx1"/>
+              </a:fontRef>
+            </p:style>
+          </p:cxnSp>
+        </p:grpSp>
+        <p:sp>
+          <p:nvSpPr>
+            <p:cNvPr id="29" name="文字方塊 28">
+              <a:extLst>
+                <a:ext uri="{FF2B5EF4-FFF2-40B4-BE49-F238E27FC236}">
+                  <a16:creationId xmlns:a16="http://schemas.microsoft.com/office/drawing/2014/main" id="{F8043E97-5BF7-48C5-842B-A263B1A8AD87}"/>
+                </a:ext>
+              </a:extLst>
+            </p:cNvPr>
+            <p:cNvSpPr txBox="1"/>
+            <p:nvPr/>
+          </p:nvSpPr>
+          <p:spPr>
+            <a:xfrm>
+              <a:off x="8173765" y="1917646"/>
+              <a:ext cx="806631" cy="523220"/>
+            </a:xfrm>
+            <a:prstGeom prst="rect">
+              <a:avLst/>
+            </a:prstGeom>
+            <a:noFill/>
+          </p:spPr>
+          <p:txBody>
+            <a:bodyPr wrap="none" rtlCol="0">
+              <a:spAutoFit/>
+            </a:bodyPr>
+            <a:lstStyle/>
+            <a:p>
+              <a:pPr marL="0" marR="0" lvl="0" indent="0" algn="l" defTabSz="914400" rtl="0" eaLnBrk="1" fontAlgn="auto" latinLnBrk="0" hangingPunct="1">
+                <a:lnSpc>
+                  <a:spcPct val="100000"/>
+                </a:lnSpc>
+                <a:spcBef>
+                  <a:spcPts val="0"/>
+                </a:spcBef>
+                <a:spcAft>
+                  <a:spcPts val="0"/>
+                </a:spcAft>
+                <a:buClrTx/>
+                <a:buSzTx/>
+                <a:buFontTx/>
+                <a:buNone/>
+                <a:tabLst/>
+                <a:defRPr/>
+              </a:pPr>
+              <a:r>
+                <a:rPr kumimoji="0" lang="en-US" altLang="zh-TW" sz="2800" b="0" i="0" u="none" strike="noStrike" kern="1200" cap="none" spc="0" normalizeH="0" baseline="0" noProof="0" dirty="0">
+                  <a:ln>
+                    <a:noFill/>
+                  </a:ln>
+                  <a:solidFill>
+                    <a:srgbClr val="0000FF"/>
+                  </a:solidFill>
+                  <a:effectLst/>
+                  <a:uLnTx/>
+                  <a:uFillTx/>
+                  <a:latin typeface="Calibri" panose="020F0502020204030204"/>
+                  <a:ea typeface="新細明體" panose="02020500000000000000" pitchFamily="18" charset="-120"/>
+                  <a:cs typeface="+mn-cs"/>
+                </a:rPr>
+                <a:t>50%</a:t>
+              </a:r>
+              <a:endParaRPr kumimoji="0" lang="zh-TW" altLang="en-US" sz="2800" b="0" i="0" u="none" strike="noStrike" kern="1200" cap="none" spc="0" normalizeH="0" baseline="0" noProof="0" dirty="0">
+                <a:ln>
+                  <a:noFill/>
+                </a:ln>
+                <a:solidFill>
+                  <a:srgbClr val="0000FF"/>
+                </a:solidFill>
+                <a:effectLst/>
+                <a:uLnTx/>
+                <a:uFillTx/>
+                <a:latin typeface="Calibri" panose="020F0502020204030204"/>
+                <a:ea typeface="新細明體" panose="02020500000000000000" pitchFamily="18" charset="-120"/>
+                <a:cs typeface="+mn-cs"/>
+              </a:endParaRPr>
+            </a:p>
+          </p:txBody>
+        </p:sp>
+        <p:sp>
+          <p:nvSpPr>
+            <p:cNvPr id="30" name="文字方塊 29">
+              <a:extLst>
+                <a:ext uri="{FF2B5EF4-FFF2-40B4-BE49-F238E27FC236}">
+                  <a16:creationId xmlns:a16="http://schemas.microsoft.com/office/drawing/2014/main" id="{D1ED85EF-1710-4D42-9E25-50A11AFBB7FA}"/>
+                </a:ext>
+              </a:extLst>
+            </p:cNvPr>
+            <p:cNvSpPr txBox="1"/>
+            <p:nvPr/>
+          </p:nvSpPr>
+          <p:spPr>
+            <a:xfrm>
+              <a:off x="8173765" y="2979025"/>
+              <a:ext cx="806631" cy="523220"/>
+            </a:xfrm>
+            <a:prstGeom prst="rect">
+              <a:avLst/>
+            </a:prstGeom>
+            <a:noFill/>
+          </p:spPr>
+          <p:txBody>
+            <a:bodyPr wrap="none" rtlCol="0">
+              <a:spAutoFit/>
+            </a:bodyPr>
+            <a:lstStyle/>
+            <a:p>
+              <a:pPr marL="0" marR="0" lvl="0" indent="0" algn="l" defTabSz="914400" rtl="0" eaLnBrk="1" fontAlgn="auto" latinLnBrk="0" hangingPunct="1">
+                <a:lnSpc>
+                  <a:spcPct val="100000"/>
+                </a:lnSpc>
+                <a:spcBef>
+                  <a:spcPts val="0"/>
+                </a:spcBef>
+                <a:spcAft>
+                  <a:spcPts val="0"/>
+                </a:spcAft>
+                <a:buClrTx/>
+                <a:buSzTx/>
+                <a:buFontTx/>
+                <a:buNone/>
+                <a:tabLst/>
+                <a:defRPr/>
+              </a:pPr>
+              <a:r>
+                <a:rPr kumimoji="0" lang="en-US" altLang="zh-TW" sz="2800" b="0" i="0" u="none" strike="noStrike" kern="1200" cap="none" spc="0" normalizeH="0" baseline="0" noProof="0" dirty="0">
+                  <a:ln>
+                    <a:noFill/>
+                  </a:ln>
+                  <a:solidFill>
+                    <a:srgbClr val="FF0000"/>
+                  </a:solidFill>
+                  <a:effectLst/>
+                  <a:uLnTx/>
+                  <a:uFillTx/>
+                  <a:latin typeface="Calibri" panose="020F0502020204030204"/>
+                  <a:ea typeface="新細明體" panose="02020500000000000000" pitchFamily="18" charset="-120"/>
+                  <a:cs typeface="+mn-cs"/>
+                </a:rPr>
+                <a:t>50%</a:t>
+              </a:r>
+              <a:endParaRPr kumimoji="0" lang="zh-TW" altLang="en-US" sz="2800" b="0" i="0" u="none" strike="noStrike" kern="1200" cap="none" spc="0" normalizeH="0" baseline="0" noProof="0" dirty="0">
+                <a:ln>
+                  <a:noFill/>
+                </a:ln>
+                <a:solidFill>
+                  <a:srgbClr val="FF0000"/>
+                </a:solidFill>
+                <a:effectLst/>
+                <a:uLnTx/>
+                <a:uFillTx/>
+                <a:latin typeface="Calibri" panose="020F0502020204030204"/>
+                <a:ea typeface="新細明體" panose="02020500000000000000" pitchFamily="18" charset="-120"/>
+                <a:cs typeface="+mn-cs"/>
+              </a:endParaRPr>
+            </a:p>
+          </p:txBody>
+        </p:sp>
+        <p:sp>
+          <p:nvSpPr>
+            <p:cNvPr id="31" name="橢圓 30">
+              <a:extLst>
+                <a:ext uri="{FF2B5EF4-FFF2-40B4-BE49-F238E27FC236}">
+                  <a16:creationId xmlns:a16="http://schemas.microsoft.com/office/drawing/2014/main" id="{E5795E59-95FB-4A5E-BB5A-E9455598B95C}"/>
+                </a:ext>
+              </a:extLst>
+            </p:cNvPr>
+            <p:cNvSpPr/>
+            <p:nvPr/>
+          </p:nvSpPr>
+          <p:spPr>
+            <a:xfrm>
+              <a:off x="6695440" y="2611120"/>
+              <a:ext cx="193040" cy="193040"/>
+            </a:xfrm>
+            <a:prstGeom prst="ellipse">
+              <a:avLst/>
+            </a:prstGeom>
+            <a:solidFill>
+              <a:schemeClr val="bg1">
+                <a:lumMod val="50000"/>
+              </a:schemeClr>
+            </a:solidFill>
+            <a:ln>
+              <a:noFill/>
+            </a:ln>
+          </p:spPr>
+          <p:style>
+            <a:lnRef idx="2">
+              <a:schemeClr val="accent1">
+                <a:shade val="50000"/>
+              </a:schemeClr>
+            </a:lnRef>
+            <a:fillRef idx="1">
+              <a:schemeClr val="accent1"/>
+            </a:fillRef>
+            <a:effectRef idx="0">
+              <a:schemeClr val="accent1"/>
+            </a:effectRef>
+            <a:fontRef idx="minor">
+              <a:schemeClr val="lt1"/>
+            </a:fontRef>
+          </p:style>
+          <p:txBody>
+            <a:bodyPr rtlCol="0" anchor="ctr"/>
+            <a:lstStyle/>
+            <a:p>
+              <a:pPr marL="0" marR="0" lvl="0" indent="0" algn="ctr" defTabSz="914400" rtl="0" eaLnBrk="1" fontAlgn="auto" latinLnBrk="0" hangingPunct="1">
+                <a:lnSpc>
+                  <a:spcPct val="100000"/>
+                </a:lnSpc>
+                <a:spcBef>
+                  <a:spcPts val="0"/>
+                </a:spcBef>
+                <a:spcAft>
+                  <a:spcPts val="0"/>
+                </a:spcAft>
+                <a:buClrTx/>
+                <a:buSzTx/>
+                <a:buFontTx/>
+                <a:buNone/>
+                <a:tabLst/>
+                <a:defRPr/>
+              </a:pPr>
+              <a:endParaRPr kumimoji="0" lang="zh-TW" altLang="en-US" sz="2800" b="0" i="0" u="none" strike="noStrike" kern="1200" cap="none" spc="0" normalizeH="0" baseline="0" noProof="0">
+                <a:ln>
+                  <a:noFill/>
+                </a:ln>
+                <a:solidFill>
+                  <a:prstClr val="white">
+                    <a:lumMod val="85000"/>
+                  </a:prstClr>
+                </a:solidFill>
+                <a:effectLst/>
+                <a:uLnTx/>
+                <a:uFillTx/>
+                <a:latin typeface="Calibri" panose="020F0502020204030204"/>
+                <a:ea typeface="新細明體" panose="02020500000000000000" pitchFamily="18" charset="-120"/>
+                <a:cs typeface="+mn-cs"/>
+              </a:endParaRPr>
+            </a:p>
+          </p:txBody>
+        </p:sp>
+      </p:grpSp>
+      <p:grpSp>
+        <p:nvGrpSpPr>
+          <p:cNvPr id="34" name="群組 33">
+            <a:extLst>
+              <a:ext uri="{FF2B5EF4-FFF2-40B4-BE49-F238E27FC236}">
+                <a16:creationId xmlns:a16="http://schemas.microsoft.com/office/drawing/2014/main" id="{337F54A1-B943-4FF3-AFB6-5265BBAB9AD3}"/>
+              </a:ext>
+            </a:extLst>
+          </p:cNvPr>
+          <p:cNvGrpSpPr/>
+          <p:nvPr/>
+        </p:nvGrpSpPr>
+        <p:grpSpPr>
+          <a:xfrm>
+            <a:off x="3820345" y="2367621"/>
+            <a:ext cx="2285999" cy="1584599"/>
+            <a:chOff x="6695440" y="1917646"/>
+            <a:chExt cx="2285999" cy="1584599"/>
+          </a:xfrm>
+        </p:grpSpPr>
+        <p:grpSp>
+          <p:nvGrpSpPr>
+            <p:cNvPr id="35" name="群組 34">
+              <a:extLst>
+                <a:ext uri="{FF2B5EF4-FFF2-40B4-BE49-F238E27FC236}">
+                  <a16:creationId xmlns:a16="http://schemas.microsoft.com/office/drawing/2014/main" id="{6B0C5E98-7438-4977-85A6-EFB428EBE76A}"/>
+                </a:ext>
+              </a:extLst>
+            </p:cNvPr>
+            <p:cNvGrpSpPr/>
+            <p:nvPr/>
+          </p:nvGrpSpPr>
+          <p:grpSpPr>
+            <a:xfrm>
+              <a:off x="6825526" y="1991359"/>
+              <a:ext cx="2155913" cy="1437641"/>
+              <a:chOff x="7061198" y="2352040"/>
+              <a:chExt cx="2407923" cy="2461562"/>
+            </a:xfrm>
+          </p:grpSpPr>
+          <p:cxnSp>
+            <p:nvCxnSpPr>
+              <p:cNvPr id="39" name="接點: 肘形 38">
+                <a:extLst>
+                  <a:ext uri="{FF2B5EF4-FFF2-40B4-BE49-F238E27FC236}">
+                    <a16:creationId xmlns:a16="http://schemas.microsoft.com/office/drawing/2014/main" id="{6E8DA781-0830-41C4-ACB9-FF700CDC4272}"/>
+                  </a:ext>
+                </a:extLst>
+              </p:cNvPr>
+              <p:cNvCxnSpPr/>
+              <p:nvPr/>
+            </p:nvCxnSpPr>
+            <p:spPr>
+              <a:xfrm flipV="1">
+                <a:off x="7061201" y="2352040"/>
+                <a:ext cx="2407920" cy="1226792"/>
+              </a:xfrm>
+              <a:prstGeom prst="bentConnector3">
+                <a:avLst/>
+              </a:prstGeom>
+              <a:ln w="12700">
+                <a:solidFill>
+                  <a:srgbClr val="0000FF"/>
+                </a:solidFill>
+              </a:ln>
+            </p:spPr>
+            <p:style>
+              <a:lnRef idx="1">
+                <a:schemeClr val="accent1"/>
+              </a:lnRef>
+              <a:fillRef idx="0">
+                <a:schemeClr val="accent1"/>
+              </a:fillRef>
+              <a:effectRef idx="0">
+                <a:schemeClr val="accent1"/>
+              </a:effectRef>
+              <a:fontRef idx="minor">
+                <a:schemeClr val="tx1"/>
+              </a:fontRef>
+            </p:style>
+          </p:cxnSp>
+          <p:cxnSp>
+            <p:nvCxnSpPr>
+              <p:cNvPr id="40" name="接點: 肘形 39">
+                <a:extLst>
+                  <a:ext uri="{FF2B5EF4-FFF2-40B4-BE49-F238E27FC236}">
+                    <a16:creationId xmlns:a16="http://schemas.microsoft.com/office/drawing/2014/main" id="{9AEED716-94C3-4D58-8456-99D6DA39891A}"/>
+                  </a:ext>
+                </a:extLst>
+              </p:cNvPr>
+              <p:cNvCxnSpPr>
+                <a:cxnSpLocks/>
+              </p:cNvCxnSpPr>
+              <p:nvPr/>
+            </p:nvCxnSpPr>
+            <p:spPr>
+              <a:xfrm>
+                <a:off x="7061198" y="3586176"/>
+                <a:ext cx="2407920" cy="1227426"/>
+              </a:xfrm>
+              <a:prstGeom prst="bentConnector3">
+                <a:avLst/>
+              </a:prstGeom>
+              <a:ln w="12700">
+                <a:solidFill>
+                  <a:srgbClr val="FF0000"/>
+                </a:solidFill>
+              </a:ln>
+            </p:spPr>
+            <p:style>
+              <a:lnRef idx="1">
+                <a:schemeClr val="accent1"/>
+              </a:lnRef>
+              <a:fillRef idx="0">
+                <a:schemeClr val="accent1"/>
+              </a:fillRef>
+              <a:effectRef idx="0">
+                <a:schemeClr val="accent1"/>
+              </a:effectRef>
+              <a:fontRef idx="minor">
+                <a:schemeClr val="tx1"/>
+              </a:fontRef>
+            </p:style>
+          </p:cxnSp>
+        </p:grpSp>
+        <p:sp>
+          <p:nvSpPr>
+            <p:cNvPr id="36" name="文字方塊 35">
+              <a:extLst>
+                <a:ext uri="{FF2B5EF4-FFF2-40B4-BE49-F238E27FC236}">
+                  <a16:creationId xmlns:a16="http://schemas.microsoft.com/office/drawing/2014/main" id="{F07FDC21-BE74-4020-BCCC-F7670378AA85}"/>
+                </a:ext>
+              </a:extLst>
+            </p:cNvPr>
+            <p:cNvSpPr txBox="1"/>
+            <p:nvPr/>
+          </p:nvSpPr>
+          <p:spPr>
+            <a:xfrm>
+              <a:off x="8173765" y="1917646"/>
+              <a:ext cx="806631" cy="523220"/>
+            </a:xfrm>
+            <a:prstGeom prst="rect">
+              <a:avLst/>
+            </a:prstGeom>
+            <a:noFill/>
+          </p:spPr>
+          <p:txBody>
+            <a:bodyPr wrap="none" rtlCol="0">
+              <a:spAutoFit/>
+            </a:bodyPr>
+            <a:lstStyle/>
+            <a:p>
+              <a:pPr marL="0" marR="0" lvl="0" indent="0" algn="l" defTabSz="914400" rtl="0" eaLnBrk="1" fontAlgn="auto" latinLnBrk="0" hangingPunct="1">
+                <a:lnSpc>
+                  <a:spcPct val="100000"/>
+                </a:lnSpc>
+                <a:spcBef>
+                  <a:spcPts val="0"/>
+                </a:spcBef>
+                <a:spcAft>
+                  <a:spcPts val="0"/>
+                </a:spcAft>
+                <a:buClrTx/>
+                <a:buSzTx/>
+                <a:buFontTx/>
+                <a:buNone/>
+                <a:tabLst/>
+                <a:defRPr/>
+              </a:pPr>
+              <a:r>
+                <a:rPr kumimoji="0" lang="en-US" altLang="zh-TW" sz="2800" b="0" i="0" u="none" strike="noStrike" kern="1200" cap="none" spc="0" normalizeH="0" baseline="0" noProof="0" dirty="0">
+                  <a:ln>
+                    <a:noFill/>
+                  </a:ln>
+                  <a:solidFill>
+                    <a:srgbClr val="0000FF"/>
+                  </a:solidFill>
+                  <a:effectLst/>
+                  <a:uLnTx/>
+                  <a:uFillTx/>
+                  <a:latin typeface="Calibri" panose="020F0502020204030204"/>
+                  <a:ea typeface="新細明體" panose="02020500000000000000" pitchFamily="18" charset="-120"/>
+                  <a:cs typeface="+mn-cs"/>
+                </a:rPr>
+                <a:t>50%</a:t>
+              </a:r>
+              <a:endParaRPr kumimoji="0" lang="zh-TW" altLang="en-US" sz="2800" b="0" i="0" u="none" strike="noStrike" kern="1200" cap="none" spc="0" normalizeH="0" baseline="0" noProof="0" dirty="0">
+                <a:ln>
+                  <a:noFill/>
+                </a:ln>
+                <a:solidFill>
+                  <a:srgbClr val="0000FF"/>
+                </a:solidFill>
+                <a:effectLst/>
+                <a:uLnTx/>
+                <a:uFillTx/>
+                <a:latin typeface="Calibri" panose="020F0502020204030204"/>
+                <a:ea typeface="新細明體" panose="02020500000000000000" pitchFamily="18" charset="-120"/>
+                <a:cs typeface="+mn-cs"/>
+              </a:endParaRPr>
+            </a:p>
+          </p:txBody>
+        </p:sp>
+        <p:sp>
+          <p:nvSpPr>
+            <p:cNvPr id="37" name="文字方塊 36">
+              <a:extLst>
+                <a:ext uri="{FF2B5EF4-FFF2-40B4-BE49-F238E27FC236}">
+                  <a16:creationId xmlns:a16="http://schemas.microsoft.com/office/drawing/2014/main" id="{518EABD3-532B-4DBC-BD80-9D4BB3B60CBF}"/>
+                </a:ext>
+              </a:extLst>
+            </p:cNvPr>
+            <p:cNvSpPr txBox="1"/>
+            <p:nvPr/>
+          </p:nvSpPr>
+          <p:spPr>
+            <a:xfrm>
+              <a:off x="8173765" y="2979025"/>
+              <a:ext cx="806631" cy="523220"/>
+            </a:xfrm>
+            <a:prstGeom prst="rect">
+              <a:avLst/>
+            </a:prstGeom>
+            <a:noFill/>
+          </p:spPr>
+          <p:txBody>
+            <a:bodyPr wrap="none" rtlCol="0">
+              <a:spAutoFit/>
+            </a:bodyPr>
+            <a:lstStyle/>
+            <a:p>
+              <a:pPr marL="0" marR="0" lvl="0" indent="0" algn="l" defTabSz="914400" rtl="0" eaLnBrk="1" fontAlgn="auto" latinLnBrk="0" hangingPunct="1">
+                <a:lnSpc>
+                  <a:spcPct val="100000"/>
+                </a:lnSpc>
+                <a:spcBef>
+                  <a:spcPts val="0"/>
+                </a:spcBef>
+                <a:spcAft>
+                  <a:spcPts val="0"/>
+                </a:spcAft>
+                <a:buClrTx/>
+                <a:buSzTx/>
+                <a:buFontTx/>
+                <a:buNone/>
+                <a:tabLst/>
+                <a:defRPr/>
+              </a:pPr>
+              <a:r>
+                <a:rPr kumimoji="0" lang="en-US" altLang="zh-TW" sz="2800" b="0" i="0" u="none" strike="noStrike" kern="1200" cap="none" spc="0" normalizeH="0" baseline="0" noProof="0" dirty="0">
+                  <a:ln>
+                    <a:noFill/>
+                  </a:ln>
+                  <a:solidFill>
+                    <a:srgbClr val="FF0000"/>
+                  </a:solidFill>
+                  <a:effectLst/>
+                  <a:uLnTx/>
+                  <a:uFillTx/>
+                  <a:latin typeface="Calibri" panose="020F0502020204030204"/>
+                  <a:ea typeface="新細明體" panose="02020500000000000000" pitchFamily="18" charset="-120"/>
+                  <a:cs typeface="+mn-cs"/>
+                </a:rPr>
+                <a:t>50%</a:t>
+              </a:r>
+              <a:endParaRPr kumimoji="0" lang="zh-TW" altLang="en-US" sz="2800" b="0" i="0" u="none" strike="noStrike" kern="1200" cap="none" spc="0" normalizeH="0" baseline="0" noProof="0" dirty="0">
+                <a:ln>
+                  <a:noFill/>
+                </a:ln>
+                <a:solidFill>
+                  <a:srgbClr val="FF0000"/>
+                </a:solidFill>
+                <a:effectLst/>
+                <a:uLnTx/>
+                <a:uFillTx/>
+                <a:latin typeface="Calibri" panose="020F0502020204030204"/>
+                <a:ea typeface="新細明體" panose="02020500000000000000" pitchFamily="18" charset="-120"/>
+                <a:cs typeface="+mn-cs"/>
+              </a:endParaRPr>
+            </a:p>
+          </p:txBody>
+        </p:sp>
+        <p:sp>
+          <p:nvSpPr>
+            <p:cNvPr id="38" name="橢圓 37">
+              <a:extLst>
+                <a:ext uri="{FF2B5EF4-FFF2-40B4-BE49-F238E27FC236}">
+                  <a16:creationId xmlns:a16="http://schemas.microsoft.com/office/drawing/2014/main" id="{32BCFBB5-1C55-491D-A146-1E6106316F3B}"/>
+                </a:ext>
+              </a:extLst>
+            </p:cNvPr>
+            <p:cNvSpPr/>
+            <p:nvPr/>
+          </p:nvSpPr>
+          <p:spPr>
+            <a:xfrm>
+              <a:off x="6695440" y="2611120"/>
+              <a:ext cx="193040" cy="193040"/>
+            </a:xfrm>
+            <a:prstGeom prst="ellipse">
+              <a:avLst/>
+            </a:prstGeom>
+            <a:solidFill>
+              <a:schemeClr val="bg1">
+                <a:lumMod val="50000"/>
+              </a:schemeClr>
+            </a:solidFill>
+            <a:ln>
+              <a:noFill/>
+            </a:ln>
+          </p:spPr>
+          <p:style>
+            <a:lnRef idx="2">
+              <a:schemeClr val="accent1">
+                <a:shade val="50000"/>
+              </a:schemeClr>
+            </a:lnRef>
+            <a:fillRef idx="1">
+              <a:schemeClr val="accent1"/>
+            </a:fillRef>
+            <a:effectRef idx="0">
+              <a:schemeClr val="accent1"/>
+            </a:effectRef>
+            <a:fontRef idx="minor">
+              <a:schemeClr val="lt1"/>
+            </a:fontRef>
+          </p:style>
+          <p:txBody>
+            <a:bodyPr rtlCol="0" anchor="ctr"/>
+            <a:lstStyle/>
+            <a:p>
+              <a:pPr marL="0" marR="0" lvl="0" indent="0" algn="ctr" defTabSz="914400" rtl="0" eaLnBrk="1" fontAlgn="auto" latinLnBrk="0" hangingPunct="1">
+                <a:lnSpc>
+                  <a:spcPct val="100000"/>
+                </a:lnSpc>
+                <a:spcBef>
+                  <a:spcPts val="0"/>
+                </a:spcBef>
+                <a:spcAft>
+                  <a:spcPts val="0"/>
+                </a:spcAft>
+                <a:buClrTx/>
+                <a:buSzTx/>
+                <a:buFontTx/>
+                <a:buNone/>
+                <a:tabLst/>
+                <a:defRPr/>
+              </a:pPr>
+              <a:endParaRPr kumimoji="0" lang="zh-TW" altLang="en-US" sz="2800" b="0" i="0" u="none" strike="noStrike" kern="1200" cap="none" spc="0" normalizeH="0" baseline="0" noProof="0">
+                <a:ln>
+                  <a:noFill/>
+                </a:ln>
+                <a:solidFill>
+                  <a:prstClr val="white">
+                    <a:lumMod val="85000"/>
+                  </a:prstClr>
+                </a:solidFill>
+                <a:effectLst/>
+                <a:uLnTx/>
+                <a:uFillTx/>
+                <a:latin typeface="Calibri" panose="020F0502020204030204"/>
+                <a:ea typeface="新細明體" panose="02020500000000000000" pitchFamily="18" charset="-120"/>
+                <a:cs typeface="+mn-cs"/>
+              </a:endParaRPr>
+            </a:p>
+          </p:txBody>
+        </p:sp>
+      </p:grpSp>
+      <p:grpSp>
+        <p:nvGrpSpPr>
+          <p:cNvPr id="41" name="群組 40">
+            <a:extLst>
+              <a:ext uri="{FF2B5EF4-FFF2-40B4-BE49-F238E27FC236}">
+                <a16:creationId xmlns:a16="http://schemas.microsoft.com/office/drawing/2014/main" id="{B4E92841-FCE3-4812-AF47-1CBFB442C6F3}"/>
+              </a:ext>
+            </a:extLst>
+          </p:cNvPr>
+          <p:cNvGrpSpPr/>
+          <p:nvPr/>
+        </p:nvGrpSpPr>
+        <p:grpSpPr>
+          <a:xfrm>
+            <a:off x="3778135" y="4505440"/>
+            <a:ext cx="2285999" cy="1584599"/>
+            <a:chOff x="6695440" y="1917646"/>
+            <a:chExt cx="2285999" cy="1584599"/>
+          </a:xfrm>
+        </p:grpSpPr>
+        <p:grpSp>
+          <p:nvGrpSpPr>
+            <p:cNvPr id="42" name="群組 41">
+              <a:extLst>
+                <a:ext uri="{FF2B5EF4-FFF2-40B4-BE49-F238E27FC236}">
+                  <a16:creationId xmlns:a16="http://schemas.microsoft.com/office/drawing/2014/main" id="{D3220AFD-CAF4-4026-B441-C9262164C71F}"/>
+                </a:ext>
+              </a:extLst>
+            </p:cNvPr>
+            <p:cNvGrpSpPr/>
+            <p:nvPr/>
+          </p:nvGrpSpPr>
+          <p:grpSpPr>
+            <a:xfrm>
+              <a:off x="6825526" y="1991359"/>
+              <a:ext cx="2155913" cy="1437641"/>
+              <a:chOff x="7061198" y="2352040"/>
+              <a:chExt cx="2407923" cy="2461562"/>
+            </a:xfrm>
+          </p:grpSpPr>
+          <p:cxnSp>
+            <p:nvCxnSpPr>
+              <p:cNvPr id="46" name="接點: 肘形 45">
+                <a:extLst>
+                  <a:ext uri="{FF2B5EF4-FFF2-40B4-BE49-F238E27FC236}">
+                    <a16:creationId xmlns:a16="http://schemas.microsoft.com/office/drawing/2014/main" id="{256FF22B-C82E-4E93-A114-A878F262271D}"/>
+                  </a:ext>
+                </a:extLst>
+              </p:cNvPr>
+              <p:cNvCxnSpPr/>
+              <p:nvPr/>
+            </p:nvCxnSpPr>
+            <p:spPr>
+              <a:xfrm flipV="1">
+                <a:off x="7061201" y="2352040"/>
+                <a:ext cx="2407920" cy="1226792"/>
+              </a:xfrm>
+              <a:prstGeom prst="bentConnector3">
+                <a:avLst/>
+              </a:prstGeom>
+              <a:ln w="12700">
+                <a:solidFill>
+                  <a:srgbClr val="0000FF"/>
+                </a:solidFill>
+              </a:ln>
+            </p:spPr>
+            <p:style>
+              <a:lnRef idx="1">
+                <a:schemeClr val="accent1"/>
+              </a:lnRef>
+              <a:fillRef idx="0">
+                <a:schemeClr val="accent1"/>
+              </a:fillRef>
+              <a:effectRef idx="0">
+                <a:schemeClr val="accent1"/>
+              </a:effectRef>
+              <a:fontRef idx="minor">
+                <a:schemeClr val="tx1"/>
+              </a:fontRef>
+            </p:style>
+          </p:cxnSp>
+          <p:cxnSp>
+            <p:nvCxnSpPr>
+              <p:cNvPr id="47" name="接點: 肘形 46">
+                <a:extLst>
+                  <a:ext uri="{FF2B5EF4-FFF2-40B4-BE49-F238E27FC236}">
+                    <a16:creationId xmlns:a16="http://schemas.microsoft.com/office/drawing/2014/main" id="{C5CFA0AA-6B44-4089-B0F3-CB861454D11B}"/>
+                  </a:ext>
+                </a:extLst>
+              </p:cNvPr>
+              <p:cNvCxnSpPr>
+                <a:cxnSpLocks/>
+              </p:cNvCxnSpPr>
+              <p:nvPr/>
+            </p:nvCxnSpPr>
+            <p:spPr>
+              <a:xfrm>
+                <a:off x="7061198" y="3586176"/>
+                <a:ext cx="2407920" cy="1227426"/>
+              </a:xfrm>
+              <a:prstGeom prst="bentConnector3">
+                <a:avLst/>
+              </a:prstGeom>
+              <a:ln w="12700">
+                <a:solidFill>
+                  <a:srgbClr val="FF0000"/>
+                </a:solidFill>
+              </a:ln>
+            </p:spPr>
+            <p:style>
+              <a:lnRef idx="1">
+                <a:schemeClr val="accent1"/>
+              </a:lnRef>
+              <a:fillRef idx="0">
+                <a:schemeClr val="accent1"/>
+              </a:fillRef>
+              <a:effectRef idx="0">
+                <a:schemeClr val="accent1"/>
+              </a:effectRef>
+              <a:fontRef idx="minor">
+                <a:schemeClr val="tx1"/>
+              </a:fontRef>
+            </p:style>
+          </p:cxnSp>
+        </p:grpSp>
+        <p:sp>
+          <p:nvSpPr>
+            <p:cNvPr id="43" name="文字方塊 42">
+              <a:extLst>
+                <a:ext uri="{FF2B5EF4-FFF2-40B4-BE49-F238E27FC236}">
+                  <a16:creationId xmlns:a16="http://schemas.microsoft.com/office/drawing/2014/main" id="{231ED690-FFD3-4F74-BAF8-A9DC449AA569}"/>
+                </a:ext>
+              </a:extLst>
+            </p:cNvPr>
+            <p:cNvSpPr txBox="1"/>
+            <p:nvPr/>
+          </p:nvSpPr>
+          <p:spPr>
+            <a:xfrm>
+              <a:off x="8173765" y="1917646"/>
+              <a:ext cx="806631" cy="523220"/>
+            </a:xfrm>
+            <a:prstGeom prst="rect">
+              <a:avLst/>
+            </a:prstGeom>
+            <a:noFill/>
+          </p:spPr>
+          <p:txBody>
+            <a:bodyPr wrap="none" rtlCol="0">
+              <a:spAutoFit/>
+            </a:bodyPr>
+            <a:lstStyle/>
+            <a:p>
+              <a:pPr marL="0" marR="0" lvl="0" indent="0" algn="l" defTabSz="914400" rtl="0" eaLnBrk="1" fontAlgn="auto" latinLnBrk="0" hangingPunct="1">
+                <a:lnSpc>
+                  <a:spcPct val="100000"/>
+                </a:lnSpc>
+                <a:spcBef>
+                  <a:spcPts val="0"/>
+                </a:spcBef>
+                <a:spcAft>
+                  <a:spcPts val="0"/>
+                </a:spcAft>
+                <a:buClrTx/>
+                <a:buSzTx/>
+                <a:buFontTx/>
+                <a:buNone/>
+                <a:tabLst/>
+                <a:defRPr/>
+              </a:pPr>
+              <a:r>
+                <a:rPr kumimoji="0" lang="en-US" altLang="zh-TW" sz="2800" b="0" i="0" u="none" strike="noStrike" kern="1200" cap="none" spc="0" normalizeH="0" baseline="0" noProof="0" dirty="0">
+                  <a:ln>
+                    <a:noFill/>
+                  </a:ln>
+                  <a:solidFill>
+                    <a:srgbClr val="0000FF"/>
+                  </a:solidFill>
+                  <a:effectLst/>
+                  <a:uLnTx/>
+                  <a:uFillTx/>
+                  <a:latin typeface="Calibri" panose="020F0502020204030204"/>
+                  <a:ea typeface="新細明體" panose="02020500000000000000" pitchFamily="18" charset="-120"/>
+                  <a:cs typeface="+mn-cs"/>
+                </a:rPr>
+                <a:t>50%</a:t>
+              </a:r>
+              <a:endParaRPr kumimoji="0" lang="zh-TW" altLang="en-US" sz="2800" b="0" i="0" u="none" strike="noStrike" kern="1200" cap="none" spc="0" normalizeH="0" baseline="0" noProof="0" dirty="0">
+                <a:ln>
+                  <a:noFill/>
+                </a:ln>
+                <a:solidFill>
+                  <a:srgbClr val="0000FF"/>
+                </a:solidFill>
+                <a:effectLst/>
+                <a:uLnTx/>
+                <a:uFillTx/>
+                <a:latin typeface="Calibri" panose="020F0502020204030204"/>
+                <a:ea typeface="新細明體" panose="02020500000000000000" pitchFamily="18" charset="-120"/>
+                <a:cs typeface="+mn-cs"/>
+              </a:endParaRPr>
+            </a:p>
+          </p:txBody>
+        </p:sp>
+        <p:sp>
+          <p:nvSpPr>
+            <p:cNvPr id="44" name="文字方塊 43">
+              <a:extLst>
+                <a:ext uri="{FF2B5EF4-FFF2-40B4-BE49-F238E27FC236}">
+                  <a16:creationId xmlns:a16="http://schemas.microsoft.com/office/drawing/2014/main" id="{F6F3D5CB-1BC7-464F-8455-8540BED9C8A6}"/>
+                </a:ext>
+              </a:extLst>
+            </p:cNvPr>
+            <p:cNvSpPr txBox="1"/>
+            <p:nvPr/>
+          </p:nvSpPr>
+          <p:spPr>
+            <a:xfrm>
+              <a:off x="8173765" y="2979025"/>
+              <a:ext cx="806631" cy="523220"/>
+            </a:xfrm>
+            <a:prstGeom prst="rect">
+              <a:avLst/>
+            </a:prstGeom>
+            <a:noFill/>
+          </p:spPr>
+          <p:txBody>
+            <a:bodyPr wrap="none" rtlCol="0">
+              <a:spAutoFit/>
+            </a:bodyPr>
+            <a:lstStyle/>
+            <a:p>
+              <a:pPr marL="0" marR="0" lvl="0" indent="0" algn="l" defTabSz="914400" rtl="0" eaLnBrk="1" fontAlgn="auto" latinLnBrk="0" hangingPunct="1">
+                <a:lnSpc>
+                  <a:spcPct val="100000"/>
+                </a:lnSpc>
+                <a:spcBef>
+                  <a:spcPts val="0"/>
+                </a:spcBef>
+                <a:spcAft>
+                  <a:spcPts val="0"/>
+                </a:spcAft>
+                <a:buClrTx/>
+                <a:buSzTx/>
+                <a:buFontTx/>
+                <a:buNone/>
+                <a:tabLst/>
+                <a:defRPr/>
+              </a:pPr>
+              <a:r>
+                <a:rPr kumimoji="0" lang="en-US" altLang="zh-TW" sz="2800" b="0" i="0" u="none" strike="noStrike" kern="1200" cap="none" spc="0" normalizeH="0" baseline="0" noProof="0" dirty="0">
+                  <a:ln>
+                    <a:noFill/>
+                  </a:ln>
+                  <a:solidFill>
+                    <a:srgbClr val="FF0000"/>
+                  </a:solidFill>
+                  <a:effectLst/>
+                  <a:uLnTx/>
+                  <a:uFillTx/>
+                  <a:latin typeface="Calibri" panose="020F0502020204030204"/>
+                  <a:ea typeface="新細明體" panose="02020500000000000000" pitchFamily="18" charset="-120"/>
+                  <a:cs typeface="+mn-cs"/>
+                </a:rPr>
+                <a:t>50%</a:t>
+              </a:r>
+              <a:endParaRPr kumimoji="0" lang="zh-TW" altLang="en-US" sz="2800" b="0" i="0" u="none" strike="noStrike" kern="1200" cap="none" spc="0" normalizeH="0" baseline="0" noProof="0" dirty="0">
+                <a:ln>
+                  <a:noFill/>
+                </a:ln>
+                <a:solidFill>
+                  <a:srgbClr val="FF0000"/>
+                </a:solidFill>
+                <a:effectLst/>
+                <a:uLnTx/>
+                <a:uFillTx/>
+                <a:latin typeface="Calibri" panose="020F0502020204030204"/>
+                <a:ea typeface="新細明體" panose="02020500000000000000" pitchFamily="18" charset="-120"/>
+                <a:cs typeface="+mn-cs"/>
+              </a:endParaRPr>
+            </a:p>
+          </p:txBody>
+        </p:sp>
+        <p:sp>
+          <p:nvSpPr>
+            <p:cNvPr id="45" name="橢圓 44">
+              <a:extLst>
+                <a:ext uri="{FF2B5EF4-FFF2-40B4-BE49-F238E27FC236}">
+                  <a16:creationId xmlns:a16="http://schemas.microsoft.com/office/drawing/2014/main" id="{70503D00-8B8D-48DA-9397-F7A2F7513219}"/>
+                </a:ext>
+              </a:extLst>
+            </p:cNvPr>
+            <p:cNvSpPr/>
+            <p:nvPr/>
+          </p:nvSpPr>
+          <p:spPr>
+            <a:xfrm>
+              <a:off x="6695440" y="2611120"/>
+              <a:ext cx="193040" cy="193040"/>
+            </a:xfrm>
+            <a:prstGeom prst="ellipse">
+              <a:avLst/>
+            </a:prstGeom>
+            <a:solidFill>
+              <a:schemeClr val="bg1">
+                <a:lumMod val="50000"/>
+              </a:schemeClr>
+            </a:solidFill>
+            <a:ln>
+              <a:noFill/>
+            </a:ln>
+          </p:spPr>
+          <p:style>
+            <a:lnRef idx="2">
+              <a:schemeClr val="accent1">
+                <a:shade val="50000"/>
+              </a:schemeClr>
+            </a:lnRef>
+            <a:fillRef idx="1">
+              <a:schemeClr val="accent1"/>
+            </a:fillRef>
+            <a:effectRef idx="0">
+              <a:schemeClr val="accent1"/>
+            </a:effectRef>
+            <a:fontRef idx="minor">
+              <a:schemeClr val="lt1"/>
+            </a:fontRef>
+          </p:style>
+          <p:txBody>
+            <a:bodyPr rtlCol="0" anchor="ctr"/>
+            <a:lstStyle/>
+            <a:p>
+              <a:pPr marL="0" marR="0" lvl="0" indent="0" algn="ctr" defTabSz="914400" rtl="0" eaLnBrk="1" fontAlgn="auto" latinLnBrk="0" hangingPunct="1">
+                <a:lnSpc>
+                  <a:spcPct val="100000"/>
+                </a:lnSpc>
+                <a:spcBef>
+                  <a:spcPts val="0"/>
+                </a:spcBef>
+                <a:spcAft>
+                  <a:spcPts val="0"/>
+                </a:spcAft>
+                <a:buClrTx/>
+                <a:buSzTx/>
+                <a:buFontTx/>
+                <a:buNone/>
+                <a:tabLst/>
+                <a:defRPr/>
+              </a:pPr>
+              <a:endParaRPr kumimoji="0" lang="zh-TW" altLang="en-US" sz="2800" b="0" i="0" u="none" strike="noStrike" kern="1200" cap="none" spc="0" normalizeH="0" baseline="0" noProof="0">
+                <a:ln>
+                  <a:noFill/>
+                </a:ln>
+                <a:solidFill>
+                  <a:prstClr val="white">
+                    <a:lumMod val="85000"/>
+                  </a:prstClr>
+                </a:solidFill>
+                <a:effectLst/>
+                <a:uLnTx/>
+                <a:uFillTx/>
+                <a:latin typeface="Calibri" panose="020F0502020204030204"/>
+                <a:ea typeface="新細明體" panose="02020500000000000000" pitchFamily="18" charset="-120"/>
+                <a:cs typeface="+mn-cs"/>
+              </a:endParaRPr>
+            </a:p>
+          </p:txBody>
+        </p:sp>
+      </p:grpSp>
+      <p:grpSp>
+        <p:nvGrpSpPr>
+          <p:cNvPr id="48" name="群組 47">
+            <a:extLst>
+              <a:ext uri="{FF2B5EF4-FFF2-40B4-BE49-F238E27FC236}">
+                <a16:creationId xmlns:a16="http://schemas.microsoft.com/office/drawing/2014/main" id="{6285490F-D62C-4C7A-B9B3-1FC997C99E24}"/>
+              </a:ext>
+            </a:extLst>
+          </p:cNvPr>
+          <p:cNvGrpSpPr/>
+          <p:nvPr/>
+        </p:nvGrpSpPr>
+        <p:grpSpPr>
+          <a:xfrm>
+            <a:off x="7161853" y="200946"/>
+            <a:ext cx="2285999" cy="1584599"/>
+            <a:chOff x="6695440" y="1917646"/>
+            <a:chExt cx="2285999" cy="1584599"/>
+          </a:xfrm>
+        </p:grpSpPr>
+        <p:grpSp>
+          <p:nvGrpSpPr>
+            <p:cNvPr id="49" name="群組 48">
+              <a:extLst>
+                <a:ext uri="{FF2B5EF4-FFF2-40B4-BE49-F238E27FC236}">
+                  <a16:creationId xmlns:a16="http://schemas.microsoft.com/office/drawing/2014/main" id="{96D2BAC7-093F-4A94-B2F5-6E790AA5C886}"/>
+                </a:ext>
+              </a:extLst>
+            </p:cNvPr>
+            <p:cNvGrpSpPr/>
+            <p:nvPr/>
+          </p:nvGrpSpPr>
+          <p:grpSpPr>
+            <a:xfrm>
+              <a:off x="6825526" y="1991359"/>
+              <a:ext cx="2155913" cy="1437641"/>
+              <a:chOff x="7061198" y="2352040"/>
+              <a:chExt cx="2407923" cy="2461562"/>
+            </a:xfrm>
+          </p:grpSpPr>
+          <p:cxnSp>
+            <p:nvCxnSpPr>
+              <p:cNvPr id="53" name="接點: 肘形 52">
+                <a:extLst>
+                  <a:ext uri="{FF2B5EF4-FFF2-40B4-BE49-F238E27FC236}">
+                    <a16:creationId xmlns:a16="http://schemas.microsoft.com/office/drawing/2014/main" id="{CE4CFE5D-9CF5-4BAE-B1BF-37B4CD91706B}"/>
+                  </a:ext>
+                </a:extLst>
+              </p:cNvPr>
+              <p:cNvCxnSpPr/>
+              <p:nvPr/>
+            </p:nvCxnSpPr>
+            <p:spPr>
+              <a:xfrm flipV="1">
+                <a:off x="7061201" y="2352040"/>
+                <a:ext cx="2407920" cy="1226792"/>
+              </a:xfrm>
+              <a:prstGeom prst="bentConnector3">
+                <a:avLst/>
+              </a:prstGeom>
+              <a:ln w="12700">
+                <a:solidFill>
+                  <a:srgbClr val="0000FF"/>
+                </a:solidFill>
+              </a:ln>
+            </p:spPr>
+            <p:style>
+              <a:lnRef idx="1">
+                <a:schemeClr val="accent1"/>
+              </a:lnRef>
+              <a:fillRef idx="0">
+                <a:schemeClr val="accent1"/>
+              </a:fillRef>
+              <a:effectRef idx="0">
+                <a:schemeClr val="accent1"/>
+              </a:effectRef>
+              <a:fontRef idx="minor">
+                <a:schemeClr val="tx1"/>
+              </a:fontRef>
+            </p:style>
+          </p:cxnSp>
+          <p:cxnSp>
+            <p:nvCxnSpPr>
+              <p:cNvPr id="54" name="接點: 肘形 53">
+                <a:extLst>
+                  <a:ext uri="{FF2B5EF4-FFF2-40B4-BE49-F238E27FC236}">
+                    <a16:creationId xmlns:a16="http://schemas.microsoft.com/office/drawing/2014/main" id="{9659DD96-4237-4DDB-BD6A-1C6E2E2BC20E}"/>
+                  </a:ext>
+                </a:extLst>
+              </p:cNvPr>
+              <p:cNvCxnSpPr>
+                <a:cxnSpLocks/>
+              </p:cNvCxnSpPr>
+              <p:nvPr/>
+            </p:nvCxnSpPr>
+            <p:spPr>
+              <a:xfrm>
+                <a:off x="7061198" y="3586176"/>
+                <a:ext cx="2407920" cy="1227426"/>
+              </a:xfrm>
+              <a:prstGeom prst="bentConnector3">
+                <a:avLst/>
+              </a:prstGeom>
+              <a:ln w="12700">
+                <a:solidFill>
+                  <a:srgbClr val="FF0000"/>
+                </a:solidFill>
+              </a:ln>
+            </p:spPr>
+            <p:style>
+              <a:lnRef idx="1">
+                <a:schemeClr val="accent1"/>
+              </a:lnRef>
+              <a:fillRef idx="0">
+                <a:schemeClr val="accent1"/>
+              </a:fillRef>
+              <a:effectRef idx="0">
+                <a:schemeClr val="accent1"/>
+              </a:effectRef>
+              <a:fontRef idx="minor">
+                <a:schemeClr val="tx1"/>
+              </a:fontRef>
+            </p:style>
+          </p:cxnSp>
+        </p:grpSp>
+        <p:sp>
+          <p:nvSpPr>
+            <p:cNvPr id="50" name="文字方塊 49">
+              <a:extLst>
+                <a:ext uri="{FF2B5EF4-FFF2-40B4-BE49-F238E27FC236}">
+                  <a16:creationId xmlns:a16="http://schemas.microsoft.com/office/drawing/2014/main" id="{BFC6468B-BEA7-46E3-BFF8-E8BA4DD4DF18}"/>
+                </a:ext>
+              </a:extLst>
+            </p:cNvPr>
+            <p:cNvSpPr txBox="1"/>
+            <p:nvPr/>
+          </p:nvSpPr>
+          <p:spPr>
+            <a:xfrm>
+              <a:off x="8173765" y="1917646"/>
+              <a:ext cx="806631" cy="523220"/>
+            </a:xfrm>
+            <a:prstGeom prst="rect">
+              <a:avLst/>
+            </a:prstGeom>
+            <a:noFill/>
+          </p:spPr>
+          <p:txBody>
+            <a:bodyPr wrap="none" rtlCol="0">
+              <a:spAutoFit/>
+            </a:bodyPr>
+            <a:lstStyle/>
+            <a:p>
+              <a:pPr marL="0" marR="0" lvl="0" indent="0" algn="l" defTabSz="914400" rtl="0" eaLnBrk="1" fontAlgn="auto" latinLnBrk="0" hangingPunct="1">
+                <a:lnSpc>
+                  <a:spcPct val="100000"/>
+                </a:lnSpc>
+                <a:spcBef>
+                  <a:spcPts val="0"/>
+                </a:spcBef>
+                <a:spcAft>
+                  <a:spcPts val="0"/>
+                </a:spcAft>
+                <a:buClrTx/>
+                <a:buSzTx/>
+                <a:buFontTx/>
+                <a:buNone/>
+                <a:tabLst/>
+                <a:defRPr/>
+              </a:pPr>
+              <a:r>
+                <a:rPr kumimoji="0" lang="en-US" altLang="zh-TW" sz="2800" b="0" i="0" u="none" strike="noStrike" kern="1200" cap="none" spc="0" normalizeH="0" baseline="0" noProof="0" dirty="0">
+                  <a:ln>
+                    <a:noFill/>
+                  </a:ln>
+                  <a:solidFill>
+                    <a:srgbClr val="0000FF"/>
+                  </a:solidFill>
+                  <a:effectLst/>
+                  <a:uLnTx/>
+                  <a:uFillTx/>
+                  <a:latin typeface="Calibri" panose="020F0502020204030204"/>
+                  <a:ea typeface="新細明體" panose="02020500000000000000" pitchFamily="18" charset="-120"/>
+                  <a:cs typeface="+mn-cs"/>
+                </a:rPr>
+                <a:t>50%</a:t>
+              </a:r>
+              <a:endParaRPr kumimoji="0" lang="zh-TW" altLang="en-US" sz="2800" b="0" i="0" u="none" strike="noStrike" kern="1200" cap="none" spc="0" normalizeH="0" baseline="0" noProof="0" dirty="0">
+                <a:ln>
+                  <a:noFill/>
+                </a:ln>
+                <a:solidFill>
+                  <a:srgbClr val="0000FF"/>
+                </a:solidFill>
+                <a:effectLst/>
+                <a:uLnTx/>
+                <a:uFillTx/>
+                <a:latin typeface="Calibri" panose="020F0502020204030204"/>
+                <a:ea typeface="新細明體" panose="02020500000000000000" pitchFamily="18" charset="-120"/>
+                <a:cs typeface="+mn-cs"/>
+              </a:endParaRPr>
+            </a:p>
+          </p:txBody>
+        </p:sp>
+        <p:sp>
+          <p:nvSpPr>
+            <p:cNvPr id="51" name="文字方塊 50">
+              <a:extLst>
+                <a:ext uri="{FF2B5EF4-FFF2-40B4-BE49-F238E27FC236}">
+                  <a16:creationId xmlns:a16="http://schemas.microsoft.com/office/drawing/2014/main" id="{5753BBB2-388B-425B-AF68-4567A5AB91AE}"/>
+                </a:ext>
+              </a:extLst>
+            </p:cNvPr>
+            <p:cNvSpPr txBox="1"/>
+            <p:nvPr/>
+          </p:nvSpPr>
+          <p:spPr>
+            <a:xfrm>
+              <a:off x="8173765" y="2979025"/>
+              <a:ext cx="806631" cy="523220"/>
+            </a:xfrm>
+            <a:prstGeom prst="rect">
+              <a:avLst/>
+            </a:prstGeom>
+            <a:noFill/>
+          </p:spPr>
+          <p:txBody>
+            <a:bodyPr wrap="none" rtlCol="0">
+              <a:spAutoFit/>
+            </a:bodyPr>
+            <a:lstStyle/>
+            <a:p>
+              <a:pPr marL="0" marR="0" lvl="0" indent="0" algn="l" defTabSz="914400" rtl="0" eaLnBrk="1" fontAlgn="auto" latinLnBrk="0" hangingPunct="1">
+                <a:lnSpc>
+                  <a:spcPct val="100000"/>
+                </a:lnSpc>
+                <a:spcBef>
+                  <a:spcPts val="0"/>
+                </a:spcBef>
+                <a:spcAft>
+                  <a:spcPts val="0"/>
+                </a:spcAft>
+                <a:buClrTx/>
+                <a:buSzTx/>
+                <a:buFontTx/>
+                <a:buNone/>
+                <a:tabLst/>
+                <a:defRPr/>
+              </a:pPr>
+              <a:r>
+                <a:rPr kumimoji="0" lang="en-US" altLang="zh-TW" sz="2800" b="0" i="0" u="none" strike="noStrike" kern="1200" cap="none" spc="0" normalizeH="0" baseline="0" noProof="0" dirty="0">
+                  <a:ln>
+                    <a:noFill/>
+                  </a:ln>
+                  <a:solidFill>
+                    <a:srgbClr val="FF0000"/>
+                  </a:solidFill>
+                  <a:effectLst/>
+                  <a:uLnTx/>
+                  <a:uFillTx/>
+                  <a:latin typeface="Calibri" panose="020F0502020204030204"/>
+                  <a:ea typeface="新細明體" panose="02020500000000000000" pitchFamily="18" charset="-120"/>
+                  <a:cs typeface="+mn-cs"/>
+                </a:rPr>
+                <a:t>50%</a:t>
+              </a:r>
+              <a:endParaRPr kumimoji="0" lang="zh-TW" altLang="en-US" sz="2800" b="0" i="0" u="none" strike="noStrike" kern="1200" cap="none" spc="0" normalizeH="0" baseline="0" noProof="0" dirty="0">
+                <a:ln>
+                  <a:noFill/>
+                </a:ln>
+                <a:solidFill>
+                  <a:srgbClr val="FF0000"/>
+                </a:solidFill>
+                <a:effectLst/>
+                <a:uLnTx/>
+                <a:uFillTx/>
+                <a:latin typeface="Calibri" panose="020F0502020204030204"/>
+                <a:ea typeface="新細明體" panose="02020500000000000000" pitchFamily="18" charset="-120"/>
+                <a:cs typeface="+mn-cs"/>
+              </a:endParaRPr>
+            </a:p>
+          </p:txBody>
+        </p:sp>
+        <p:sp>
+          <p:nvSpPr>
+            <p:cNvPr id="52" name="橢圓 51">
+              <a:extLst>
+                <a:ext uri="{FF2B5EF4-FFF2-40B4-BE49-F238E27FC236}">
+                  <a16:creationId xmlns:a16="http://schemas.microsoft.com/office/drawing/2014/main" id="{B2E00D40-1F7D-49A8-956B-0225EBA80CBE}"/>
+                </a:ext>
+              </a:extLst>
+            </p:cNvPr>
+            <p:cNvSpPr/>
+            <p:nvPr/>
+          </p:nvSpPr>
+          <p:spPr>
+            <a:xfrm>
+              <a:off x="6695440" y="2611120"/>
+              <a:ext cx="193040" cy="193040"/>
+            </a:xfrm>
+            <a:prstGeom prst="ellipse">
+              <a:avLst/>
+            </a:prstGeom>
+            <a:solidFill>
+              <a:schemeClr val="bg1">
+                <a:lumMod val="50000"/>
+              </a:schemeClr>
+            </a:solidFill>
+            <a:ln>
+              <a:noFill/>
+            </a:ln>
+          </p:spPr>
+          <p:style>
+            <a:lnRef idx="2">
+              <a:schemeClr val="accent1">
+                <a:shade val="50000"/>
+              </a:schemeClr>
+            </a:lnRef>
+            <a:fillRef idx="1">
+              <a:schemeClr val="accent1"/>
+            </a:fillRef>
+            <a:effectRef idx="0">
+              <a:schemeClr val="accent1"/>
+            </a:effectRef>
+            <a:fontRef idx="minor">
+              <a:schemeClr val="lt1"/>
+            </a:fontRef>
+          </p:style>
+          <p:txBody>
+            <a:bodyPr rtlCol="0" anchor="ctr"/>
+            <a:lstStyle/>
+            <a:p>
+              <a:pPr marL="0" marR="0" lvl="0" indent="0" algn="ctr" defTabSz="914400" rtl="0" eaLnBrk="1" fontAlgn="auto" latinLnBrk="0" hangingPunct="1">
+                <a:lnSpc>
+                  <a:spcPct val="100000"/>
+                </a:lnSpc>
+                <a:spcBef>
+                  <a:spcPts val="0"/>
+                </a:spcBef>
+                <a:spcAft>
+                  <a:spcPts val="0"/>
+                </a:spcAft>
+                <a:buClrTx/>
+                <a:buSzTx/>
+                <a:buFontTx/>
+                <a:buNone/>
+                <a:tabLst/>
+                <a:defRPr/>
+              </a:pPr>
+              <a:endParaRPr kumimoji="0" lang="zh-TW" altLang="en-US" sz="2800" b="0" i="0" u="none" strike="noStrike" kern="1200" cap="none" spc="0" normalizeH="0" baseline="0" noProof="0">
+                <a:ln>
+                  <a:noFill/>
+                </a:ln>
+                <a:solidFill>
+                  <a:prstClr val="white">
+                    <a:lumMod val="85000"/>
+                  </a:prstClr>
+                </a:solidFill>
+                <a:effectLst/>
+                <a:uLnTx/>
+                <a:uFillTx/>
+                <a:latin typeface="Calibri" panose="020F0502020204030204"/>
+                <a:ea typeface="新細明體" panose="02020500000000000000" pitchFamily="18" charset="-120"/>
+                <a:cs typeface="+mn-cs"/>
+              </a:endParaRPr>
+            </a:p>
+          </p:txBody>
+        </p:sp>
+      </p:grpSp>
+      <p:grpSp>
+        <p:nvGrpSpPr>
+          <p:cNvPr id="55" name="群組 54">
+            <a:extLst>
+              <a:ext uri="{FF2B5EF4-FFF2-40B4-BE49-F238E27FC236}">
+                <a16:creationId xmlns:a16="http://schemas.microsoft.com/office/drawing/2014/main" id="{3911BE9C-121E-4E4D-9F34-625F1FD03D64}"/>
+              </a:ext>
+            </a:extLst>
+          </p:cNvPr>
+          <p:cNvGrpSpPr/>
+          <p:nvPr/>
+        </p:nvGrpSpPr>
+        <p:grpSpPr>
+          <a:xfrm>
+            <a:off x="7161853" y="2365315"/>
+            <a:ext cx="2285999" cy="1584599"/>
+            <a:chOff x="6695440" y="1917646"/>
+            <a:chExt cx="2285999" cy="1584599"/>
+          </a:xfrm>
+        </p:grpSpPr>
+        <p:grpSp>
+          <p:nvGrpSpPr>
+            <p:cNvPr id="56" name="群組 55">
+              <a:extLst>
+                <a:ext uri="{FF2B5EF4-FFF2-40B4-BE49-F238E27FC236}">
+                  <a16:creationId xmlns:a16="http://schemas.microsoft.com/office/drawing/2014/main" id="{9BD11126-244E-4846-803B-8CD703FA51C6}"/>
+                </a:ext>
+              </a:extLst>
+            </p:cNvPr>
+            <p:cNvGrpSpPr/>
+            <p:nvPr/>
+          </p:nvGrpSpPr>
+          <p:grpSpPr>
+            <a:xfrm>
+              <a:off x="6825526" y="1991359"/>
+              <a:ext cx="2155913" cy="1437641"/>
+              <a:chOff x="7061198" y="2352040"/>
+              <a:chExt cx="2407923" cy="2461562"/>
+            </a:xfrm>
+          </p:grpSpPr>
+          <p:cxnSp>
+            <p:nvCxnSpPr>
+              <p:cNvPr id="60" name="接點: 肘形 59">
+                <a:extLst>
+                  <a:ext uri="{FF2B5EF4-FFF2-40B4-BE49-F238E27FC236}">
+                    <a16:creationId xmlns:a16="http://schemas.microsoft.com/office/drawing/2014/main" id="{9C24F1EC-ED7E-49AE-B42B-D3E6EC67A85A}"/>
+                  </a:ext>
+                </a:extLst>
+              </p:cNvPr>
+              <p:cNvCxnSpPr/>
+              <p:nvPr/>
+            </p:nvCxnSpPr>
+            <p:spPr>
+              <a:xfrm flipV="1">
+                <a:off x="7061201" y="2352040"/>
+                <a:ext cx="2407920" cy="1226792"/>
+              </a:xfrm>
+              <a:prstGeom prst="bentConnector3">
+                <a:avLst/>
+              </a:prstGeom>
+              <a:ln w="12700">
+                <a:solidFill>
+                  <a:srgbClr val="0000FF"/>
+                </a:solidFill>
+              </a:ln>
+            </p:spPr>
+            <p:style>
+              <a:lnRef idx="1">
+                <a:schemeClr val="accent1"/>
+              </a:lnRef>
+              <a:fillRef idx="0">
+                <a:schemeClr val="accent1"/>
+              </a:fillRef>
+              <a:effectRef idx="0">
+                <a:schemeClr val="accent1"/>
+              </a:effectRef>
+              <a:fontRef idx="minor">
+                <a:schemeClr val="tx1"/>
+              </a:fontRef>
+            </p:style>
+          </p:cxnSp>
+          <p:cxnSp>
+            <p:nvCxnSpPr>
+              <p:cNvPr id="61" name="接點: 肘形 60">
+                <a:extLst>
+                  <a:ext uri="{FF2B5EF4-FFF2-40B4-BE49-F238E27FC236}">
+                    <a16:creationId xmlns:a16="http://schemas.microsoft.com/office/drawing/2014/main" id="{138AB06B-D267-4F27-B82A-BF013D726B78}"/>
+                  </a:ext>
+                </a:extLst>
+              </p:cNvPr>
+              <p:cNvCxnSpPr>
+                <a:cxnSpLocks/>
+              </p:cNvCxnSpPr>
+              <p:nvPr/>
+            </p:nvCxnSpPr>
+            <p:spPr>
+              <a:xfrm>
+                <a:off x="7061198" y="3586176"/>
+                <a:ext cx="2407920" cy="1227426"/>
+              </a:xfrm>
+              <a:prstGeom prst="bentConnector3">
+                <a:avLst/>
+              </a:prstGeom>
+              <a:ln w="12700">
+                <a:solidFill>
+                  <a:srgbClr val="FF0000"/>
+                </a:solidFill>
+              </a:ln>
+            </p:spPr>
+            <p:style>
+              <a:lnRef idx="1">
+                <a:schemeClr val="accent1"/>
+              </a:lnRef>
+              <a:fillRef idx="0">
+                <a:schemeClr val="accent1"/>
+              </a:fillRef>
+              <a:effectRef idx="0">
+                <a:schemeClr val="accent1"/>
+              </a:effectRef>
+              <a:fontRef idx="minor">
+                <a:schemeClr val="tx1"/>
+              </a:fontRef>
+            </p:style>
+          </p:cxnSp>
+        </p:grpSp>
+        <p:sp>
+          <p:nvSpPr>
+            <p:cNvPr id="57" name="文字方塊 56">
+              <a:extLst>
+                <a:ext uri="{FF2B5EF4-FFF2-40B4-BE49-F238E27FC236}">
+                  <a16:creationId xmlns:a16="http://schemas.microsoft.com/office/drawing/2014/main" id="{E8103FEE-C86D-467C-9712-F073E3A9DF89}"/>
+                </a:ext>
+              </a:extLst>
+            </p:cNvPr>
+            <p:cNvSpPr txBox="1"/>
+            <p:nvPr/>
+          </p:nvSpPr>
+          <p:spPr>
+            <a:xfrm>
+              <a:off x="8173765" y="1917646"/>
+              <a:ext cx="806631" cy="523220"/>
+            </a:xfrm>
+            <a:prstGeom prst="rect">
+              <a:avLst/>
+            </a:prstGeom>
+            <a:noFill/>
+          </p:spPr>
+          <p:txBody>
+            <a:bodyPr wrap="none" rtlCol="0">
+              <a:spAutoFit/>
+            </a:bodyPr>
+            <a:lstStyle/>
+            <a:p>
+              <a:pPr marL="0" marR="0" lvl="0" indent="0" algn="l" defTabSz="914400" rtl="0" eaLnBrk="1" fontAlgn="auto" latinLnBrk="0" hangingPunct="1">
+                <a:lnSpc>
+                  <a:spcPct val="100000"/>
+                </a:lnSpc>
+                <a:spcBef>
+                  <a:spcPts val="0"/>
+                </a:spcBef>
+                <a:spcAft>
+                  <a:spcPts val="0"/>
+                </a:spcAft>
+                <a:buClrTx/>
+                <a:buSzTx/>
+                <a:buFontTx/>
+                <a:buNone/>
+                <a:tabLst/>
+                <a:defRPr/>
+              </a:pPr>
+              <a:r>
+                <a:rPr kumimoji="0" lang="en-US" altLang="zh-TW" sz="2800" b="0" i="0" u="none" strike="noStrike" kern="1200" cap="none" spc="0" normalizeH="0" baseline="0" noProof="0" dirty="0">
+                  <a:ln>
+                    <a:noFill/>
+                  </a:ln>
+                  <a:solidFill>
+                    <a:srgbClr val="0000FF"/>
+                  </a:solidFill>
+                  <a:effectLst/>
+                  <a:uLnTx/>
+                  <a:uFillTx/>
+                  <a:latin typeface="Calibri" panose="020F0502020204030204"/>
+                  <a:ea typeface="新細明體" panose="02020500000000000000" pitchFamily="18" charset="-120"/>
+                  <a:cs typeface="+mn-cs"/>
+                </a:rPr>
+                <a:t>50%</a:t>
+              </a:r>
+              <a:endParaRPr kumimoji="0" lang="zh-TW" altLang="en-US" sz="2800" b="0" i="0" u="none" strike="noStrike" kern="1200" cap="none" spc="0" normalizeH="0" baseline="0" noProof="0" dirty="0">
+                <a:ln>
+                  <a:noFill/>
+                </a:ln>
+                <a:solidFill>
+                  <a:srgbClr val="0000FF"/>
+                </a:solidFill>
+                <a:effectLst/>
+                <a:uLnTx/>
+                <a:uFillTx/>
+                <a:latin typeface="Calibri" panose="020F0502020204030204"/>
+                <a:ea typeface="新細明體" panose="02020500000000000000" pitchFamily="18" charset="-120"/>
+                <a:cs typeface="+mn-cs"/>
+              </a:endParaRPr>
+            </a:p>
+          </p:txBody>
+        </p:sp>
+        <p:sp>
+          <p:nvSpPr>
+            <p:cNvPr id="58" name="文字方塊 57">
+              <a:extLst>
+                <a:ext uri="{FF2B5EF4-FFF2-40B4-BE49-F238E27FC236}">
+                  <a16:creationId xmlns:a16="http://schemas.microsoft.com/office/drawing/2014/main" id="{EF655645-F2B5-446C-99AD-812731A68DEB}"/>
+                </a:ext>
+              </a:extLst>
+            </p:cNvPr>
+            <p:cNvSpPr txBox="1"/>
+            <p:nvPr/>
+          </p:nvSpPr>
+          <p:spPr>
+            <a:xfrm>
+              <a:off x="8173765" y="2979025"/>
+              <a:ext cx="806631" cy="523220"/>
+            </a:xfrm>
+            <a:prstGeom prst="rect">
+              <a:avLst/>
+            </a:prstGeom>
+            <a:noFill/>
+          </p:spPr>
+          <p:txBody>
+            <a:bodyPr wrap="none" rtlCol="0">
+              <a:spAutoFit/>
+            </a:bodyPr>
+            <a:lstStyle/>
+            <a:p>
+              <a:pPr marL="0" marR="0" lvl="0" indent="0" algn="l" defTabSz="914400" rtl="0" eaLnBrk="1" fontAlgn="auto" latinLnBrk="0" hangingPunct="1">
+                <a:lnSpc>
+                  <a:spcPct val="100000"/>
+                </a:lnSpc>
+                <a:spcBef>
+                  <a:spcPts val="0"/>
+                </a:spcBef>
+                <a:spcAft>
+                  <a:spcPts val="0"/>
+                </a:spcAft>
+                <a:buClrTx/>
+                <a:buSzTx/>
+                <a:buFontTx/>
+                <a:buNone/>
+                <a:tabLst/>
+                <a:defRPr/>
+              </a:pPr>
+              <a:r>
+                <a:rPr kumimoji="0" lang="en-US" altLang="zh-TW" sz="2800" b="0" i="0" u="none" strike="noStrike" kern="1200" cap="none" spc="0" normalizeH="0" baseline="0" noProof="0" dirty="0">
+                  <a:ln>
+                    <a:noFill/>
+                  </a:ln>
+                  <a:solidFill>
+                    <a:srgbClr val="FF0000"/>
+                  </a:solidFill>
+                  <a:effectLst/>
+                  <a:uLnTx/>
+                  <a:uFillTx/>
+                  <a:latin typeface="Calibri" panose="020F0502020204030204"/>
+                  <a:ea typeface="新細明體" panose="02020500000000000000" pitchFamily="18" charset="-120"/>
+                  <a:cs typeface="+mn-cs"/>
+                </a:rPr>
+                <a:t>50%</a:t>
+              </a:r>
+              <a:endParaRPr kumimoji="0" lang="zh-TW" altLang="en-US" sz="2800" b="0" i="0" u="none" strike="noStrike" kern="1200" cap="none" spc="0" normalizeH="0" baseline="0" noProof="0" dirty="0">
+                <a:ln>
+                  <a:noFill/>
+                </a:ln>
+                <a:solidFill>
+                  <a:srgbClr val="FF0000"/>
+                </a:solidFill>
+                <a:effectLst/>
+                <a:uLnTx/>
+                <a:uFillTx/>
+                <a:latin typeface="Calibri" panose="020F0502020204030204"/>
+                <a:ea typeface="新細明體" panose="02020500000000000000" pitchFamily="18" charset="-120"/>
+                <a:cs typeface="+mn-cs"/>
+              </a:endParaRPr>
+            </a:p>
+          </p:txBody>
+        </p:sp>
+        <p:sp>
+          <p:nvSpPr>
+            <p:cNvPr id="59" name="橢圓 58">
+              <a:extLst>
+                <a:ext uri="{FF2B5EF4-FFF2-40B4-BE49-F238E27FC236}">
+                  <a16:creationId xmlns:a16="http://schemas.microsoft.com/office/drawing/2014/main" id="{FF0A4AAB-A598-4E24-8E23-A8B5FB5FFD65}"/>
+                </a:ext>
+              </a:extLst>
+            </p:cNvPr>
+            <p:cNvSpPr/>
+            <p:nvPr/>
+          </p:nvSpPr>
+          <p:spPr>
+            <a:xfrm>
+              <a:off x="6695440" y="2611120"/>
+              <a:ext cx="193040" cy="193040"/>
+            </a:xfrm>
+            <a:prstGeom prst="ellipse">
+              <a:avLst/>
+            </a:prstGeom>
+            <a:solidFill>
+              <a:schemeClr val="bg1">
+                <a:lumMod val="50000"/>
+              </a:schemeClr>
+            </a:solidFill>
+            <a:ln>
+              <a:noFill/>
+            </a:ln>
+          </p:spPr>
+          <p:style>
+            <a:lnRef idx="2">
+              <a:schemeClr val="accent1">
+                <a:shade val="50000"/>
+              </a:schemeClr>
+            </a:lnRef>
+            <a:fillRef idx="1">
+              <a:schemeClr val="accent1"/>
+            </a:fillRef>
+            <a:effectRef idx="0">
+              <a:schemeClr val="accent1"/>
+            </a:effectRef>
+            <a:fontRef idx="minor">
+              <a:schemeClr val="lt1"/>
+            </a:fontRef>
+          </p:style>
+          <p:txBody>
+            <a:bodyPr rtlCol="0" anchor="ctr"/>
+            <a:lstStyle/>
+            <a:p>
+              <a:pPr marL="0" marR="0" lvl="0" indent="0" algn="ctr" defTabSz="914400" rtl="0" eaLnBrk="1" fontAlgn="auto" latinLnBrk="0" hangingPunct="1">
+                <a:lnSpc>
+                  <a:spcPct val="100000"/>
+                </a:lnSpc>
+                <a:spcBef>
+                  <a:spcPts val="0"/>
+                </a:spcBef>
+                <a:spcAft>
+                  <a:spcPts val="0"/>
+                </a:spcAft>
+                <a:buClrTx/>
+                <a:buSzTx/>
+                <a:buFontTx/>
+                <a:buNone/>
+                <a:tabLst/>
+                <a:defRPr/>
+              </a:pPr>
+              <a:endParaRPr kumimoji="0" lang="zh-TW" altLang="en-US" sz="2800" b="0" i="0" u="none" strike="noStrike" kern="1200" cap="none" spc="0" normalizeH="0" baseline="0" noProof="0">
+                <a:ln>
+                  <a:noFill/>
+                </a:ln>
+                <a:solidFill>
+                  <a:prstClr val="white">
+                    <a:lumMod val="85000"/>
+                  </a:prstClr>
+                </a:solidFill>
+                <a:effectLst/>
+                <a:uLnTx/>
+                <a:uFillTx/>
+                <a:latin typeface="Calibri" panose="020F0502020204030204"/>
+                <a:ea typeface="新細明體" panose="02020500000000000000" pitchFamily="18" charset="-120"/>
+                <a:cs typeface="+mn-cs"/>
+              </a:endParaRPr>
+            </a:p>
+          </p:txBody>
+        </p:sp>
+      </p:grpSp>
+      <p:grpSp>
+        <p:nvGrpSpPr>
+          <p:cNvPr id="62" name="群組 61">
+            <a:extLst>
+              <a:ext uri="{FF2B5EF4-FFF2-40B4-BE49-F238E27FC236}">
+                <a16:creationId xmlns:a16="http://schemas.microsoft.com/office/drawing/2014/main" id="{0F56E82C-A818-4A20-B7E8-531915B78B14}"/>
+              </a:ext>
+            </a:extLst>
+          </p:cNvPr>
+          <p:cNvGrpSpPr/>
+          <p:nvPr/>
+        </p:nvGrpSpPr>
+        <p:grpSpPr>
+          <a:xfrm>
+            <a:off x="7160810" y="4513384"/>
+            <a:ext cx="2285999" cy="1584599"/>
+            <a:chOff x="6695440" y="1917646"/>
+            <a:chExt cx="2285999" cy="1584599"/>
+          </a:xfrm>
+        </p:grpSpPr>
+        <p:grpSp>
+          <p:nvGrpSpPr>
+            <p:cNvPr id="63" name="群組 62">
+              <a:extLst>
+                <a:ext uri="{FF2B5EF4-FFF2-40B4-BE49-F238E27FC236}">
+                  <a16:creationId xmlns:a16="http://schemas.microsoft.com/office/drawing/2014/main" id="{E30DB83B-D744-47CB-A0E6-B5713544CE05}"/>
+                </a:ext>
+              </a:extLst>
+            </p:cNvPr>
+            <p:cNvGrpSpPr/>
+            <p:nvPr/>
+          </p:nvGrpSpPr>
+          <p:grpSpPr>
+            <a:xfrm>
+              <a:off x="6825526" y="1991359"/>
+              <a:ext cx="2155913" cy="1437641"/>
+              <a:chOff x="7061198" y="2352040"/>
+              <a:chExt cx="2407923" cy="2461562"/>
+            </a:xfrm>
+          </p:grpSpPr>
+          <p:cxnSp>
+            <p:nvCxnSpPr>
+              <p:cNvPr id="67" name="接點: 肘形 66">
+                <a:extLst>
+                  <a:ext uri="{FF2B5EF4-FFF2-40B4-BE49-F238E27FC236}">
+                    <a16:creationId xmlns:a16="http://schemas.microsoft.com/office/drawing/2014/main" id="{3F3C5818-5402-49A4-956B-65795C4B65B7}"/>
+                  </a:ext>
+                </a:extLst>
+              </p:cNvPr>
+              <p:cNvCxnSpPr/>
+              <p:nvPr/>
+            </p:nvCxnSpPr>
+            <p:spPr>
+              <a:xfrm flipV="1">
+                <a:off x="7061201" y="2352040"/>
+                <a:ext cx="2407920" cy="1226792"/>
+              </a:xfrm>
+              <a:prstGeom prst="bentConnector3">
+                <a:avLst/>
+              </a:prstGeom>
+              <a:ln w="12700">
+                <a:solidFill>
+                  <a:srgbClr val="0000FF"/>
+                </a:solidFill>
+              </a:ln>
+            </p:spPr>
+            <p:style>
+              <a:lnRef idx="1">
+                <a:schemeClr val="accent1"/>
+              </a:lnRef>
+              <a:fillRef idx="0">
+                <a:schemeClr val="accent1"/>
+              </a:fillRef>
+              <a:effectRef idx="0">
+                <a:schemeClr val="accent1"/>
+              </a:effectRef>
+              <a:fontRef idx="minor">
+                <a:schemeClr val="tx1"/>
+              </a:fontRef>
+            </p:style>
+          </p:cxnSp>
+          <p:cxnSp>
+            <p:nvCxnSpPr>
+              <p:cNvPr id="68" name="接點: 肘形 67">
+                <a:extLst>
+                  <a:ext uri="{FF2B5EF4-FFF2-40B4-BE49-F238E27FC236}">
+                    <a16:creationId xmlns:a16="http://schemas.microsoft.com/office/drawing/2014/main" id="{6B4941BE-6F5E-4ED8-B4DD-7BD7FB33903B}"/>
+                  </a:ext>
+                </a:extLst>
+              </p:cNvPr>
+              <p:cNvCxnSpPr>
+                <a:cxnSpLocks/>
+              </p:cNvCxnSpPr>
+              <p:nvPr/>
+            </p:nvCxnSpPr>
+            <p:spPr>
+              <a:xfrm>
+                <a:off x="7061198" y="3586176"/>
+                <a:ext cx="2407920" cy="1227426"/>
+              </a:xfrm>
+              <a:prstGeom prst="bentConnector3">
+                <a:avLst/>
+              </a:prstGeom>
+              <a:ln w="12700">
+                <a:solidFill>
+                  <a:srgbClr val="FF0000"/>
+                </a:solidFill>
+              </a:ln>
+            </p:spPr>
+            <p:style>
+              <a:lnRef idx="1">
+                <a:schemeClr val="accent1"/>
+              </a:lnRef>
+              <a:fillRef idx="0">
+                <a:schemeClr val="accent1"/>
+              </a:fillRef>
+              <a:effectRef idx="0">
+                <a:schemeClr val="accent1"/>
+              </a:effectRef>
+              <a:fontRef idx="minor">
+                <a:schemeClr val="tx1"/>
+              </a:fontRef>
+            </p:style>
+          </p:cxnSp>
+        </p:grpSp>
+        <p:sp>
+          <p:nvSpPr>
+            <p:cNvPr id="64" name="文字方塊 63">
+              <a:extLst>
+                <a:ext uri="{FF2B5EF4-FFF2-40B4-BE49-F238E27FC236}">
+                  <a16:creationId xmlns:a16="http://schemas.microsoft.com/office/drawing/2014/main" id="{A3105261-320B-4CC8-BFF7-BB5D5B14580D}"/>
+                </a:ext>
+              </a:extLst>
+            </p:cNvPr>
+            <p:cNvSpPr txBox="1"/>
+            <p:nvPr/>
+          </p:nvSpPr>
+          <p:spPr>
+            <a:xfrm>
+              <a:off x="8173765" y="1917646"/>
+              <a:ext cx="806631" cy="523220"/>
+            </a:xfrm>
+            <a:prstGeom prst="rect">
+              <a:avLst/>
+            </a:prstGeom>
+            <a:noFill/>
+          </p:spPr>
+          <p:txBody>
+            <a:bodyPr wrap="none" rtlCol="0">
+              <a:spAutoFit/>
+            </a:bodyPr>
+            <a:lstStyle/>
+            <a:p>
+              <a:pPr marL="0" marR="0" lvl="0" indent="0" algn="l" defTabSz="914400" rtl="0" eaLnBrk="1" fontAlgn="auto" latinLnBrk="0" hangingPunct="1">
+                <a:lnSpc>
+                  <a:spcPct val="100000"/>
+                </a:lnSpc>
+                <a:spcBef>
+                  <a:spcPts val="0"/>
+                </a:spcBef>
+                <a:spcAft>
+                  <a:spcPts val="0"/>
+                </a:spcAft>
+                <a:buClrTx/>
+                <a:buSzTx/>
+                <a:buFontTx/>
+                <a:buNone/>
+                <a:tabLst/>
+                <a:defRPr/>
+              </a:pPr>
+              <a:r>
+                <a:rPr kumimoji="0" lang="en-US" altLang="zh-TW" sz="2800" b="0" i="0" u="none" strike="noStrike" kern="1200" cap="none" spc="0" normalizeH="0" baseline="0" noProof="0" dirty="0">
+                  <a:ln>
+                    <a:noFill/>
+                  </a:ln>
+                  <a:solidFill>
+                    <a:srgbClr val="0000FF"/>
+                  </a:solidFill>
+                  <a:effectLst/>
+                  <a:uLnTx/>
+                  <a:uFillTx/>
+                  <a:latin typeface="Calibri" panose="020F0502020204030204"/>
+                  <a:ea typeface="新細明體" panose="02020500000000000000" pitchFamily="18" charset="-120"/>
+                  <a:cs typeface="+mn-cs"/>
+                </a:rPr>
+                <a:t>50%</a:t>
+              </a:r>
+              <a:endParaRPr kumimoji="0" lang="zh-TW" altLang="en-US" sz="2800" b="0" i="0" u="none" strike="noStrike" kern="1200" cap="none" spc="0" normalizeH="0" baseline="0" noProof="0" dirty="0">
+                <a:ln>
+                  <a:noFill/>
+                </a:ln>
+                <a:solidFill>
+                  <a:srgbClr val="0000FF"/>
+                </a:solidFill>
+                <a:effectLst/>
+                <a:uLnTx/>
+                <a:uFillTx/>
+                <a:latin typeface="Calibri" panose="020F0502020204030204"/>
+                <a:ea typeface="新細明體" panose="02020500000000000000" pitchFamily="18" charset="-120"/>
+                <a:cs typeface="+mn-cs"/>
+              </a:endParaRPr>
+            </a:p>
+          </p:txBody>
+        </p:sp>
+        <p:sp>
+          <p:nvSpPr>
+            <p:cNvPr id="65" name="文字方塊 64">
+              <a:extLst>
+                <a:ext uri="{FF2B5EF4-FFF2-40B4-BE49-F238E27FC236}">
+                  <a16:creationId xmlns:a16="http://schemas.microsoft.com/office/drawing/2014/main" id="{213912A4-AD01-4610-B361-D237F6FD0558}"/>
+                </a:ext>
+              </a:extLst>
+            </p:cNvPr>
+            <p:cNvSpPr txBox="1"/>
+            <p:nvPr/>
+          </p:nvSpPr>
+          <p:spPr>
+            <a:xfrm>
+              <a:off x="8173765" y="2979025"/>
+              <a:ext cx="806631" cy="523220"/>
+            </a:xfrm>
+            <a:prstGeom prst="rect">
+              <a:avLst/>
+            </a:prstGeom>
+            <a:noFill/>
+          </p:spPr>
+          <p:txBody>
+            <a:bodyPr wrap="none" rtlCol="0">
+              <a:spAutoFit/>
+            </a:bodyPr>
+            <a:lstStyle/>
+            <a:p>
+              <a:pPr marL="0" marR="0" lvl="0" indent="0" algn="l" defTabSz="914400" rtl="0" eaLnBrk="1" fontAlgn="auto" latinLnBrk="0" hangingPunct="1">
+                <a:lnSpc>
+                  <a:spcPct val="100000"/>
+                </a:lnSpc>
+                <a:spcBef>
+                  <a:spcPts val="0"/>
+                </a:spcBef>
+                <a:spcAft>
+                  <a:spcPts val="0"/>
+                </a:spcAft>
+                <a:buClrTx/>
+                <a:buSzTx/>
+                <a:buFontTx/>
+                <a:buNone/>
+                <a:tabLst/>
+                <a:defRPr/>
+              </a:pPr>
+              <a:r>
+                <a:rPr kumimoji="0" lang="en-US" altLang="zh-TW" sz="2800" b="0" i="0" u="none" strike="noStrike" kern="1200" cap="none" spc="0" normalizeH="0" baseline="0" noProof="0" dirty="0">
+                  <a:ln>
+                    <a:noFill/>
+                  </a:ln>
+                  <a:solidFill>
+                    <a:srgbClr val="FF0000"/>
+                  </a:solidFill>
+                  <a:effectLst/>
+                  <a:uLnTx/>
+                  <a:uFillTx/>
+                  <a:latin typeface="Calibri" panose="020F0502020204030204"/>
+                  <a:ea typeface="新細明體" panose="02020500000000000000" pitchFamily="18" charset="-120"/>
+                  <a:cs typeface="+mn-cs"/>
+                </a:rPr>
+                <a:t>50%</a:t>
+              </a:r>
+              <a:endParaRPr kumimoji="0" lang="zh-TW" altLang="en-US" sz="2800" b="0" i="0" u="none" strike="noStrike" kern="1200" cap="none" spc="0" normalizeH="0" baseline="0" noProof="0" dirty="0">
+                <a:ln>
+                  <a:noFill/>
+                </a:ln>
+                <a:solidFill>
+                  <a:srgbClr val="FF0000"/>
+                </a:solidFill>
+                <a:effectLst/>
+                <a:uLnTx/>
+                <a:uFillTx/>
+                <a:latin typeface="Calibri" panose="020F0502020204030204"/>
+                <a:ea typeface="新細明體" panose="02020500000000000000" pitchFamily="18" charset="-120"/>
+                <a:cs typeface="+mn-cs"/>
+              </a:endParaRPr>
+            </a:p>
+          </p:txBody>
+        </p:sp>
+        <p:sp>
+          <p:nvSpPr>
+            <p:cNvPr id="66" name="橢圓 65">
+              <a:extLst>
+                <a:ext uri="{FF2B5EF4-FFF2-40B4-BE49-F238E27FC236}">
+                  <a16:creationId xmlns:a16="http://schemas.microsoft.com/office/drawing/2014/main" id="{D19AFC64-C6A7-44DF-8185-02900A30F9AE}"/>
+                </a:ext>
+              </a:extLst>
+            </p:cNvPr>
+            <p:cNvSpPr/>
+            <p:nvPr/>
+          </p:nvSpPr>
+          <p:spPr>
+            <a:xfrm>
+              <a:off x="6695440" y="2611120"/>
+              <a:ext cx="193040" cy="193040"/>
+            </a:xfrm>
+            <a:prstGeom prst="ellipse">
+              <a:avLst/>
+            </a:prstGeom>
+            <a:solidFill>
+              <a:schemeClr val="bg1">
+                <a:lumMod val="50000"/>
+              </a:schemeClr>
+            </a:solidFill>
+            <a:ln>
+              <a:noFill/>
+            </a:ln>
+          </p:spPr>
+          <p:style>
+            <a:lnRef idx="2">
+              <a:schemeClr val="accent1">
+                <a:shade val="50000"/>
+              </a:schemeClr>
+            </a:lnRef>
+            <a:fillRef idx="1">
+              <a:schemeClr val="accent1"/>
+            </a:fillRef>
+            <a:effectRef idx="0">
+              <a:schemeClr val="accent1"/>
+            </a:effectRef>
+            <a:fontRef idx="minor">
+              <a:schemeClr val="lt1"/>
+            </a:fontRef>
+          </p:style>
+          <p:txBody>
+            <a:bodyPr rtlCol="0" anchor="ctr"/>
+            <a:lstStyle/>
+            <a:p>
+              <a:pPr marL="0" marR="0" lvl="0" indent="0" algn="ctr" defTabSz="914400" rtl="0" eaLnBrk="1" fontAlgn="auto" latinLnBrk="0" hangingPunct="1">
+                <a:lnSpc>
+                  <a:spcPct val="100000"/>
+                </a:lnSpc>
+                <a:spcBef>
+                  <a:spcPts val="0"/>
+                </a:spcBef>
+                <a:spcAft>
+                  <a:spcPts val="0"/>
+                </a:spcAft>
+                <a:buClrTx/>
+                <a:buSzTx/>
+                <a:buFontTx/>
+                <a:buNone/>
+                <a:tabLst/>
+                <a:defRPr/>
+              </a:pPr>
+              <a:endParaRPr kumimoji="0" lang="zh-TW" altLang="en-US" sz="2800" b="0" i="0" u="none" strike="noStrike" kern="1200" cap="none" spc="0" normalizeH="0" baseline="0" noProof="0">
+                <a:ln>
+                  <a:noFill/>
+                </a:ln>
+                <a:solidFill>
+                  <a:prstClr val="white">
+                    <a:lumMod val="85000"/>
+                  </a:prstClr>
+                </a:solidFill>
+                <a:effectLst/>
+                <a:uLnTx/>
+                <a:uFillTx/>
+                <a:latin typeface="Calibri" panose="020F0502020204030204"/>
+                <a:ea typeface="新細明體" panose="02020500000000000000" pitchFamily="18" charset="-120"/>
+                <a:cs typeface="+mn-cs"/>
+              </a:endParaRPr>
+            </a:p>
+          </p:txBody>
+        </p:sp>
+      </p:grpSp>
     </p:spTree>
     <p:extLst>
       <p:ext uri="{BB962C8B-B14F-4D97-AF65-F5344CB8AC3E}">
-        <p14:creationId xmlns:p14="http://schemas.microsoft.com/office/powerpoint/2010/main" val="452633977"/>
+        <p14:creationId xmlns:p14="http://schemas.microsoft.com/office/powerpoint/2010/main" val="3273326610"/>
       </p:ext>
     </p:extLst>
   </p:cSld>
@@ -9562,98 +13007,6 @@
     <p:extLst>
       <p:ext uri="{BB962C8B-B14F-4D97-AF65-F5344CB8AC3E}">
         <p14:creationId xmlns:p14="http://schemas.microsoft.com/office/powerpoint/2010/main" val="4068585295"/>
-      </p:ext>
-    </p:extLst>
-  </p:cSld>
-  <p:clrMapOvr>
-    <a:masterClrMapping/>
-  </p:clrMapOvr>
-</p:sld>
-</file>
-
-<file path=ppt/slides/slide20.xml><?xml version="1.0" encoding="utf-8"?>
-<p:sld xmlns:a="http://schemas.openxmlformats.org/drawingml/2006/main" xmlns:r="http://schemas.openxmlformats.org/officeDocument/2006/relationships" xmlns:p="http://schemas.openxmlformats.org/presentationml/2006/main" show="0">
-  <p:cSld>
-    <p:bg>
-      <p:bgPr>
-        <a:solidFill>
-          <a:schemeClr val="bg1">
-            <a:alpha val="0"/>
-          </a:schemeClr>
-        </a:solidFill>
-        <a:effectLst/>
-      </p:bgPr>
-    </p:bg>
-    <p:spTree>
-      <p:nvGrpSpPr>
-        <p:cNvPr id="1" name=""/>
-        <p:cNvGrpSpPr/>
-        <p:nvPr/>
-      </p:nvGrpSpPr>
-      <p:grpSpPr>
-        <a:xfrm>
-          <a:off x="0" y="0"/>
-          <a:ext cx="0" cy="0"/>
-          <a:chOff x="0" y="0"/>
-          <a:chExt cx="0" cy="0"/>
-        </a:xfrm>
-      </p:grpSpPr>
-      <p:sp>
-        <p:nvSpPr>
-          <p:cNvPr id="3" name="矩形 2">
-            <a:extLst>
-              <a:ext uri="{FF2B5EF4-FFF2-40B4-BE49-F238E27FC236}">
-                <a16:creationId xmlns:a16="http://schemas.microsoft.com/office/drawing/2014/main" id="{E73C0810-D63F-44FC-A0FC-5428B914DA66}"/>
-              </a:ext>
-            </a:extLst>
-          </p:cNvPr>
-          <p:cNvSpPr/>
-          <p:nvPr/>
-        </p:nvSpPr>
-        <p:spPr>
-          <a:xfrm>
-            <a:off x="4116245" y="1390206"/>
-            <a:ext cx="3959509" cy="4077588"/>
-          </a:xfrm>
-          <a:prstGeom prst="rect">
-            <a:avLst/>
-          </a:prstGeom>
-          <a:noFill/>
-          <a:ln w="76200">
-            <a:solidFill>
-              <a:srgbClr val="F6FA40"/>
-            </a:solidFill>
-          </a:ln>
-        </p:spPr>
-        <p:style>
-          <a:lnRef idx="2">
-            <a:schemeClr val="accent1">
-              <a:shade val="50000"/>
-            </a:schemeClr>
-          </a:lnRef>
-          <a:fillRef idx="1">
-            <a:schemeClr val="accent1"/>
-          </a:fillRef>
-          <a:effectRef idx="0">
-            <a:schemeClr val="accent1"/>
-          </a:effectRef>
-          <a:fontRef idx="minor">
-            <a:schemeClr val="lt1"/>
-          </a:fontRef>
-        </p:style>
-        <p:txBody>
-          <a:bodyPr rtlCol="0" anchor="ctr"/>
-          <a:lstStyle/>
-          <a:p>
-            <a:pPr algn="ctr"/>
-            <a:endParaRPr lang="zh-TW" altLang="en-US"/>
-          </a:p>
-        </p:txBody>
-      </p:sp>
-    </p:spTree>
-    <p:extLst>
-      <p:ext uri="{BB962C8B-B14F-4D97-AF65-F5344CB8AC3E}">
-        <p14:creationId xmlns:p14="http://schemas.microsoft.com/office/powerpoint/2010/main" val="913256217"/>
       </p:ext>
     </p:extLst>
   </p:cSld>

--- a/介面.pptx
+++ b/介面.pptx
@@ -1229,7 +1229,18 @@
           <a:bodyPr/>
           <a:lstStyle/>
           <a:p>
-            <a:endParaRPr lang="zh-TW" altLang="en-US" dirty="0"/>
+            <a:r>
+              <a:rPr lang="zh-TW" altLang="en-US" dirty="0"/>
+              <a:t>取</a:t>
+            </a:r>
+            <a:r>
+              <a:rPr lang="en-US" altLang="zh-TW" dirty="0"/>
+              <a:t>6</a:t>
+            </a:r>
+            <a:r>
+              <a:rPr lang="zh-TW" altLang="en-US" dirty="0"/>
+              <a:t>回合</a:t>
+            </a:r>
           </a:p>
         </p:txBody>
       </p:sp>
@@ -1312,6 +1323,33 @@
         <p:txBody>
           <a:bodyPr/>
           <a:lstStyle/>
+          <a:p>
+            <a:pPr marL="0" marR="0" lvl="0" indent="0" algn="l" defTabSz="914400" rtl="0" eaLnBrk="1" fontAlgn="auto" latinLnBrk="0" hangingPunct="1">
+              <a:lnSpc>
+                <a:spcPct val="100000"/>
+              </a:lnSpc>
+              <a:spcBef>
+                <a:spcPts val="0"/>
+              </a:spcBef>
+              <a:spcAft>
+                <a:spcPts val="0"/>
+              </a:spcAft>
+              <a:buClrTx/>
+              <a:buSzTx/>
+              <a:buFontTx/>
+              <a:buNone/>
+              <a:tabLst/>
+              <a:defRPr/>
+            </a:pPr>
+            <a:r>
+              <a:rPr lang="en-US" altLang="zh-TW" dirty="0"/>
+              <a:t>1~10</a:t>
+            </a:r>
+            <a:r>
+              <a:rPr lang="zh-TW" altLang="en-US" dirty="0"/>
+              <a:t>回合結果</a:t>
+            </a:r>
+          </a:p>
           <a:p>
             <a:endParaRPr lang="zh-TW" altLang="en-US" dirty="0"/>
           </a:p>
@@ -1397,7 +1435,34 @@
           <a:bodyPr/>
           <a:lstStyle/>
           <a:p>
-            <a:endParaRPr lang="zh-TW" altLang="en-US" dirty="0"/>
+            <a:pPr marL="0" marR="0" lvl="0" indent="0" algn="l" defTabSz="914400" rtl="0" eaLnBrk="1" fontAlgn="auto" latinLnBrk="0" hangingPunct="1">
+              <a:lnSpc>
+                <a:spcPct val="100000"/>
+              </a:lnSpc>
+              <a:spcBef>
+                <a:spcPts val="0"/>
+              </a:spcBef>
+              <a:spcAft>
+                <a:spcPts val="0"/>
+              </a:spcAft>
+              <a:buClrTx/>
+              <a:buSzTx/>
+              <a:buFontTx/>
+              <a:buNone/>
+              <a:tabLst/>
+              <a:defRPr/>
+            </a:pPr>
+            <a:r>
+              <a:rPr lang="en-US" altLang="zh-TW" dirty="0"/>
+              <a:t>11~19</a:t>
+            </a:r>
+            <a:r>
+              <a:rPr lang="zh-TW" altLang="en-US" dirty="0"/>
+              <a:t>回合結果</a:t>
+            </a:r>
+          </a:p>
+          <a:p>
+            <a:endParaRPr lang="zh-TW" altLang="en-US" b="1" dirty="0"/>
           </a:p>
         </p:txBody>
       </p:sp>
@@ -9543,7 +9608,7 @@
 </file>
 
 <file path=ppt/slides/slide17.xml><?xml version="1.0" encoding="utf-8"?>
-<p:sld xmlns:a="http://schemas.openxmlformats.org/drawingml/2006/main" xmlns:r="http://schemas.openxmlformats.org/officeDocument/2006/relationships" xmlns:p="http://schemas.openxmlformats.org/presentationml/2006/main">
+<p:sld xmlns:a="http://schemas.openxmlformats.org/drawingml/2006/main" xmlns:r="http://schemas.openxmlformats.org/officeDocument/2006/relationships" xmlns:p="http://schemas.openxmlformats.org/presentationml/2006/main" show="0">
   <p:cSld>
     <p:bg>
       <p:bgPr>
@@ -9569,881 +9634,352 @@
       </p:grpSpPr>
       <p:sp>
         <p:nvSpPr>
-          <p:cNvPr id="22" name="文字方塊 21">
+          <p:cNvPr id="2" name="矩形 1">
             <a:extLst>
               <a:ext uri="{FF2B5EF4-FFF2-40B4-BE49-F238E27FC236}">
-                <a16:creationId xmlns:a16="http://schemas.microsoft.com/office/drawing/2014/main" id="{550E758D-DC13-4B59-9304-DCDAFD148961}"/>
+                <a16:creationId xmlns:a16="http://schemas.microsoft.com/office/drawing/2014/main" id="{A06BB226-4284-43E4-9C52-8DB828B57E30}"/>
               </a:ext>
             </a:extLst>
           </p:cNvPr>
-          <p:cNvSpPr txBox="1"/>
+          <p:cNvSpPr/>
           <p:nvPr/>
         </p:nvSpPr>
         <p:spPr>
           <a:xfrm>
-            <a:off x="3379940" y="1564642"/>
-            <a:ext cx="275468" cy="523220"/>
+            <a:off x="2107584" y="2715323"/>
+            <a:ext cx="713678" cy="713678"/>
           </a:xfrm>
           <a:prstGeom prst="rect">
             <a:avLst/>
           </a:prstGeom>
           <a:noFill/>
+          <a:ln>
+            <a:solidFill>
+              <a:schemeClr val="tx1"/>
+            </a:solidFill>
+          </a:ln>
         </p:spPr>
+        <p:style>
+          <a:lnRef idx="2">
+            <a:schemeClr val="accent1">
+              <a:shade val="50000"/>
+            </a:schemeClr>
+          </a:lnRef>
+          <a:fillRef idx="1">
+            <a:schemeClr val="accent1"/>
+          </a:fillRef>
+          <a:effectRef idx="0">
+            <a:schemeClr val="accent1"/>
+          </a:effectRef>
+          <a:fontRef idx="minor">
+            <a:schemeClr val="lt1"/>
+          </a:fontRef>
+        </p:style>
         <p:txBody>
-          <a:bodyPr wrap="square" rtlCol="0">
-            <a:spAutoFit/>
-          </a:bodyPr>
+          <a:bodyPr rtlCol="0" anchor="ctr"/>
           <a:lstStyle/>
           <a:p>
             <a:pPr algn="ctr"/>
-            <a:r>
-              <a:rPr lang="en-US" altLang="zh-TW" sz="2800" dirty="0"/>
-              <a:t>A</a:t>
-            </a:r>
-            <a:endParaRPr lang="zh-TW" altLang="en-US" sz="2800" dirty="0"/>
+            <a:endParaRPr lang="zh-TW" altLang="en-US"/>
           </a:p>
         </p:txBody>
       </p:sp>
       <p:sp>
         <p:nvSpPr>
-          <p:cNvPr id="23" name="文字方塊 22">
+          <p:cNvPr id="20" name="矩形 19">
             <a:extLst>
               <a:ext uri="{FF2B5EF4-FFF2-40B4-BE49-F238E27FC236}">
-                <a16:creationId xmlns:a16="http://schemas.microsoft.com/office/drawing/2014/main" id="{419662D1-33EB-4771-8A7C-931DE6E46384}"/>
+                <a16:creationId xmlns:a16="http://schemas.microsoft.com/office/drawing/2014/main" id="{4613867E-5370-4A88-A3D9-69EFC6689299}"/>
               </a:ext>
             </a:extLst>
           </p:cNvPr>
-          <p:cNvSpPr txBox="1"/>
+          <p:cNvSpPr/>
           <p:nvPr/>
         </p:nvSpPr>
         <p:spPr>
           <a:xfrm>
-            <a:off x="8398860" y="1564642"/>
-            <a:ext cx="275468" cy="523220"/>
+            <a:off x="3564676" y="2715323"/>
+            <a:ext cx="713678" cy="713678"/>
           </a:xfrm>
           <a:prstGeom prst="rect">
             <a:avLst/>
           </a:prstGeom>
           <a:noFill/>
+          <a:ln>
+            <a:solidFill>
+              <a:schemeClr val="tx1"/>
+            </a:solidFill>
+          </a:ln>
         </p:spPr>
+        <p:style>
+          <a:lnRef idx="2">
+            <a:schemeClr val="accent1">
+              <a:shade val="50000"/>
+            </a:schemeClr>
+          </a:lnRef>
+          <a:fillRef idx="1">
+            <a:schemeClr val="accent1"/>
+          </a:fillRef>
+          <a:effectRef idx="0">
+            <a:schemeClr val="accent1"/>
+          </a:effectRef>
+          <a:fontRef idx="minor">
+            <a:schemeClr val="lt1"/>
+          </a:fontRef>
+        </p:style>
         <p:txBody>
-          <a:bodyPr wrap="square" rtlCol="0">
-            <a:spAutoFit/>
-          </a:bodyPr>
+          <a:bodyPr rtlCol="0" anchor="ctr"/>
           <a:lstStyle/>
           <a:p>
             <a:pPr algn="ctr"/>
-            <a:r>
-              <a:rPr lang="en-US" altLang="zh-TW" sz="2800" dirty="0"/>
-              <a:t>B</a:t>
-            </a:r>
-            <a:endParaRPr lang="zh-TW" altLang="en-US" sz="2800" dirty="0"/>
+            <a:endParaRPr lang="zh-TW" altLang="en-US"/>
           </a:p>
         </p:txBody>
       </p:sp>
-      <p:grpSp>
-        <p:nvGrpSpPr>
-          <p:cNvPr id="18" name="群組 17">
+      <p:sp>
+        <p:nvSpPr>
+          <p:cNvPr id="21" name="矩形 20">
             <a:extLst>
               <a:ext uri="{FF2B5EF4-FFF2-40B4-BE49-F238E27FC236}">
-                <a16:creationId xmlns:a16="http://schemas.microsoft.com/office/drawing/2014/main" id="{F425E307-7888-42DE-96B9-85FD47FD263A}"/>
+                <a16:creationId xmlns:a16="http://schemas.microsoft.com/office/drawing/2014/main" id="{591D7646-AA1F-4559-A6FD-A54C418E5AD4}"/>
               </a:ext>
             </a:extLst>
           </p:cNvPr>
-          <p:cNvGrpSpPr/>
-          <p:nvPr/>
-        </p:nvGrpSpPr>
-        <p:grpSpPr>
-          <a:xfrm>
-            <a:off x="1761933" y="2627816"/>
-            <a:ext cx="2285999" cy="1584599"/>
-            <a:chOff x="6695440" y="1917646"/>
-            <a:chExt cx="2285999" cy="1584599"/>
-          </a:xfrm>
-        </p:grpSpPr>
-        <p:grpSp>
-          <p:nvGrpSpPr>
-            <p:cNvPr id="15" name="群組 14">
-              <a:extLst>
-                <a:ext uri="{FF2B5EF4-FFF2-40B4-BE49-F238E27FC236}">
-                  <a16:creationId xmlns:a16="http://schemas.microsoft.com/office/drawing/2014/main" id="{714C36B4-E73A-4B74-93DD-1A1FA5434290}"/>
-                </a:ext>
-              </a:extLst>
-            </p:cNvPr>
-            <p:cNvGrpSpPr/>
-            <p:nvPr/>
-          </p:nvGrpSpPr>
-          <p:grpSpPr>
-            <a:xfrm>
-              <a:off x="6825526" y="1991359"/>
-              <a:ext cx="2155913" cy="1437641"/>
-              <a:chOff x="7061198" y="2352040"/>
-              <a:chExt cx="2407923" cy="2461562"/>
-            </a:xfrm>
-          </p:grpSpPr>
-          <p:cxnSp>
-            <p:nvCxnSpPr>
-              <p:cNvPr id="8" name="接點: 肘形 7">
-                <a:extLst>
-                  <a:ext uri="{FF2B5EF4-FFF2-40B4-BE49-F238E27FC236}">
-                    <a16:creationId xmlns:a16="http://schemas.microsoft.com/office/drawing/2014/main" id="{246BF67A-5064-4250-B577-2564F3123C02}"/>
-                  </a:ext>
-                </a:extLst>
-              </p:cNvPr>
-              <p:cNvCxnSpPr/>
-              <p:nvPr/>
-            </p:nvCxnSpPr>
-            <p:spPr>
-              <a:xfrm flipV="1">
-                <a:off x="7061201" y="2352040"/>
-                <a:ext cx="2407920" cy="1226792"/>
-              </a:xfrm>
-              <a:prstGeom prst="bentConnector3">
-                <a:avLst/>
-              </a:prstGeom>
-              <a:ln w="12700">
-                <a:solidFill>
-                  <a:srgbClr val="0000FF"/>
-                </a:solidFill>
-              </a:ln>
-            </p:spPr>
-            <p:style>
-              <a:lnRef idx="1">
-                <a:schemeClr val="accent1"/>
-              </a:lnRef>
-              <a:fillRef idx="0">
-                <a:schemeClr val="accent1"/>
-              </a:fillRef>
-              <a:effectRef idx="0">
-                <a:schemeClr val="accent1"/>
-              </a:effectRef>
-              <a:fontRef idx="minor">
-                <a:schemeClr val="tx1"/>
-              </a:fontRef>
-            </p:style>
-          </p:cxnSp>
-          <p:cxnSp>
-            <p:nvCxnSpPr>
-              <p:cNvPr id="10" name="接點: 肘形 9">
-                <a:extLst>
-                  <a:ext uri="{FF2B5EF4-FFF2-40B4-BE49-F238E27FC236}">
-                    <a16:creationId xmlns:a16="http://schemas.microsoft.com/office/drawing/2014/main" id="{10884705-0C1D-4DFB-ABDA-DB8C4D84B187}"/>
-                  </a:ext>
-                </a:extLst>
-              </p:cNvPr>
-              <p:cNvCxnSpPr>
-                <a:cxnSpLocks/>
-              </p:cNvCxnSpPr>
-              <p:nvPr/>
-            </p:nvCxnSpPr>
-            <p:spPr>
-              <a:xfrm>
-                <a:off x="7061198" y="3586176"/>
-                <a:ext cx="2407920" cy="1227426"/>
-              </a:xfrm>
-              <a:prstGeom prst="bentConnector3">
-                <a:avLst/>
-              </a:prstGeom>
-              <a:ln w="12700">
-                <a:solidFill>
-                  <a:srgbClr val="FF0000"/>
-                </a:solidFill>
-              </a:ln>
-            </p:spPr>
-            <p:style>
-              <a:lnRef idx="1">
-                <a:schemeClr val="accent1"/>
-              </a:lnRef>
-              <a:fillRef idx="0">
-                <a:schemeClr val="accent1"/>
-              </a:fillRef>
-              <a:effectRef idx="0">
-                <a:schemeClr val="accent1"/>
-              </a:effectRef>
-              <a:fontRef idx="minor">
-                <a:schemeClr val="tx1"/>
-              </a:fontRef>
-            </p:style>
-          </p:cxnSp>
-        </p:grpSp>
-        <p:sp>
-          <p:nvSpPr>
-            <p:cNvPr id="14" name="文字方塊 13">
-              <a:extLst>
-                <a:ext uri="{FF2B5EF4-FFF2-40B4-BE49-F238E27FC236}">
-                  <a16:creationId xmlns:a16="http://schemas.microsoft.com/office/drawing/2014/main" id="{1954365D-59CE-4ECC-B344-40C6C016D663}"/>
-                </a:ext>
-              </a:extLst>
-            </p:cNvPr>
-            <p:cNvSpPr txBox="1"/>
-            <p:nvPr/>
-          </p:nvSpPr>
-          <p:spPr>
-            <a:xfrm>
-              <a:off x="8173765" y="1917646"/>
-              <a:ext cx="806631" cy="523220"/>
-            </a:xfrm>
-            <a:prstGeom prst="rect">
-              <a:avLst/>
-            </a:prstGeom>
-            <a:noFill/>
-          </p:spPr>
-          <p:txBody>
-            <a:bodyPr wrap="none" rtlCol="0">
-              <a:spAutoFit/>
-            </a:bodyPr>
-            <a:lstStyle/>
-            <a:p>
-              <a:pPr marL="0" marR="0" lvl="0" indent="0" algn="l" defTabSz="914400" rtl="0" eaLnBrk="1" fontAlgn="auto" latinLnBrk="0" hangingPunct="1">
-                <a:lnSpc>
-                  <a:spcPct val="100000"/>
-                </a:lnSpc>
-                <a:spcBef>
-                  <a:spcPts val="0"/>
-                </a:spcBef>
-                <a:spcAft>
-                  <a:spcPts val="0"/>
-                </a:spcAft>
-                <a:buClrTx/>
-                <a:buSzTx/>
-                <a:buFontTx/>
-                <a:buNone/>
-                <a:tabLst/>
-                <a:defRPr/>
-              </a:pPr>
-              <a:r>
-                <a:rPr kumimoji="0" lang="en-US" altLang="zh-TW" sz="2800" b="0" i="0" u="none" strike="noStrike" kern="1200" cap="none" spc="0" normalizeH="0" baseline="0" noProof="0" dirty="0">
-                  <a:ln>
-                    <a:noFill/>
-                  </a:ln>
-                  <a:solidFill>
-                    <a:srgbClr val="0000FF"/>
-                  </a:solidFill>
-                  <a:effectLst/>
-                  <a:uLnTx/>
-                  <a:uFillTx/>
-                  <a:latin typeface="Calibri" panose="020F0502020204030204"/>
-                  <a:ea typeface="新細明體" panose="02020500000000000000" pitchFamily="18" charset="-120"/>
-                  <a:cs typeface="+mn-cs"/>
-                </a:rPr>
-                <a:t>50%</a:t>
-              </a:r>
-              <a:endParaRPr kumimoji="0" lang="zh-TW" altLang="en-US" sz="2800" b="0" i="0" u="none" strike="noStrike" kern="1200" cap="none" spc="0" normalizeH="0" baseline="0" noProof="0" dirty="0">
-                <a:ln>
-                  <a:noFill/>
-                </a:ln>
-                <a:solidFill>
-                  <a:srgbClr val="0000FF"/>
-                </a:solidFill>
-                <a:effectLst/>
-                <a:uLnTx/>
-                <a:uFillTx/>
-                <a:latin typeface="Calibri" panose="020F0502020204030204"/>
-                <a:ea typeface="新細明體" panose="02020500000000000000" pitchFamily="18" charset="-120"/>
-                <a:cs typeface="+mn-cs"/>
-              </a:endParaRPr>
-            </a:p>
-          </p:txBody>
-        </p:sp>
-        <p:sp>
-          <p:nvSpPr>
-            <p:cNvPr id="16" name="文字方塊 15">
-              <a:extLst>
-                <a:ext uri="{FF2B5EF4-FFF2-40B4-BE49-F238E27FC236}">
-                  <a16:creationId xmlns:a16="http://schemas.microsoft.com/office/drawing/2014/main" id="{48E816B6-F2E6-4F1D-9E2E-31465C1C12C7}"/>
-                </a:ext>
-              </a:extLst>
-            </p:cNvPr>
-            <p:cNvSpPr txBox="1"/>
-            <p:nvPr/>
-          </p:nvSpPr>
-          <p:spPr>
-            <a:xfrm>
-              <a:off x="8173765" y="2979025"/>
-              <a:ext cx="806631" cy="523220"/>
-            </a:xfrm>
-            <a:prstGeom prst="rect">
-              <a:avLst/>
-            </a:prstGeom>
-            <a:noFill/>
-          </p:spPr>
-          <p:txBody>
-            <a:bodyPr wrap="none" rtlCol="0">
-              <a:spAutoFit/>
-            </a:bodyPr>
-            <a:lstStyle/>
-            <a:p>
-              <a:pPr marL="0" marR="0" lvl="0" indent="0" algn="l" defTabSz="914400" rtl="0" eaLnBrk="1" fontAlgn="auto" latinLnBrk="0" hangingPunct="1">
-                <a:lnSpc>
-                  <a:spcPct val="100000"/>
-                </a:lnSpc>
-                <a:spcBef>
-                  <a:spcPts val="0"/>
-                </a:spcBef>
-                <a:spcAft>
-                  <a:spcPts val="0"/>
-                </a:spcAft>
-                <a:buClrTx/>
-                <a:buSzTx/>
-                <a:buFontTx/>
-                <a:buNone/>
-                <a:tabLst/>
-                <a:defRPr/>
-              </a:pPr>
-              <a:r>
-                <a:rPr kumimoji="0" lang="en-US" altLang="zh-TW" sz="2800" b="0" i="0" u="none" strike="noStrike" kern="1200" cap="none" spc="0" normalizeH="0" baseline="0" noProof="0" dirty="0">
-                  <a:ln>
-                    <a:noFill/>
-                  </a:ln>
-                  <a:solidFill>
-                    <a:srgbClr val="FF0000"/>
-                  </a:solidFill>
-                  <a:effectLst/>
-                  <a:uLnTx/>
-                  <a:uFillTx/>
-                  <a:latin typeface="Calibri" panose="020F0502020204030204"/>
-                  <a:ea typeface="新細明體" panose="02020500000000000000" pitchFamily="18" charset="-120"/>
-                  <a:cs typeface="+mn-cs"/>
-                </a:rPr>
-                <a:t>50%</a:t>
-              </a:r>
-              <a:endParaRPr kumimoji="0" lang="zh-TW" altLang="en-US" sz="2800" b="0" i="0" u="none" strike="noStrike" kern="1200" cap="none" spc="0" normalizeH="0" baseline="0" noProof="0" dirty="0">
-                <a:ln>
-                  <a:noFill/>
-                </a:ln>
-                <a:solidFill>
-                  <a:srgbClr val="FF0000"/>
-                </a:solidFill>
-                <a:effectLst/>
-                <a:uLnTx/>
-                <a:uFillTx/>
-                <a:latin typeface="Calibri" panose="020F0502020204030204"/>
-                <a:ea typeface="新細明體" panose="02020500000000000000" pitchFamily="18" charset="-120"/>
-                <a:cs typeface="+mn-cs"/>
-              </a:endParaRPr>
-            </a:p>
-          </p:txBody>
-        </p:sp>
-        <p:sp>
-          <p:nvSpPr>
-            <p:cNvPr id="17" name="橢圓 16">
-              <a:extLst>
-                <a:ext uri="{FF2B5EF4-FFF2-40B4-BE49-F238E27FC236}">
-                  <a16:creationId xmlns:a16="http://schemas.microsoft.com/office/drawing/2014/main" id="{A8CA20CB-6964-4B59-8F63-0089BF2FE911}"/>
-                </a:ext>
-              </a:extLst>
-            </p:cNvPr>
-            <p:cNvSpPr/>
-            <p:nvPr/>
-          </p:nvSpPr>
-          <p:spPr>
-            <a:xfrm>
-              <a:off x="6695440" y="2611120"/>
-              <a:ext cx="193040" cy="193040"/>
-            </a:xfrm>
-            <a:prstGeom prst="ellipse">
-              <a:avLst/>
-            </a:prstGeom>
-            <a:solidFill>
-              <a:schemeClr val="bg1">
-                <a:lumMod val="50000"/>
-              </a:schemeClr>
-            </a:solidFill>
-            <a:ln>
-              <a:noFill/>
-            </a:ln>
-          </p:spPr>
-          <p:style>
-            <a:lnRef idx="2">
-              <a:schemeClr val="accent1">
-                <a:shade val="50000"/>
-              </a:schemeClr>
-            </a:lnRef>
-            <a:fillRef idx="1">
-              <a:schemeClr val="accent1"/>
-            </a:fillRef>
-            <a:effectRef idx="0">
-              <a:schemeClr val="accent1"/>
-            </a:effectRef>
-            <a:fontRef idx="minor">
-              <a:schemeClr val="lt1"/>
-            </a:fontRef>
-          </p:style>
-          <p:txBody>
-            <a:bodyPr rtlCol="0" anchor="ctr"/>
-            <a:lstStyle/>
-            <a:p>
-              <a:pPr marL="0" marR="0" lvl="0" indent="0" algn="ctr" defTabSz="914400" rtl="0" eaLnBrk="1" fontAlgn="auto" latinLnBrk="0" hangingPunct="1">
-                <a:lnSpc>
-                  <a:spcPct val="100000"/>
-                </a:lnSpc>
-                <a:spcBef>
-                  <a:spcPts val="0"/>
-                </a:spcBef>
-                <a:spcAft>
-                  <a:spcPts val="0"/>
-                </a:spcAft>
-                <a:buClrTx/>
-                <a:buSzTx/>
-                <a:buFontTx/>
-                <a:buNone/>
-                <a:tabLst/>
-                <a:defRPr/>
-              </a:pPr>
-              <a:endParaRPr kumimoji="0" lang="zh-TW" altLang="en-US" sz="2800" b="0" i="0" u="none" strike="noStrike" kern="1200" cap="none" spc="0" normalizeH="0" baseline="0" noProof="0">
-                <a:ln>
-                  <a:noFill/>
-                </a:ln>
-                <a:solidFill>
-                  <a:prstClr val="white">
-                    <a:lumMod val="85000"/>
-                  </a:prstClr>
-                </a:solidFill>
-                <a:effectLst/>
-                <a:uLnTx/>
-                <a:uFillTx/>
-                <a:latin typeface="Calibri" panose="020F0502020204030204"/>
-                <a:ea typeface="新細明體" panose="02020500000000000000" pitchFamily="18" charset="-120"/>
-                <a:cs typeface="+mn-cs"/>
-              </a:endParaRPr>
-            </a:p>
-          </p:txBody>
-        </p:sp>
-      </p:grpSp>
-      <p:grpSp>
-        <p:nvGrpSpPr>
-          <p:cNvPr id="28" name="群組 27">
-            <a:extLst>
-              <a:ext uri="{FF2B5EF4-FFF2-40B4-BE49-F238E27FC236}">
-                <a16:creationId xmlns:a16="http://schemas.microsoft.com/office/drawing/2014/main" id="{E6128BD1-B96F-4402-B759-88AB7F577C66}"/>
-              </a:ext>
-            </a:extLst>
-          </p:cNvPr>
-          <p:cNvGrpSpPr/>
-          <p:nvPr/>
-        </p:nvGrpSpPr>
-        <p:grpSpPr>
-          <a:xfrm>
-            <a:off x="6873441" y="2659116"/>
-            <a:ext cx="2285999" cy="1584599"/>
-            <a:chOff x="6695440" y="1917646"/>
-            <a:chExt cx="2285999" cy="1584599"/>
-          </a:xfrm>
-        </p:grpSpPr>
-        <p:grpSp>
-          <p:nvGrpSpPr>
-            <p:cNvPr id="30" name="群組 29">
-              <a:extLst>
-                <a:ext uri="{FF2B5EF4-FFF2-40B4-BE49-F238E27FC236}">
-                  <a16:creationId xmlns:a16="http://schemas.microsoft.com/office/drawing/2014/main" id="{0B8B1917-721B-4680-8FD8-28FFE1739D42}"/>
-                </a:ext>
-              </a:extLst>
-            </p:cNvPr>
-            <p:cNvGrpSpPr/>
-            <p:nvPr/>
-          </p:nvGrpSpPr>
-          <p:grpSpPr>
-            <a:xfrm>
-              <a:off x="6825526" y="1991359"/>
-              <a:ext cx="2155913" cy="1437641"/>
-              <a:chOff x="7061198" y="2352040"/>
-              <a:chExt cx="2407923" cy="2461562"/>
-            </a:xfrm>
-          </p:grpSpPr>
-          <p:cxnSp>
-            <p:nvCxnSpPr>
-              <p:cNvPr id="34" name="接點: 肘形 33">
-                <a:extLst>
-                  <a:ext uri="{FF2B5EF4-FFF2-40B4-BE49-F238E27FC236}">
-                    <a16:creationId xmlns:a16="http://schemas.microsoft.com/office/drawing/2014/main" id="{DB06D2F7-590A-4A42-942B-504BAC1558E1}"/>
-                  </a:ext>
-                </a:extLst>
-              </p:cNvPr>
-              <p:cNvCxnSpPr/>
-              <p:nvPr/>
-            </p:nvCxnSpPr>
-            <p:spPr>
-              <a:xfrm flipV="1">
-                <a:off x="7061201" y="2352040"/>
-                <a:ext cx="2407920" cy="1226792"/>
-              </a:xfrm>
-              <a:prstGeom prst="bentConnector3">
-                <a:avLst/>
-              </a:prstGeom>
-              <a:ln w="12700">
-                <a:solidFill>
-                  <a:srgbClr val="0000FF"/>
-                </a:solidFill>
-              </a:ln>
-            </p:spPr>
-            <p:style>
-              <a:lnRef idx="1">
-                <a:schemeClr val="accent1"/>
-              </a:lnRef>
-              <a:fillRef idx="0">
-                <a:schemeClr val="accent1"/>
-              </a:fillRef>
-              <a:effectRef idx="0">
-                <a:schemeClr val="accent1"/>
-              </a:effectRef>
-              <a:fontRef idx="minor">
-                <a:schemeClr val="tx1"/>
-              </a:fontRef>
-            </p:style>
-          </p:cxnSp>
-          <p:cxnSp>
-            <p:nvCxnSpPr>
-              <p:cNvPr id="35" name="接點: 肘形 34">
-                <a:extLst>
-                  <a:ext uri="{FF2B5EF4-FFF2-40B4-BE49-F238E27FC236}">
-                    <a16:creationId xmlns:a16="http://schemas.microsoft.com/office/drawing/2014/main" id="{1766E561-F9C0-47C5-893E-1A4C0A945DDD}"/>
-                  </a:ext>
-                </a:extLst>
-              </p:cNvPr>
-              <p:cNvCxnSpPr>
-                <a:cxnSpLocks/>
-              </p:cNvCxnSpPr>
-              <p:nvPr/>
-            </p:nvCxnSpPr>
-            <p:spPr>
-              <a:xfrm>
-                <a:off x="7061198" y="3586176"/>
-                <a:ext cx="2407920" cy="1227426"/>
-              </a:xfrm>
-              <a:prstGeom prst="bentConnector3">
-                <a:avLst/>
-              </a:prstGeom>
-              <a:ln w="12700">
-                <a:solidFill>
-                  <a:srgbClr val="FF0000"/>
-                </a:solidFill>
-              </a:ln>
-            </p:spPr>
-            <p:style>
-              <a:lnRef idx="1">
-                <a:schemeClr val="accent1"/>
-              </a:lnRef>
-              <a:fillRef idx="0">
-                <a:schemeClr val="accent1"/>
-              </a:fillRef>
-              <a:effectRef idx="0">
-                <a:schemeClr val="accent1"/>
-              </a:effectRef>
-              <a:fontRef idx="minor">
-                <a:schemeClr val="tx1"/>
-              </a:fontRef>
-            </p:style>
-          </p:cxnSp>
-        </p:grpSp>
-        <p:sp>
-          <p:nvSpPr>
-            <p:cNvPr id="31" name="文字方塊 30">
-              <a:extLst>
-                <a:ext uri="{FF2B5EF4-FFF2-40B4-BE49-F238E27FC236}">
-                  <a16:creationId xmlns:a16="http://schemas.microsoft.com/office/drawing/2014/main" id="{9E78201E-27A5-48B2-8DA6-4E1824F5290D}"/>
-                </a:ext>
-              </a:extLst>
-            </p:cNvPr>
-            <p:cNvSpPr txBox="1"/>
-            <p:nvPr/>
-          </p:nvSpPr>
-          <p:spPr>
-            <a:xfrm>
-              <a:off x="8173765" y="1917646"/>
-              <a:ext cx="806631" cy="523220"/>
-            </a:xfrm>
-            <a:prstGeom prst="rect">
-              <a:avLst/>
-            </a:prstGeom>
-            <a:noFill/>
-          </p:spPr>
-          <p:txBody>
-            <a:bodyPr wrap="none" rtlCol="0">
-              <a:spAutoFit/>
-            </a:bodyPr>
-            <a:lstStyle/>
-            <a:p>
-              <a:pPr marL="0" marR="0" lvl="0" indent="0" algn="l" defTabSz="914400" rtl="0" eaLnBrk="1" fontAlgn="auto" latinLnBrk="0" hangingPunct="1">
-                <a:lnSpc>
-                  <a:spcPct val="100000"/>
-                </a:lnSpc>
-                <a:spcBef>
-                  <a:spcPts val="0"/>
-                </a:spcBef>
-                <a:spcAft>
-                  <a:spcPts val="0"/>
-                </a:spcAft>
-                <a:buClrTx/>
-                <a:buSzTx/>
-                <a:buFontTx/>
-                <a:buNone/>
-                <a:tabLst/>
-                <a:defRPr/>
-              </a:pPr>
-              <a:r>
-                <a:rPr kumimoji="0" lang="en-US" altLang="zh-TW" sz="2800" b="0" i="0" u="none" strike="noStrike" kern="1200" cap="none" spc="0" normalizeH="0" baseline="0" noProof="0" dirty="0">
-                  <a:ln>
-                    <a:noFill/>
-                  </a:ln>
-                  <a:solidFill>
-                    <a:srgbClr val="0000FF"/>
-                  </a:solidFill>
-                  <a:effectLst/>
-                  <a:uLnTx/>
-                  <a:uFillTx/>
-                  <a:latin typeface="Calibri" panose="020F0502020204030204"/>
-                  <a:ea typeface="新細明體" panose="02020500000000000000" pitchFamily="18" charset="-120"/>
-                  <a:cs typeface="+mn-cs"/>
-                </a:rPr>
-                <a:t>50%</a:t>
-              </a:r>
-              <a:endParaRPr kumimoji="0" lang="zh-TW" altLang="en-US" sz="2800" b="0" i="0" u="none" strike="noStrike" kern="1200" cap="none" spc="0" normalizeH="0" baseline="0" noProof="0" dirty="0">
-                <a:ln>
-                  <a:noFill/>
-                </a:ln>
-                <a:solidFill>
-                  <a:srgbClr val="0000FF"/>
-                </a:solidFill>
-                <a:effectLst/>
-                <a:uLnTx/>
-                <a:uFillTx/>
-                <a:latin typeface="Calibri" panose="020F0502020204030204"/>
-                <a:ea typeface="新細明體" panose="02020500000000000000" pitchFamily="18" charset="-120"/>
-                <a:cs typeface="+mn-cs"/>
-              </a:endParaRPr>
-            </a:p>
-          </p:txBody>
-        </p:sp>
-        <p:sp>
-          <p:nvSpPr>
-            <p:cNvPr id="32" name="文字方塊 31">
-              <a:extLst>
-                <a:ext uri="{FF2B5EF4-FFF2-40B4-BE49-F238E27FC236}">
-                  <a16:creationId xmlns:a16="http://schemas.microsoft.com/office/drawing/2014/main" id="{7C1BFEED-2560-4DFF-BFA7-008AE330CCC3}"/>
-                </a:ext>
-              </a:extLst>
-            </p:cNvPr>
-            <p:cNvSpPr txBox="1"/>
-            <p:nvPr/>
-          </p:nvSpPr>
-          <p:spPr>
-            <a:xfrm>
-              <a:off x="8173765" y="2979025"/>
-              <a:ext cx="806631" cy="523220"/>
-            </a:xfrm>
-            <a:prstGeom prst="rect">
-              <a:avLst/>
-            </a:prstGeom>
-            <a:noFill/>
-          </p:spPr>
-          <p:txBody>
-            <a:bodyPr wrap="none" rtlCol="0">
-              <a:spAutoFit/>
-            </a:bodyPr>
-            <a:lstStyle/>
-            <a:p>
-              <a:pPr marL="0" marR="0" lvl="0" indent="0" algn="l" defTabSz="914400" rtl="0" eaLnBrk="1" fontAlgn="auto" latinLnBrk="0" hangingPunct="1">
-                <a:lnSpc>
-                  <a:spcPct val="100000"/>
-                </a:lnSpc>
-                <a:spcBef>
-                  <a:spcPts val="0"/>
-                </a:spcBef>
-                <a:spcAft>
-                  <a:spcPts val="0"/>
-                </a:spcAft>
-                <a:buClrTx/>
-                <a:buSzTx/>
-                <a:buFontTx/>
-                <a:buNone/>
-                <a:tabLst/>
-                <a:defRPr/>
-              </a:pPr>
-              <a:r>
-                <a:rPr kumimoji="0" lang="en-US" altLang="zh-TW" sz="2800" b="0" i="0" u="none" strike="noStrike" kern="1200" cap="none" spc="0" normalizeH="0" baseline="0" noProof="0" dirty="0">
-                  <a:ln>
-                    <a:noFill/>
-                  </a:ln>
-                  <a:solidFill>
-                    <a:srgbClr val="FF0000"/>
-                  </a:solidFill>
-                  <a:effectLst/>
-                  <a:uLnTx/>
-                  <a:uFillTx/>
-                  <a:latin typeface="Calibri" panose="020F0502020204030204"/>
-                  <a:ea typeface="新細明體" panose="02020500000000000000" pitchFamily="18" charset="-120"/>
-                  <a:cs typeface="+mn-cs"/>
-                </a:rPr>
-                <a:t>50%</a:t>
-              </a:r>
-              <a:endParaRPr kumimoji="0" lang="zh-TW" altLang="en-US" sz="2800" b="0" i="0" u="none" strike="noStrike" kern="1200" cap="none" spc="0" normalizeH="0" baseline="0" noProof="0" dirty="0">
-                <a:ln>
-                  <a:noFill/>
-                </a:ln>
-                <a:solidFill>
-                  <a:srgbClr val="FF0000"/>
-                </a:solidFill>
-                <a:effectLst/>
-                <a:uLnTx/>
-                <a:uFillTx/>
-                <a:latin typeface="Calibri" panose="020F0502020204030204"/>
-                <a:ea typeface="新細明體" panose="02020500000000000000" pitchFamily="18" charset="-120"/>
-                <a:cs typeface="+mn-cs"/>
-              </a:endParaRPr>
-            </a:p>
-          </p:txBody>
-        </p:sp>
-        <p:sp>
-          <p:nvSpPr>
-            <p:cNvPr id="33" name="橢圓 32">
-              <a:extLst>
-                <a:ext uri="{FF2B5EF4-FFF2-40B4-BE49-F238E27FC236}">
-                  <a16:creationId xmlns:a16="http://schemas.microsoft.com/office/drawing/2014/main" id="{CE04A7BF-3692-4BD3-962A-1D4FCFC06F40}"/>
-                </a:ext>
-              </a:extLst>
-            </p:cNvPr>
-            <p:cNvSpPr/>
-            <p:nvPr/>
-          </p:nvSpPr>
-          <p:spPr>
-            <a:xfrm>
-              <a:off x="6695440" y="2611120"/>
-              <a:ext cx="193040" cy="193040"/>
-            </a:xfrm>
-            <a:prstGeom prst="ellipse">
-              <a:avLst/>
-            </a:prstGeom>
-            <a:solidFill>
-              <a:schemeClr val="bg1">
-                <a:lumMod val="50000"/>
-              </a:schemeClr>
-            </a:solidFill>
-            <a:ln>
-              <a:noFill/>
-            </a:ln>
-          </p:spPr>
-          <p:style>
-            <a:lnRef idx="2">
-              <a:schemeClr val="accent1">
-                <a:shade val="50000"/>
-              </a:schemeClr>
-            </a:lnRef>
-            <a:fillRef idx="1">
-              <a:schemeClr val="accent1"/>
-            </a:fillRef>
-            <a:effectRef idx="0">
-              <a:schemeClr val="accent1"/>
-            </a:effectRef>
-            <a:fontRef idx="minor">
-              <a:schemeClr val="lt1"/>
-            </a:fontRef>
-          </p:style>
-          <p:txBody>
-            <a:bodyPr rtlCol="0" anchor="ctr"/>
-            <a:lstStyle/>
-            <a:p>
-              <a:pPr marL="0" marR="0" lvl="0" indent="0" algn="ctr" defTabSz="914400" rtl="0" eaLnBrk="1" fontAlgn="auto" latinLnBrk="0" hangingPunct="1">
-                <a:lnSpc>
-                  <a:spcPct val="100000"/>
-                </a:lnSpc>
-                <a:spcBef>
-                  <a:spcPts val="0"/>
-                </a:spcBef>
-                <a:spcAft>
-                  <a:spcPts val="0"/>
-                </a:spcAft>
-                <a:buClrTx/>
-                <a:buSzTx/>
-                <a:buFontTx/>
-                <a:buNone/>
-                <a:tabLst/>
-                <a:defRPr/>
-              </a:pPr>
-              <a:endParaRPr kumimoji="0" lang="zh-TW" altLang="en-US" sz="2800" b="0" i="0" u="none" strike="noStrike" kern="1200" cap="none" spc="0" normalizeH="0" baseline="0" noProof="0">
-                <a:ln>
-                  <a:noFill/>
-                </a:ln>
-                <a:solidFill>
-                  <a:prstClr val="white">
-                    <a:lumMod val="85000"/>
-                  </a:prstClr>
-                </a:solidFill>
-                <a:effectLst/>
-                <a:uLnTx/>
-                <a:uFillTx/>
-                <a:latin typeface="Calibri" panose="020F0502020204030204"/>
-                <a:ea typeface="新細明體" panose="02020500000000000000" pitchFamily="18" charset="-120"/>
-                <a:cs typeface="+mn-cs"/>
-              </a:endParaRPr>
-            </a:p>
-          </p:txBody>
-        </p:sp>
-      </p:grpSp>
-      <p:sp>
-        <p:nvSpPr>
-          <p:cNvPr id="24" name="文字方塊 23">
-            <a:extLst>
-              <a:ext uri="{FF2B5EF4-FFF2-40B4-BE49-F238E27FC236}">
-                <a16:creationId xmlns:a16="http://schemas.microsoft.com/office/drawing/2014/main" id="{1AC88971-A660-46E3-956F-3B071302EBC7}"/>
-              </a:ext>
-            </a:extLst>
-          </p:cNvPr>
-          <p:cNvSpPr txBox="1"/>
+          <p:cNvSpPr/>
           <p:nvPr/>
         </p:nvSpPr>
         <p:spPr>
-          <a:xfrm flipH="1">
-            <a:off x="4281605" y="2439919"/>
-            <a:ext cx="806631" cy="523220"/>
+          <a:xfrm>
+            <a:off x="5021768" y="2715323"/>
+            <a:ext cx="713678" cy="713678"/>
           </a:xfrm>
           <a:prstGeom prst="rect">
             <a:avLst/>
           </a:prstGeom>
           <a:noFill/>
+          <a:ln>
+            <a:solidFill>
+              <a:schemeClr val="tx1"/>
+            </a:solidFill>
+          </a:ln>
         </p:spPr>
+        <p:style>
+          <a:lnRef idx="2">
+            <a:schemeClr val="accent1">
+              <a:shade val="50000"/>
+            </a:schemeClr>
+          </a:lnRef>
+          <a:fillRef idx="1">
+            <a:schemeClr val="accent1"/>
+          </a:fillRef>
+          <a:effectRef idx="0">
+            <a:schemeClr val="accent1"/>
+          </a:effectRef>
+          <a:fontRef idx="minor">
+            <a:schemeClr val="lt1"/>
+          </a:fontRef>
+        </p:style>
         <p:txBody>
-          <a:bodyPr wrap="square" rtlCol="0">
-            <a:spAutoFit/>
-          </a:bodyPr>
+          <a:bodyPr rtlCol="0" anchor="ctr"/>
           <a:lstStyle/>
           <a:p>
-            <a:pPr marL="0" marR="0" lvl="0" indent="0" algn="ctr" defTabSz="914400" rtl="0" eaLnBrk="1" fontAlgn="auto" latinLnBrk="0" hangingPunct="1">
-              <a:lnSpc>
-                <a:spcPct val="100000"/>
-              </a:lnSpc>
-              <a:spcBef>
-                <a:spcPts val="0"/>
-              </a:spcBef>
-              <a:spcAft>
-                <a:spcPts val="0"/>
-              </a:spcAft>
-              <a:buClrTx/>
-              <a:buSzTx/>
-              <a:buFontTx/>
-              <a:buNone/>
-              <a:tabLst/>
-              <a:defRPr/>
-            </a:pPr>
-            <a:r>
-              <a:rPr kumimoji="0" lang="en-US" altLang="zh-TW" sz="2800" b="0" i="0" u="none" strike="noStrike" kern="1200" cap="none" spc="0" normalizeH="0" baseline="0" noProof="0" dirty="0">
-                <a:ln>
-                  <a:noFill/>
-                </a:ln>
-                <a:solidFill>
-                  <a:srgbClr val="0000FF"/>
-                </a:solidFill>
-                <a:effectLst/>
-                <a:uLnTx/>
-                <a:uFillTx/>
-                <a:latin typeface="Calibri" panose="020F0502020204030204"/>
-                <a:ea typeface="新細明體" panose="02020500000000000000" pitchFamily="18" charset="-120"/>
-                <a:cs typeface="+mn-cs"/>
-              </a:rPr>
-              <a:t>75</a:t>
-            </a:r>
+            <a:pPr algn="ctr"/>
+            <a:endParaRPr lang="zh-TW" altLang="en-US"/>
           </a:p>
         </p:txBody>
       </p:sp>
+      <p:sp>
+        <p:nvSpPr>
+          <p:cNvPr id="25" name="矩形 24">
+            <a:extLst>
+              <a:ext uri="{FF2B5EF4-FFF2-40B4-BE49-F238E27FC236}">
+                <a16:creationId xmlns:a16="http://schemas.microsoft.com/office/drawing/2014/main" id="{67AF3A76-4FD8-4A5B-9760-6842DEFB3A14}"/>
+              </a:ext>
+            </a:extLst>
+          </p:cNvPr>
+          <p:cNvSpPr/>
+          <p:nvPr/>
+        </p:nvSpPr>
+        <p:spPr>
+          <a:xfrm>
+            <a:off x="6478860" y="2715323"/>
+            <a:ext cx="713678" cy="713678"/>
+          </a:xfrm>
+          <a:prstGeom prst="rect">
+            <a:avLst/>
+          </a:prstGeom>
+          <a:noFill/>
+          <a:ln>
+            <a:solidFill>
+              <a:schemeClr val="tx1"/>
+            </a:solidFill>
+          </a:ln>
+        </p:spPr>
+        <p:style>
+          <a:lnRef idx="2">
+            <a:schemeClr val="accent1">
+              <a:shade val="50000"/>
+            </a:schemeClr>
+          </a:lnRef>
+          <a:fillRef idx="1">
+            <a:schemeClr val="accent1"/>
+          </a:fillRef>
+          <a:effectRef idx="0">
+            <a:schemeClr val="accent1"/>
+          </a:effectRef>
+          <a:fontRef idx="minor">
+            <a:schemeClr val="lt1"/>
+          </a:fontRef>
+        </p:style>
+        <p:txBody>
+          <a:bodyPr rtlCol="0" anchor="ctr"/>
+          <a:lstStyle/>
+          <a:p>
+            <a:pPr algn="ctr"/>
+            <a:endParaRPr lang="zh-TW" altLang="en-US"/>
+          </a:p>
+        </p:txBody>
+      </p:sp>
+      <p:sp>
+        <p:nvSpPr>
+          <p:cNvPr id="26" name="矩形 25">
+            <a:extLst>
+              <a:ext uri="{FF2B5EF4-FFF2-40B4-BE49-F238E27FC236}">
+                <a16:creationId xmlns:a16="http://schemas.microsoft.com/office/drawing/2014/main" id="{4F8C424C-1C9D-4AF9-9EEC-F368413BEEBA}"/>
+              </a:ext>
+            </a:extLst>
+          </p:cNvPr>
+          <p:cNvSpPr/>
+          <p:nvPr/>
+        </p:nvSpPr>
+        <p:spPr>
+          <a:xfrm>
+            <a:off x="7869048" y="2715323"/>
+            <a:ext cx="713678" cy="713678"/>
+          </a:xfrm>
+          <a:prstGeom prst="rect">
+            <a:avLst/>
+          </a:prstGeom>
+          <a:noFill/>
+          <a:ln>
+            <a:solidFill>
+              <a:schemeClr val="tx1"/>
+            </a:solidFill>
+          </a:ln>
+        </p:spPr>
+        <p:style>
+          <a:lnRef idx="2">
+            <a:schemeClr val="accent1">
+              <a:shade val="50000"/>
+            </a:schemeClr>
+          </a:lnRef>
+          <a:fillRef idx="1">
+            <a:schemeClr val="accent1"/>
+          </a:fillRef>
+          <a:effectRef idx="0">
+            <a:schemeClr val="accent1"/>
+          </a:effectRef>
+          <a:fontRef idx="minor">
+            <a:schemeClr val="lt1"/>
+          </a:fontRef>
+        </p:style>
+        <p:txBody>
+          <a:bodyPr rtlCol="0" anchor="ctr"/>
+          <a:lstStyle/>
+          <a:p>
+            <a:pPr algn="ctr"/>
+            <a:endParaRPr lang="zh-TW" altLang="en-US"/>
+          </a:p>
+        </p:txBody>
+      </p:sp>
+      <p:sp>
+        <p:nvSpPr>
+          <p:cNvPr id="27" name="矩形 26">
+            <a:extLst>
+              <a:ext uri="{FF2B5EF4-FFF2-40B4-BE49-F238E27FC236}">
+                <a16:creationId xmlns:a16="http://schemas.microsoft.com/office/drawing/2014/main" id="{A228587F-62FF-493F-A174-D3F480405EC4}"/>
+              </a:ext>
+            </a:extLst>
+          </p:cNvPr>
+          <p:cNvSpPr/>
+          <p:nvPr/>
+        </p:nvSpPr>
+        <p:spPr>
+          <a:xfrm>
+            <a:off x="9307560" y="2715323"/>
+            <a:ext cx="713678" cy="713678"/>
+          </a:xfrm>
+          <a:prstGeom prst="rect">
+            <a:avLst/>
+          </a:prstGeom>
+          <a:noFill/>
+          <a:ln>
+            <a:solidFill>
+              <a:schemeClr val="tx1"/>
+            </a:solidFill>
+          </a:ln>
+        </p:spPr>
+        <p:style>
+          <a:lnRef idx="2">
+            <a:schemeClr val="accent1">
+              <a:shade val="50000"/>
+            </a:schemeClr>
+          </a:lnRef>
+          <a:fillRef idx="1">
+            <a:schemeClr val="accent1"/>
+          </a:fillRef>
+          <a:effectRef idx="0">
+            <a:schemeClr val="accent1"/>
+          </a:effectRef>
+          <a:fontRef idx="minor">
+            <a:schemeClr val="lt1"/>
+          </a:fontRef>
+        </p:style>
+        <p:txBody>
+          <a:bodyPr rtlCol="0" anchor="ctr"/>
+          <a:lstStyle/>
+          <a:p>
+            <a:pPr algn="ctr"/>
+            <a:endParaRPr lang="zh-TW" altLang="en-US"/>
+          </a:p>
+        </p:txBody>
+      </p:sp>
+      <p:pic>
+        <p:nvPicPr>
+          <p:cNvPr id="4" name="圖片 3">
+            <a:extLst>
+              <a:ext uri="{FF2B5EF4-FFF2-40B4-BE49-F238E27FC236}">
+                <a16:creationId xmlns:a16="http://schemas.microsoft.com/office/drawing/2014/main" id="{89B126A2-8C59-4BC8-A058-DD041F81C1A8}"/>
+              </a:ext>
+            </a:extLst>
+          </p:cNvPr>
+          <p:cNvPicPr>
+            <a:picLocks noChangeAspect="1"/>
+          </p:cNvPicPr>
+          <p:nvPr/>
+        </p:nvPicPr>
+        <p:blipFill>
+          <a:blip r:embed="rId3">
+            <a:extLst>
+              <a:ext uri="{28A0092B-C50C-407E-A947-70E740481C1C}">
+                <a14:useLocalDpi xmlns:a14="http://schemas.microsoft.com/office/drawing/2010/main" val="0"/>
+              </a:ext>
+            </a:extLst>
+          </a:blip>
+          <a:stretch>
+            <a:fillRect/>
+          </a:stretch>
+        </p:blipFill>
+        <p:spPr>
+          <a:xfrm>
+            <a:off x="5203902" y="4995746"/>
+            <a:ext cx="1784195" cy="1003610"/>
+          </a:xfrm>
+          <a:prstGeom prst="rect">
+            <a:avLst/>
+          </a:prstGeom>
+        </p:spPr>
+      </p:pic>
     </p:spTree>
     <p:extLst>
       <p:ext uri="{BB962C8B-B14F-4D97-AF65-F5344CB8AC3E}">

--- a/介面.pptx
+++ b/介面.pptx
@@ -5,7 +5,7 @@
     <p:sldMasterId id="2147483648" r:id="rId1"/>
   </p:sldMasterIdLst>
   <p:notesMasterIdLst>
-    <p:notesMasterId r:id="rId25"/>
+    <p:notesMasterId r:id="rId28"/>
   </p:notesMasterIdLst>
   <p:sldIdLst>
     <p:sldId id="280" r:id="rId2"/>
@@ -31,6 +31,9 @@
     <p:sldId id="313" r:id="rId22"/>
     <p:sldId id="311" r:id="rId23"/>
     <p:sldId id="277" r:id="rId24"/>
+    <p:sldId id="322" r:id="rId25"/>
+    <p:sldId id="323" r:id="rId26"/>
+    <p:sldId id="324" r:id="rId27"/>
   </p:sldIdLst>
   <p:sldSz cx="12192000" cy="6858000"/>
   <p:notesSz cx="6858000" cy="9144000"/>
@@ -230,7 +233,7 @@
           <a:p>
             <a:fld id="{4C8CD385-DF20-4DAF-8E56-832193D99297}" type="datetimeFigureOut">
               <a:rPr lang="zh-TW" altLang="en-US" smtClean="0"/>
-              <a:t>2020/12/12</a:t>
+              <a:t>2020/12/15</a:t>
             </a:fld>
             <a:endParaRPr lang="zh-TW" altLang="en-US"/>
           </a:p>
@@ -2357,7 +2360,7 @@
           <a:p>
             <a:fld id="{3F1169B5-0FF2-4C98-8757-8DBF4E03E30D}" type="datetimeFigureOut">
               <a:rPr lang="zh-TW" altLang="en-US" smtClean="0"/>
-              <a:t>2020/12/12</a:t>
+              <a:t>2020/12/15</a:t>
             </a:fld>
             <a:endParaRPr lang="zh-TW" altLang="en-US"/>
           </a:p>
@@ -2555,7 +2558,7 @@
           <a:p>
             <a:fld id="{3F1169B5-0FF2-4C98-8757-8DBF4E03E30D}" type="datetimeFigureOut">
               <a:rPr lang="zh-TW" altLang="en-US" smtClean="0"/>
-              <a:t>2020/12/12</a:t>
+              <a:t>2020/12/15</a:t>
             </a:fld>
             <a:endParaRPr lang="zh-TW" altLang="en-US"/>
           </a:p>
@@ -2763,7 +2766,7 @@
           <a:p>
             <a:fld id="{3F1169B5-0FF2-4C98-8757-8DBF4E03E30D}" type="datetimeFigureOut">
               <a:rPr lang="zh-TW" altLang="en-US" smtClean="0"/>
-              <a:t>2020/12/12</a:t>
+              <a:t>2020/12/15</a:t>
             </a:fld>
             <a:endParaRPr lang="zh-TW" altLang="en-US"/>
           </a:p>
@@ -2961,7 +2964,7 @@
           <a:p>
             <a:fld id="{3F1169B5-0FF2-4C98-8757-8DBF4E03E30D}" type="datetimeFigureOut">
               <a:rPr lang="zh-TW" altLang="en-US" smtClean="0"/>
-              <a:t>2020/12/12</a:t>
+              <a:t>2020/12/15</a:t>
             </a:fld>
             <a:endParaRPr lang="zh-TW" altLang="en-US"/>
           </a:p>
@@ -3236,7 +3239,7 @@
           <a:p>
             <a:fld id="{3F1169B5-0FF2-4C98-8757-8DBF4E03E30D}" type="datetimeFigureOut">
               <a:rPr lang="zh-TW" altLang="en-US" smtClean="0"/>
-              <a:t>2020/12/12</a:t>
+              <a:t>2020/12/15</a:t>
             </a:fld>
             <a:endParaRPr lang="zh-TW" altLang="en-US"/>
           </a:p>
@@ -3501,7 +3504,7 @@
           <a:p>
             <a:fld id="{3F1169B5-0FF2-4C98-8757-8DBF4E03E30D}" type="datetimeFigureOut">
               <a:rPr lang="zh-TW" altLang="en-US" smtClean="0"/>
-              <a:t>2020/12/12</a:t>
+              <a:t>2020/12/15</a:t>
             </a:fld>
             <a:endParaRPr lang="zh-TW" altLang="en-US"/>
           </a:p>
@@ -3913,7 +3916,7 @@
           <a:p>
             <a:fld id="{3F1169B5-0FF2-4C98-8757-8DBF4E03E30D}" type="datetimeFigureOut">
               <a:rPr lang="zh-TW" altLang="en-US" smtClean="0"/>
-              <a:t>2020/12/12</a:t>
+              <a:t>2020/12/15</a:t>
             </a:fld>
             <a:endParaRPr lang="zh-TW" altLang="en-US"/>
           </a:p>
@@ -4054,7 +4057,7 @@
           <a:p>
             <a:fld id="{3F1169B5-0FF2-4C98-8757-8DBF4E03E30D}" type="datetimeFigureOut">
               <a:rPr lang="zh-TW" altLang="en-US" smtClean="0"/>
-              <a:t>2020/12/12</a:t>
+              <a:t>2020/12/15</a:t>
             </a:fld>
             <a:endParaRPr lang="zh-TW" altLang="en-US"/>
           </a:p>
@@ -4167,7 +4170,7 @@
           <a:p>
             <a:fld id="{3F1169B5-0FF2-4C98-8757-8DBF4E03E30D}" type="datetimeFigureOut">
               <a:rPr lang="zh-TW" altLang="en-US" smtClean="0"/>
-              <a:t>2020/12/12</a:t>
+              <a:t>2020/12/15</a:t>
             </a:fld>
             <a:endParaRPr lang="zh-TW" altLang="en-US"/>
           </a:p>
@@ -4478,7 +4481,7 @@
           <a:p>
             <a:fld id="{3F1169B5-0FF2-4C98-8757-8DBF4E03E30D}" type="datetimeFigureOut">
               <a:rPr lang="zh-TW" altLang="en-US" smtClean="0"/>
-              <a:t>2020/12/12</a:t>
+              <a:t>2020/12/15</a:t>
             </a:fld>
             <a:endParaRPr lang="zh-TW" altLang="en-US"/>
           </a:p>
@@ -4766,7 +4769,7 @@
           <a:p>
             <a:fld id="{3F1169B5-0FF2-4C98-8757-8DBF4E03E30D}" type="datetimeFigureOut">
               <a:rPr lang="zh-TW" altLang="en-US" smtClean="0"/>
-              <a:t>2020/12/12</a:t>
+              <a:t>2020/12/15</a:t>
             </a:fld>
             <a:endParaRPr lang="zh-TW" altLang="en-US"/>
           </a:p>
@@ -5007,7 +5010,7 @@
           <a:p>
             <a:fld id="{3F1169B5-0FF2-4C98-8757-8DBF4E03E30D}" type="datetimeFigureOut">
               <a:rPr lang="zh-TW" altLang="en-US" smtClean="0"/>
-              <a:t>2020/12/12</a:t>
+              <a:t>2020/12/15</a:t>
             </a:fld>
             <a:endParaRPr lang="zh-TW" altLang="en-US"/>
           </a:p>
@@ -9944,42 +9947,6 @@
           </a:p>
         </p:txBody>
       </p:sp>
-      <p:pic>
-        <p:nvPicPr>
-          <p:cNvPr id="4" name="圖片 3">
-            <a:extLst>
-              <a:ext uri="{FF2B5EF4-FFF2-40B4-BE49-F238E27FC236}">
-                <a16:creationId xmlns:a16="http://schemas.microsoft.com/office/drawing/2014/main" id="{89B126A2-8C59-4BC8-A058-DD041F81C1A8}"/>
-              </a:ext>
-            </a:extLst>
-          </p:cNvPr>
-          <p:cNvPicPr>
-            <a:picLocks noChangeAspect="1"/>
-          </p:cNvPicPr>
-          <p:nvPr/>
-        </p:nvPicPr>
-        <p:blipFill>
-          <a:blip r:embed="rId3">
-            <a:extLst>
-              <a:ext uri="{28A0092B-C50C-407E-A947-70E740481C1C}">
-                <a14:useLocalDpi xmlns:a14="http://schemas.microsoft.com/office/drawing/2010/main" val="0"/>
-              </a:ext>
-            </a:extLst>
-          </a:blip>
-          <a:stretch>
-            <a:fillRect/>
-          </a:stretch>
-        </p:blipFill>
-        <p:spPr>
-          <a:xfrm>
-            <a:off x="5203902" y="4995746"/>
-            <a:ext cx="1784195" cy="1003610"/>
-          </a:xfrm>
-          <a:prstGeom prst="rect">
-            <a:avLst/>
-          </a:prstGeom>
-        </p:spPr>
-      </p:pic>
     </p:spTree>
     <p:extLst>
       <p:ext uri="{BB962C8B-B14F-4D97-AF65-F5344CB8AC3E}">
@@ -10032,10 +9999,10 @@
         </p:nvGrpSpPr>
         <p:grpSpPr>
           <a:xfrm>
-            <a:off x="714084" y="290292"/>
-            <a:ext cx="3326304" cy="1772496"/>
-            <a:chOff x="6695440" y="1729749"/>
-            <a:chExt cx="3326304" cy="1772496"/>
+            <a:off x="714084" y="478189"/>
+            <a:ext cx="2285999" cy="1584599"/>
+            <a:chOff x="6695440" y="1917646"/>
+            <a:chExt cx="2285999" cy="1584599"/>
           </a:xfrm>
         </p:grpSpPr>
         <p:grpSp>
@@ -10143,71 +10110,6 @@
             </p:style>
           </p:cxnSp>
         </p:grpSp>
-        <p:sp>
-          <p:nvSpPr>
-            <p:cNvPr id="4" name="文字方塊 3">
-              <a:extLst>
-                <a:ext uri="{FF2B5EF4-FFF2-40B4-BE49-F238E27FC236}">
-                  <a16:creationId xmlns:a16="http://schemas.microsoft.com/office/drawing/2014/main" id="{85336ECE-EE01-4714-9D5D-3C5FCF1D066E}"/>
-                </a:ext>
-              </a:extLst>
-            </p:cNvPr>
-            <p:cNvSpPr txBox="1"/>
-            <p:nvPr/>
-          </p:nvSpPr>
-          <p:spPr>
-            <a:xfrm flipH="1">
-              <a:off x="9215113" y="1729749"/>
-              <a:ext cx="806631" cy="523220"/>
-            </a:xfrm>
-            <a:prstGeom prst="rect">
-              <a:avLst/>
-            </a:prstGeom>
-            <a:noFill/>
-          </p:spPr>
-          <p:txBody>
-            <a:bodyPr wrap="square" rtlCol="0">
-              <a:spAutoFit/>
-            </a:bodyPr>
-            <a:lstStyle/>
-            <a:p>
-              <a:pPr marL="0" marR="0" lvl="0" indent="0" algn="ctr" defTabSz="914400" rtl="0" eaLnBrk="1" fontAlgn="auto" latinLnBrk="0" hangingPunct="1">
-                <a:lnSpc>
-                  <a:spcPct val="100000"/>
-                </a:lnSpc>
-                <a:spcBef>
-                  <a:spcPts val="0"/>
-                </a:spcBef>
-                <a:spcAft>
-                  <a:spcPts val="0"/>
-                </a:spcAft>
-                <a:buClrTx/>
-                <a:buSzTx/>
-                <a:buFontTx/>
-                <a:buNone/>
-                <a:tabLst/>
-                <a:defRPr/>
-              </a:pPr>
-              <a:r>
-                <a:rPr kumimoji="0" lang="en-US" altLang="zh-TW" sz="2800" b="0" i="0" u="none" strike="noStrike" kern="1200" cap="none" spc="0" normalizeH="0" baseline="0" noProof="0" dirty="0">
-                  <a:ln>
-                    <a:noFill/>
-                  </a:ln>
-                  <a:solidFill>
-                    <a:srgbClr val="0000FF"/>
-                  </a:solidFill>
-                  <a:effectLst/>
-                  <a:uLnTx/>
-                  <a:uFillTx/>
-                  <a:latin typeface="Calibri" panose="020F0502020204030204"/>
-                  <a:ea typeface="新細明體" panose="02020500000000000000" pitchFamily="18" charset="-120"/>
-                  <a:cs typeface="+mn-cs"/>
-                </a:rPr>
-                <a:t>500</a:t>
-              </a:r>
-            </a:p>
-          </p:txBody>
-        </p:sp>
         <p:sp>
           <p:nvSpPr>
             <p:cNvPr id="5" name="文字方塊 4">
@@ -13464,6 +13366,366 @@
           </p:txBody>
         </p:sp>
       </p:grpSp>
+      <p:sp>
+        <p:nvSpPr>
+          <p:cNvPr id="4" name="文字方塊 3">
+            <a:extLst>
+              <a:ext uri="{FF2B5EF4-FFF2-40B4-BE49-F238E27FC236}">
+                <a16:creationId xmlns:a16="http://schemas.microsoft.com/office/drawing/2014/main" id="{2BFC7769-C9B1-44A8-B091-B9DBCE1FB668}"/>
+              </a:ext>
+            </a:extLst>
+          </p:cNvPr>
+          <p:cNvSpPr txBox="1"/>
+          <p:nvPr/>
+        </p:nvSpPr>
+        <p:spPr>
+          <a:xfrm>
+            <a:off x="347922" y="999113"/>
+            <a:ext cx="367408" cy="523220"/>
+          </a:xfrm>
+          <a:prstGeom prst="rect">
+            <a:avLst/>
+          </a:prstGeom>
+          <a:noFill/>
+        </p:spPr>
+        <p:txBody>
+          <a:bodyPr wrap="none" rtlCol="0">
+            <a:spAutoFit/>
+          </a:bodyPr>
+          <a:lstStyle/>
+          <a:p>
+            <a:r>
+              <a:rPr lang="en-US" altLang="zh-TW" sz="2800" dirty="0"/>
+              <a:t>1</a:t>
+            </a:r>
+            <a:endParaRPr lang="zh-TW" altLang="en-US" sz="2800" dirty="0"/>
+          </a:p>
+        </p:txBody>
+      </p:sp>
+      <p:sp>
+        <p:nvSpPr>
+          <p:cNvPr id="71" name="文字方塊 70">
+            <a:extLst>
+              <a:ext uri="{FF2B5EF4-FFF2-40B4-BE49-F238E27FC236}">
+                <a16:creationId xmlns:a16="http://schemas.microsoft.com/office/drawing/2014/main" id="{587FF334-809C-419A-B45E-2486D7166301}"/>
+              </a:ext>
+            </a:extLst>
+          </p:cNvPr>
+          <p:cNvSpPr txBox="1"/>
+          <p:nvPr/>
+        </p:nvSpPr>
+        <p:spPr>
+          <a:xfrm>
+            <a:off x="353322" y="2728488"/>
+            <a:ext cx="367408" cy="523220"/>
+          </a:xfrm>
+          <a:prstGeom prst="rect">
+            <a:avLst/>
+          </a:prstGeom>
+          <a:noFill/>
+        </p:spPr>
+        <p:txBody>
+          <a:bodyPr wrap="none" rtlCol="0">
+            <a:spAutoFit/>
+          </a:bodyPr>
+          <a:lstStyle/>
+          <a:p>
+            <a:r>
+              <a:rPr lang="en-US" altLang="zh-TW" sz="2800" dirty="0"/>
+              <a:t>2</a:t>
+            </a:r>
+            <a:endParaRPr lang="zh-TW" altLang="en-US" sz="2800" dirty="0"/>
+          </a:p>
+        </p:txBody>
+      </p:sp>
+      <p:sp>
+        <p:nvSpPr>
+          <p:cNvPr id="72" name="文字方塊 71">
+            <a:extLst>
+              <a:ext uri="{FF2B5EF4-FFF2-40B4-BE49-F238E27FC236}">
+                <a16:creationId xmlns:a16="http://schemas.microsoft.com/office/drawing/2014/main" id="{2C16882F-F20B-4F49-B10C-AE5FC78BCF34}"/>
+              </a:ext>
+            </a:extLst>
+          </p:cNvPr>
+          <p:cNvSpPr txBox="1"/>
+          <p:nvPr/>
+        </p:nvSpPr>
+        <p:spPr>
+          <a:xfrm>
+            <a:off x="353322" y="3558414"/>
+            <a:ext cx="367408" cy="523220"/>
+          </a:xfrm>
+          <a:prstGeom prst="rect">
+            <a:avLst/>
+          </a:prstGeom>
+          <a:noFill/>
+        </p:spPr>
+        <p:txBody>
+          <a:bodyPr wrap="none" rtlCol="0">
+            <a:spAutoFit/>
+          </a:bodyPr>
+          <a:lstStyle/>
+          <a:p>
+            <a:r>
+              <a:rPr lang="en-US" altLang="zh-TW" sz="2800" dirty="0"/>
+              <a:t>3</a:t>
+            </a:r>
+            <a:endParaRPr lang="zh-TW" altLang="en-US" sz="2800" dirty="0"/>
+          </a:p>
+        </p:txBody>
+      </p:sp>
+      <p:sp>
+        <p:nvSpPr>
+          <p:cNvPr id="73" name="文字方塊 72">
+            <a:extLst>
+              <a:ext uri="{FF2B5EF4-FFF2-40B4-BE49-F238E27FC236}">
+                <a16:creationId xmlns:a16="http://schemas.microsoft.com/office/drawing/2014/main" id="{11408BA0-AAFE-4B6D-921B-EE47654A357C}"/>
+              </a:ext>
+            </a:extLst>
+          </p:cNvPr>
+          <p:cNvSpPr txBox="1"/>
+          <p:nvPr/>
+        </p:nvSpPr>
+        <p:spPr>
+          <a:xfrm>
+            <a:off x="348682" y="5320824"/>
+            <a:ext cx="367408" cy="523220"/>
+          </a:xfrm>
+          <a:prstGeom prst="rect">
+            <a:avLst/>
+          </a:prstGeom>
+          <a:noFill/>
+        </p:spPr>
+        <p:txBody>
+          <a:bodyPr wrap="none" rtlCol="0">
+            <a:spAutoFit/>
+          </a:bodyPr>
+          <a:lstStyle/>
+          <a:p>
+            <a:r>
+              <a:rPr lang="en-US" altLang="zh-TW" sz="2800" dirty="0"/>
+              <a:t>4</a:t>
+            </a:r>
+            <a:endParaRPr lang="zh-TW" altLang="en-US" sz="2800" dirty="0"/>
+          </a:p>
+        </p:txBody>
+      </p:sp>
+      <p:sp>
+        <p:nvSpPr>
+          <p:cNvPr id="74" name="文字方塊 73">
+            <a:extLst>
+              <a:ext uri="{FF2B5EF4-FFF2-40B4-BE49-F238E27FC236}">
+                <a16:creationId xmlns:a16="http://schemas.microsoft.com/office/drawing/2014/main" id="{1F7E260B-1F36-415B-AE6E-6A26CF6B6770}"/>
+              </a:ext>
+            </a:extLst>
+          </p:cNvPr>
+          <p:cNvSpPr txBox="1"/>
+          <p:nvPr/>
+        </p:nvSpPr>
+        <p:spPr>
+          <a:xfrm>
+            <a:off x="4134974" y="1002652"/>
+            <a:ext cx="367408" cy="523220"/>
+          </a:xfrm>
+          <a:prstGeom prst="rect">
+            <a:avLst/>
+          </a:prstGeom>
+          <a:noFill/>
+        </p:spPr>
+        <p:txBody>
+          <a:bodyPr wrap="none" rtlCol="0">
+            <a:spAutoFit/>
+          </a:bodyPr>
+          <a:lstStyle/>
+          <a:p>
+            <a:r>
+              <a:rPr lang="en-US" altLang="zh-TW" sz="2800" dirty="0"/>
+              <a:t>5</a:t>
+            </a:r>
+            <a:endParaRPr lang="zh-TW" altLang="en-US" sz="2800" dirty="0"/>
+          </a:p>
+        </p:txBody>
+      </p:sp>
+      <p:sp>
+        <p:nvSpPr>
+          <p:cNvPr id="75" name="文字方塊 74">
+            <a:extLst>
+              <a:ext uri="{FF2B5EF4-FFF2-40B4-BE49-F238E27FC236}">
+                <a16:creationId xmlns:a16="http://schemas.microsoft.com/office/drawing/2014/main" id="{49B062CE-C8D7-489D-8191-BB320A804EA9}"/>
+              </a:ext>
+            </a:extLst>
+          </p:cNvPr>
+          <p:cNvSpPr txBox="1"/>
+          <p:nvPr/>
+        </p:nvSpPr>
+        <p:spPr>
+          <a:xfrm>
+            <a:off x="4134969" y="3182328"/>
+            <a:ext cx="367408" cy="523220"/>
+          </a:xfrm>
+          <a:prstGeom prst="rect">
+            <a:avLst/>
+          </a:prstGeom>
+          <a:noFill/>
+        </p:spPr>
+        <p:txBody>
+          <a:bodyPr wrap="none" rtlCol="0">
+            <a:spAutoFit/>
+          </a:bodyPr>
+          <a:lstStyle/>
+          <a:p>
+            <a:r>
+              <a:rPr lang="en-US" altLang="zh-TW" sz="2800" dirty="0"/>
+              <a:t>6</a:t>
+            </a:r>
+            <a:endParaRPr lang="zh-TW" altLang="en-US" sz="2800" dirty="0"/>
+          </a:p>
+        </p:txBody>
+      </p:sp>
+      <p:sp>
+        <p:nvSpPr>
+          <p:cNvPr id="76" name="文字方塊 75">
+            <a:extLst>
+              <a:ext uri="{FF2B5EF4-FFF2-40B4-BE49-F238E27FC236}">
+                <a16:creationId xmlns:a16="http://schemas.microsoft.com/office/drawing/2014/main" id="{55EA68B9-75E7-4BD1-81FA-259CEE5296DA}"/>
+              </a:ext>
+            </a:extLst>
+          </p:cNvPr>
+          <p:cNvSpPr txBox="1"/>
+          <p:nvPr/>
+        </p:nvSpPr>
+        <p:spPr>
+          <a:xfrm>
+            <a:off x="4134969" y="5340149"/>
+            <a:ext cx="367408" cy="523220"/>
+          </a:xfrm>
+          <a:prstGeom prst="rect">
+            <a:avLst/>
+          </a:prstGeom>
+          <a:noFill/>
+        </p:spPr>
+        <p:txBody>
+          <a:bodyPr wrap="none" rtlCol="0">
+            <a:spAutoFit/>
+          </a:bodyPr>
+          <a:lstStyle/>
+          <a:p>
+            <a:r>
+              <a:rPr lang="en-US" altLang="zh-TW" sz="2800" dirty="0"/>
+              <a:t>7</a:t>
+            </a:r>
+            <a:endParaRPr lang="zh-TW" altLang="en-US" sz="2800" dirty="0"/>
+          </a:p>
+        </p:txBody>
+      </p:sp>
+      <p:sp>
+        <p:nvSpPr>
+          <p:cNvPr id="77" name="文字方塊 76">
+            <a:extLst>
+              <a:ext uri="{FF2B5EF4-FFF2-40B4-BE49-F238E27FC236}">
+                <a16:creationId xmlns:a16="http://schemas.microsoft.com/office/drawing/2014/main" id="{ADA84379-E5AF-4BB4-9D97-C7DBD0D58DA0}"/>
+              </a:ext>
+            </a:extLst>
+          </p:cNvPr>
+          <p:cNvSpPr txBox="1"/>
+          <p:nvPr/>
+        </p:nvSpPr>
+        <p:spPr>
+          <a:xfrm>
+            <a:off x="7753600" y="1006200"/>
+            <a:ext cx="367408" cy="523220"/>
+          </a:xfrm>
+          <a:prstGeom prst="rect">
+            <a:avLst/>
+          </a:prstGeom>
+          <a:noFill/>
+        </p:spPr>
+        <p:txBody>
+          <a:bodyPr wrap="none" rtlCol="0">
+            <a:spAutoFit/>
+          </a:bodyPr>
+          <a:lstStyle/>
+          <a:p>
+            <a:r>
+              <a:rPr lang="en-US" altLang="zh-TW" sz="2800" dirty="0"/>
+              <a:t>8</a:t>
+            </a:r>
+            <a:endParaRPr lang="zh-TW" altLang="en-US" sz="2800" dirty="0"/>
+          </a:p>
+        </p:txBody>
+      </p:sp>
+      <p:sp>
+        <p:nvSpPr>
+          <p:cNvPr id="78" name="文字方塊 77">
+            <a:extLst>
+              <a:ext uri="{FF2B5EF4-FFF2-40B4-BE49-F238E27FC236}">
+                <a16:creationId xmlns:a16="http://schemas.microsoft.com/office/drawing/2014/main" id="{EDF508E9-2714-4FBB-806A-873B07C3787D}"/>
+              </a:ext>
+            </a:extLst>
+          </p:cNvPr>
+          <p:cNvSpPr txBox="1"/>
+          <p:nvPr/>
+        </p:nvSpPr>
+        <p:spPr>
+          <a:xfrm>
+            <a:off x="7753600" y="3175247"/>
+            <a:ext cx="367408" cy="523220"/>
+          </a:xfrm>
+          <a:prstGeom prst="rect">
+            <a:avLst/>
+          </a:prstGeom>
+          <a:noFill/>
+        </p:spPr>
+        <p:txBody>
+          <a:bodyPr wrap="none" rtlCol="0">
+            <a:spAutoFit/>
+          </a:bodyPr>
+          <a:lstStyle/>
+          <a:p>
+            <a:r>
+              <a:rPr lang="en-US" altLang="zh-TW" sz="2800" dirty="0"/>
+              <a:t>9</a:t>
+            </a:r>
+            <a:endParaRPr lang="zh-TW" altLang="en-US" sz="2800" dirty="0"/>
+          </a:p>
+        </p:txBody>
+      </p:sp>
+      <p:sp>
+        <p:nvSpPr>
+          <p:cNvPr id="79" name="文字方塊 78">
+            <a:extLst>
+              <a:ext uri="{FF2B5EF4-FFF2-40B4-BE49-F238E27FC236}">
+                <a16:creationId xmlns:a16="http://schemas.microsoft.com/office/drawing/2014/main" id="{699D6529-1EB7-45BD-8B81-3025F0DFC068}"/>
+              </a:ext>
+            </a:extLst>
+          </p:cNvPr>
+          <p:cNvSpPr txBox="1"/>
+          <p:nvPr/>
+        </p:nvSpPr>
+        <p:spPr>
+          <a:xfrm>
+            <a:off x="7608068" y="5340149"/>
+            <a:ext cx="550151" cy="523220"/>
+          </a:xfrm>
+          <a:prstGeom prst="rect">
+            <a:avLst/>
+          </a:prstGeom>
+          <a:noFill/>
+        </p:spPr>
+        <p:txBody>
+          <a:bodyPr wrap="none" rtlCol="0">
+            <a:spAutoFit/>
+          </a:bodyPr>
+          <a:lstStyle/>
+          <a:p>
+            <a:r>
+              <a:rPr lang="en-US" altLang="zh-TW" sz="2800" dirty="0"/>
+              <a:t>10</a:t>
+            </a:r>
+            <a:endParaRPr lang="zh-TW" altLang="en-US" sz="2800" dirty="0"/>
+          </a:p>
+        </p:txBody>
+      </p:sp>
     </p:spTree>
     <p:extLst>
       <p:ext uri="{BB962C8B-B14F-4D97-AF65-F5344CB8AC3E}">
@@ -16823,6 +17085,330 @@
           </p:txBody>
         </p:sp>
       </p:grpSp>
+      <p:sp>
+        <p:nvSpPr>
+          <p:cNvPr id="65" name="文字方塊 64">
+            <a:extLst>
+              <a:ext uri="{FF2B5EF4-FFF2-40B4-BE49-F238E27FC236}">
+                <a16:creationId xmlns:a16="http://schemas.microsoft.com/office/drawing/2014/main" id="{CFF34BF3-06E4-41ED-B41E-E08CF3AC0EE2}"/>
+              </a:ext>
+            </a:extLst>
+          </p:cNvPr>
+          <p:cNvSpPr txBox="1"/>
+          <p:nvPr/>
+        </p:nvSpPr>
+        <p:spPr>
+          <a:xfrm>
+            <a:off x="3921669" y="994033"/>
+            <a:ext cx="550151" cy="523220"/>
+          </a:xfrm>
+          <a:prstGeom prst="rect">
+            <a:avLst/>
+          </a:prstGeom>
+          <a:noFill/>
+        </p:spPr>
+        <p:txBody>
+          <a:bodyPr wrap="none" rtlCol="0">
+            <a:spAutoFit/>
+          </a:bodyPr>
+          <a:lstStyle/>
+          <a:p>
+            <a:r>
+              <a:rPr lang="en-US" altLang="zh-TW" sz="2800" dirty="0"/>
+              <a:t>14</a:t>
+            </a:r>
+            <a:endParaRPr lang="zh-TW" altLang="en-US" sz="2800" dirty="0"/>
+          </a:p>
+        </p:txBody>
+      </p:sp>
+      <p:sp>
+        <p:nvSpPr>
+          <p:cNvPr id="66" name="文字方塊 65">
+            <a:extLst>
+              <a:ext uri="{FF2B5EF4-FFF2-40B4-BE49-F238E27FC236}">
+                <a16:creationId xmlns:a16="http://schemas.microsoft.com/office/drawing/2014/main" id="{C4DCECBF-1402-48F5-A94D-1460D5216BD7}"/>
+              </a:ext>
+            </a:extLst>
+          </p:cNvPr>
+          <p:cNvSpPr txBox="1"/>
+          <p:nvPr/>
+        </p:nvSpPr>
+        <p:spPr>
+          <a:xfrm>
+            <a:off x="3954092" y="3171695"/>
+            <a:ext cx="550151" cy="523220"/>
+          </a:xfrm>
+          <a:prstGeom prst="rect">
+            <a:avLst/>
+          </a:prstGeom>
+          <a:noFill/>
+        </p:spPr>
+        <p:txBody>
+          <a:bodyPr wrap="none" rtlCol="0">
+            <a:spAutoFit/>
+          </a:bodyPr>
+          <a:lstStyle/>
+          <a:p>
+            <a:r>
+              <a:rPr lang="en-US" altLang="zh-TW" sz="2800" dirty="0"/>
+              <a:t>15</a:t>
+            </a:r>
+            <a:endParaRPr lang="zh-TW" altLang="en-US" sz="2800" dirty="0"/>
+          </a:p>
+        </p:txBody>
+      </p:sp>
+      <p:sp>
+        <p:nvSpPr>
+          <p:cNvPr id="67" name="文字方塊 66">
+            <a:extLst>
+              <a:ext uri="{FF2B5EF4-FFF2-40B4-BE49-F238E27FC236}">
+                <a16:creationId xmlns:a16="http://schemas.microsoft.com/office/drawing/2014/main" id="{05894386-B925-47CB-86D8-7D74E78F2E15}"/>
+              </a:ext>
+            </a:extLst>
+          </p:cNvPr>
+          <p:cNvSpPr txBox="1"/>
+          <p:nvPr/>
+        </p:nvSpPr>
+        <p:spPr>
+          <a:xfrm>
+            <a:off x="3921669" y="5344295"/>
+            <a:ext cx="550151" cy="523220"/>
+          </a:xfrm>
+          <a:prstGeom prst="rect">
+            <a:avLst/>
+          </a:prstGeom>
+          <a:noFill/>
+        </p:spPr>
+        <p:txBody>
+          <a:bodyPr wrap="none" rtlCol="0">
+            <a:spAutoFit/>
+          </a:bodyPr>
+          <a:lstStyle/>
+          <a:p>
+            <a:r>
+              <a:rPr lang="en-US" altLang="zh-TW" sz="2800" dirty="0"/>
+              <a:t>16</a:t>
+            </a:r>
+            <a:endParaRPr lang="zh-TW" altLang="en-US" sz="2800" dirty="0"/>
+          </a:p>
+        </p:txBody>
+      </p:sp>
+      <p:sp>
+        <p:nvSpPr>
+          <p:cNvPr id="68" name="文字方塊 67">
+            <a:extLst>
+              <a:ext uri="{FF2B5EF4-FFF2-40B4-BE49-F238E27FC236}">
+                <a16:creationId xmlns:a16="http://schemas.microsoft.com/office/drawing/2014/main" id="{30B89028-EF90-4D79-8080-5B0C3E477519}"/>
+              </a:ext>
+            </a:extLst>
+          </p:cNvPr>
+          <p:cNvSpPr txBox="1"/>
+          <p:nvPr/>
+        </p:nvSpPr>
+        <p:spPr>
+          <a:xfrm>
+            <a:off x="7591742" y="996920"/>
+            <a:ext cx="550151" cy="523220"/>
+          </a:xfrm>
+          <a:prstGeom prst="rect">
+            <a:avLst/>
+          </a:prstGeom>
+          <a:noFill/>
+        </p:spPr>
+        <p:txBody>
+          <a:bodyPr wrap="none" rtlCol="0">
+            <a:spAutoFit/>
+          </a:bodyPr>
+          <a:lstStyle/>
+          <a:p>
+            <a:r>
+              <a:rPr lang="en-US" altLang="zh-TW" sz="2800" dirty="0"/>
+              <a:t>17</a:t>
+            </a:r>
+            <a:endParaRPr lang="zh-TW" altLang="en-US" sz="2800" dirty="0"/>
+          </a:p>
+        </p:txBody>
+      </p:sp>
+      <p:sp>
+        <p:nvSpPr>
+          <p:cNvPr id="132" name="文字方塊 131">
+            <a:extLst>
+              <a:ext uri="{FF2B5EF4-FFF2-40B4-BE49-F238E27FC236}">
+                <a16:creationId xmlns:a16="http://schemas.microsoft.com/office/drawing/2014/main" id="{EF126251-2B24-482B-92A8-A8242ECDDC0A}"/>
+              </a:ext>
+            </a:extLst>
+          </p:cNvPr>
+          <p:cNvSpPr txBox="1"/>
+          <p:nvPr/>
+        </p:nvSpPr>
+        <p:spPr>
+          <a:xfrm>
+            <a:off x="7591742" y="3170607"/>
+            <a:ext cx="550151" cy="523220"/>
+          </a:xfrm>
+          <a:prstGeom prst="rect">
+            <a:avLst/>
+          </a:prstGeom>
+          <a:noFill/>
+        </p:spPr>
+        <p:txBody>
+          <a:bodyPr wrap="none" rtlCol="0">
+            <a:spAutoFit/>
+          </a:bodyPr>
+          <a:lstStyle/>
+          <a:p>
+            <a:r>
+              <a:rPr lang="en-US" altLang="zh-TW" sz="2800" dirty="0"/>
+              <a:t>18</a:t>
+            </a:r>
+            <a:endParaRPr lang="zh-TW" altLang="en-US" sz="2800" dirty="0"/>
+          </a:p>
+        </p:txBody>
+      </p:sp>
+      <p:sp>
+        <p:nvSpPr>
+          <p:cNvPr id="133" name="文字方塊 132">
+            <a:extLst>
+              <a:ext uri="{FF2B5EF4-FFF2-40B4-BE49-F238E27FC236}">
+                <a16:creationId xmlns:a16="http://schemas.microsoft.com/office/drawing/2014/main" id="{C17171F1-8140-4054-A87F-8F16C3286464}"/>
+              </a:ext>
+            </a:extLst>
+          </p:cNvPr>
+          <p:cNvSpPr txBox="1"/>
+          <p:nvPr/>
+        </p:nvSpPr>
+        <p:spPr>
+          <a:xfrm>
+            <a:off x="7591742" y="5344295"/>
+            <a:ext cx="550151" cy="523220"/>
+          </a:xfrm>
+          <a:prstGeom prst="rect">
+            <a:avLst/>
+          </a:prstGeom>
+          <a:noFill/>
+        </p:spPr>
+        <p:txBody>
+          <a:bodyPr wrap="none" rtlCol="0">
+            <a:spAutoFit/>
+          </a:bodyPr>
+          <a:lstStyle/>
+          <a:p>
+            <a:r>
+              <a:rPr lang="en-US" altLang="zh-TW" sz="2800" dirty="0"/>
+              <a:t>19</a:t>
+            </a:r>
+            <a:endParaRPr lang="zh-TW" altLang="en-US" sz="2800" dirty="0"/>
+          </a:p>
+        </p:txBody>
+      </p:sp>
+      <p:sp>
+        <p:nvSpPr>
+          <p:cNvPr id="134" name="文字方塊 133">
+            <a:extLst>
+              <a:ext uri="{FF2B5EF4-FFF2-40B4-BE49-F238E27FC236}">
+                <a16:creationId xmlns:a16="http://schemas.microsoft.com/office/drawing/2014/main" id="{CAFD1B4F-E6C4-4962-9BD5-10FB193755E6}"/>
+              </a:ext>
+            </a:extLst>
+          </p:cNvPr>
+          <p:cNvSpPr txBox="1"/>
+          <p:nvPr/>
+        </p:nvSpPr>
+        <p:spPr>
+          <a:xfrm>
+            <a:off x="183188" y="995565"/>
+            <a:ext cx="550151" cy="523220"/>
+          </a:xfrm>
+          <a:prstGeom prst="rect">
+            <a:avLst/>
+          </a:prstGeom>
+          <a:noFill/>
+        </p:spPr>
+        <p:txBody>
+          <a:bodyPr wrap="none" rtlCol="0">
+            <a:spAutoFit/>
+          </a:bodyPr>
+          <a:lstStyle/>
+          <a:p>
+            <a:r>
+              <a:rPr lang="en-US" altLang="zh-TW" sz="2800" dirty="0"/>
+              <a:t>11</a:t>
+            </a:r>
+            <a:endParaRPr lang="zh-TW" altLang="en-US" sz="2800" dirty="0"/>
+          </a:p>
+        </p:txBody>
+      </p:sp>
+      <p:sp>
+        <p:nvSpPr>
+          <p:cNvPr id="135" name="文字方塊 134">
+            <a:extLst>
+              <a:ext uri="{FF2B5EF4-FFF2-40B4-BE49-F238E27FC236}">
+                <a16:creationId xmlns:a16="http://schemas.microsoft.com/office/drawing/2014/main" id="{B5E50A0B-E9F0-48BA-B5C3-FB6E6BA3407E}"/>
+              </a:ext>
+            </a:extLst>
+          </p:cNvPr>
+          <p:cNvSpPr txBox="1"/>
+          <p:nvPr/>
+        </p:nvSpPr>
+        <p:spPr>
+          <a:xfrm>
+            <a:off x="183187" y="3171695"/>
+            <a:ext cx="550151" cy="523220"/>
+          </a:xfrm>
+          <a:prstGeom prst="rect">
+            <a:avLst/>
+          </a:prstGeom>
+          <a:noFill/>
+        </p:spPr>
+        <p:txBody>
+          <a:bodyPr wrap="none" rtlCol="0">
+            <a:spAutoFit/>
+          </a:bodyPr>
+          <a:lstStyle/>
+          <a:p>
+            <a:r>
+              <a:rPr lang="en-US" altLang="zh-TW" sz="2800" dirty="0"/>
+              <a:t>12</a:t>
+            </a:r>
+            <a:endParaRPr lang="zh-TW" altLang="en-US" sz="2800" dirty="0"/>
+          </a:p>
+        </p:txBody>
+      </p:sp>
+      <p:sp>
+        <p:nvSpPr>
+          <p:cNvPr id="136" name="文字方塊 135">
+            <a:extLst>
+              <a:ext uri="{FF2B5EF4-FFF2-40B4-BE49-F238E27FC236}">
+                <a16:creationId xmlns:a16="http://schemas.microsoft.com/office/drawing/2014/main" id="{379772D7-59E4-469E-808E-72CCB8E3A82B}"/>
+              </a:ext>
+            </a:extLst>
+          </p:cNvPr>
+          <p:cNvSpPr txBox="1"/>
+          <p:nvPr/>
+        </p:nvSpPr>
+        <p:spPr>
+          <a:xfrm>
+            <a:off x="183187" y="5344295"/>
+            <a:ext cx="550151" cy="523220"/>
+          </a:xfrm>
+          <a:prstGeom prst="rect">
+            <a:avLst/>
+          </a:prstGeom>
+          <a:noFill/>
+        </p:spPr>
+        <p:txBody>
+          <a:bodyPr wrap="none" rtlCol="0">
+            <a:spAutoFit/>
+          </a:bodyPr>
+          <a:lstStyle/>
+          <a:p>
+            <a:r>
+              <a:rPr lang="en-US" altLang="zh-TW" sz="2800" dirty="0"/>
+              <a:t>13</a:t>
+            </a:r>
+            <a:endParaRPr lang="zh-TW" altLang="en-US" sz="2800" dirty="0"/>
+          </a:p>
+        </p:txBody>
+      </p:sp>
     </p:spTree>
     <p:extLst>
       <p:ext uri="{BB962C8B-B14F-4D97-AF65-F5344CB8AC3E}">
@@ -18224,8 +18810,8 @@
           </p:nvSpPr>
           <p:spPr>
             <a:xfrm>
-              <a:off x="1986086" y="161282"/>
-              <a:ext cx="8640725" cy="5386090"/>
+              <a:off x="2559573" y="863031"/>
+              <a:ext cx="7072853" cy="4508927"/>
             </a:xfrm>
             <a:prstGeom prst="rect">
               <a:avLst/>
@@ -18249,13 +18835,13 @@
             <a:lstStyle/>
             <a:p>
               <a:r>
-                <a:rPr lang="en-US" altLang="zh-TW" sz="34400" dirty="0">
+                <a:rPr lang="en-US" altLang="zh-TW" sz="28700" dirty="0">
                   <a:latin typeface="Arial" panose="020B0604020202020204" pitchFamily="34" charset="0"/>
                   <a:cs typeface="Arial" panose="020B0604020202020204" pitchFamily="34" charset="0"/>
                 </a:rPr>
                 <a:t>stop</a:t>
               </a:r>
-              <a:endParaRPr lang="zh-TW" altLang="en-US" sz="34400" dirty="0">
+              <a:endParaRPr lang="zh-TW" altLang="en-US" sz="28700" dirty="0">
                 <a:latin typeface="Arial" panose="020B0604020202020204" pitchFamily="34" charset="0"/>
                 <a:cs typeface="Arial" panose="020B0604020202020204" pitchFamily="34" charset="0"/>
               </a:endParaRPr>
@@ -18267,6 +18853,496 @@
     <p:extLst>
       <p:ext uri="{BB962C8B-B14F-4D97-AF65-F5344CB8AC3E}">
         <p14:creationId xmlns:p14="http://schemas.microsoft.com/office/powerpoint/2010/main" val="3492438141"/>
+      </p:ext>
+    </p:extLst>
+  </p:cSld>
+  <p:clrMapOvr>
+    <a:masterClrMapping/>
+  </p:clrMapOvr>
+</p:sld>
+</file>
+
+<file path=ppt/slides/slide24.xml><?xml version="1.0" encoding="utf-8"?>
+<p:sld xmlns:a="http://schemas.openxmlformats.org/drawingml/2006/main" xmlns:r="http://schemas.openxmlformats.org/officeDocument/2006/relationships" xmlns:p="http://schemas.openxmlformats.org/presentationml/2006/main" show="0">
+  <p:cSld>
+    <p:bg>
+      <p:bgPr>
+        <a:solidFill>
+          <a:schemeClr val="bg1"/>
+        </a:solidFill>
+        <a:effectLst/>
+      </p:bgPr>
+    </p:bg>
+    <p:spTree>
+      <p:nvGrpSpPr>
+        <p:cNvPr id="1" name=""/>
+        <p:cNvGrpSpPr/>
+        <p:nvPr/>
+      </p:nvGrpSpPr>
+      <p:grpSpPr>
+        <a:xfrm>
+          <a:off x="0" y="0"/>
+          <a:ext cx="0" cy="0"/>
+          <a:chOff x="0" y="0"/>
+          <a:chExt cx="0" cy="0"/>
+        </a:xfrm>
+      </p:grpSpPr>
+      <p:sp>
+        <p:nvSpPr>
+          <p:cNvPr id="3" name="矩形 2">
+            <a:extLst>
+              <a:ext uri="{FF2B5EF4-FFF2-40B4-BE49-F238E27FC236}">
+                <a16:creationId xmlns:a16="http://schemas.microsoft.com/office/drawing/2014/main" id="{A5DF52FF-D02C-4FBF-9D47-CE8C08C14032}"/>
+              </a:ext>
+            </a:extLst>
+          </p:cNvPr>
+          <p:cNvSpPr/>
+          <p:nvPr/>
+        </p:nvSpPr>
+        <p:spPr>
+          <a:xfrm>
+            <a:off x="0" y="0"/>
+            <a:ext cx="12192000" cy="6858000"/>
+          </a:xfrm>
+          <a:prstGeom prst="rect">
+            <a:avLst/>
+          </a:prstGeom>
+          <a:solidFill>
+            <a:schemeClr val="bg1"/>
+          </a:solidFill>
+          <a:ln>
+            <a:solidFill>
+              <a:schemeClr val="bg1">
+                <a:lumMod val="50000"/>
+              </a:schemeClr>
+            </a:solidFill>
+          </a:ln>
+          <a:effectLst>
+            <a:outerShdw blurRad="44450" dist="27940" dir="5400000" algn="ctr">
+              <a:srgbClr val="000000">
+                <a:alpha val="32000"/>
+              </a:srgbClr>
+            </a:outerShdw>
+          </a:effectLst>
+        </p:spPr>
+        <p:style>
+          <a:lnRef idx="2">
+            <a:schemeClr val="accent1">
+              <a:shade val="50000"/>
+            </a:schemeClr>
+          </a:lnRef>
+          <a:fillRef idx="1">
+            <a:schemeClr val="accent1"/>
+          </a:fillRef>
+          <a:effectRef idx="0">
+            <a:schemeClr val="accent1"/>
+          </a:effectRef>
+          <a:fontRef idx="minor">
+            <a:schemeClr val="lt1"/>
+          </a:fontRef>
+        </p:style>
+        <p:txBody>
+          <a:bodyPr rtlCol="0" anchor="ctr"/>
+          <a:lstStyle/>
+          <a:p>
+            <a:pPr algn="ctr"/>
+            <a:endParaRPr lang="zh-TW" altLang="en-US" sz="4000" dirty="0">
+              <a:solidFill>
+                <a:schemeClr val="tx1"/>
+              </a:solidFill>
+            </a:endParaRPr>
+          </a:p>
+        </p:txBody>
+      </p:sp>
+      <p:sp>
+        <p:nvSpPr>
+          <p:cNvPr id="5" name="文字方塊 4">
+            <a:extLst>
+              <a:ext uri="{FF2B5EF4-FFF2-40B4-BE49-F238E27FC236}">
+                <a16:creationId xmlns:a16="http://schemas.microsoft.com/office/drawing/2014/main" id="{095DD9B8-2699-46D3-AE28-904BF29E6E4D}"/>
+              </a:ext>
+            </a:extLst>
+          </p:cNvPr>
+          <p:cNvSpPr txBox="1"/>
+          <p:nvPr/>
+        </p:nvSpPr>
+        <p:spPr>
+          <a:xfrm>
+            <a:off x="2562003" y="842288"/>
+            <a:ext cx="7067994" cy="4508927"/>
+          </a:xfrm>
+          <a:prstGeom prst="rect">
+            <a:avLst/>
+          </a:prstGeom>
+          <a:noFill/>
+          <a:ln>
+            <a:noFill/>
+          </a:ln>
+          <a:effectLst>
+            <a:outerShdw blurRad="44450" dist="27940" dir="5400000" algn="ctr">
+              <a:srgbClr val="000000">
+                <a:alpha val="32000"/>
+              </a:srgbClr>
+            </a:outerShdw>
+          </a:effectLst>
+        </p:spPr>
+        <p:txBody>
+          <a:bodyPr wrap="square" rtlCol="0">
+            <a:spAutoFit/>
+          </a:bodyPr>
+          <a:lstStyle/>
+          <a:p>
+            <a:pPr algn="ctr"/>
+            <a:r>
+              <a:rPr lang="en-US" altLang="zh-TW" sz="28700" dirty="0">
+                <a:latin typeface="Arial" panose="020B0604020202020204" pitchFamily="34" charset="0"/>
+                <a:cs typeface="Arial" panose="020B0604020202020204" pitchFamily="34" charset="0"/>
+              </a:rPr>
+              <a:t>play</a:t>
+            </a:r>
+            <a:endParaRPr lang="zh-TW" altLang="en-US" sz="28700" dirty="0">
+              <a:latin typeface="Arial" panose="020B0604020202020204" pitchFamily="34" charset="0"/>
+              <a:cs typeface="Arial" panose="020B0604020202020204" pitchFamily="34" charset="0"/>
+            </a:endParaRPr>
+          </a:p>
+        </p:txBody>
+      </p:sp>
+    </p:spTree>
+    <p:extLst>
+      <p:ext uri="{BB962C8B-B14F-4D97-AF65-F5344CB8AC3E}">
+        <p14:creationId xmlns:p14="http://schemas.microsoft.com/office/powerpoint/2010/main" val="2351729827"/>
+      </p:ext>
+    </p:extLst>
+  </p:cSld>
+  <p:clrMapOvr>
+    <a:masterClrMapping/>
+  </p:clrMapOvr>
+</p:sld>
+</file>
+
+<file path=ppt/slides/slide25.xml><?xml version="1.0" encoding="utf-8"?>
+<p:sld xmlns:a="http://schemas.openxmlformats.org/drawingml/2006/main" xmlns:r="http://schemas.openxmlformats.org/officeDocument/2006/relationships" xmlns:p="http://schemas.openxmlformats.org/presentationml/2006/main" show="0">
+  <p:cSld>
+    <p:bg>
+      <p:bgPr>
+        <a:solidFill>
+          <a:schemeClr val="bg1"/>
+        </a:solidFill>
+        <a:effectLst/>
+      </p:bgPr>
+    </p:bg>
+    <p:spTree>
+      <p:nvGrpSpPr>
+        <p:cNvPr id="1" name=""/>
+        <p:cNvGrpSpPr/>
+        <p:nvPr/>
+      </p:nvGrpSpPr>
+      <p:grpSpPr>
+        <a:xfrm>
+          <a:off x="0" y="0"/>
+          <a:ext cx="0" cy="0"/>
+          <a:chOff x="0" y="0"/>
+          <a:chExt cx="0" cy="0"/>
+        </a:xfrm>
+      </p:grpSpPr>
+      <p:sp>
+        <p:nvSpPr>
+          <p:cNvPr id="3" name="矩形 2">
+            <a:extLst>
+              <a:ext uri="{FF2B5EF4-FFF2-40B4-BE49-F238E27FC236}">
+                <a16:creationId xmlns:a16="http://schemas.microsoft.com/office/drawing/2014/main" id="{A5DF52FF-D02C-4FBF-9D47-CE8C08C14032}"/>
+              </a:ext>
+            </a:extLst>
+          </p:cNvPr>
+          <p:cNvSpPr/>
+          <p:nvPr/>
+        </p:nvSpPr>
+        <p:spPr>
+          <a:xfrm>
+            <a:off x="0" y="0"/>
+            <a:ext cx="12192000" cy="6858000"/>
+          </a:xfrm>
+          <a:prstGeom prst="rect">
+            <a:avLst/>
+          </a:prstGeom>
+          <a:solidFill>
+            <a:schemeClr val="bg1"/>
+          </a:solidFill>
+          <a:ln>
+            <a:solidFill>
+              <a:schemeClr val="bg1">
+                <a:lumMod val="50000"/>
+              </a:schemeClr>
+            </a:solidFill>
+          </a:ln>
+          <a:effectLst>
+            <a:outerShdw blurRad="44450" dist="27940" dir="5400000" algn="ctr">
+              <a:srgbClr val="000000">
+                <a:alpha val="32000"/>
+              </a:srgbClr>
+            </a:outerShdw>
+          </a:effectLst>
+        </p:spPr>
+        <p:style>
+          <a:lnRef idx="2">
+            <a:schemeClr val="accent1">
+              <a:shade val="50000"/>
+            </a:schemeClr>
+          </a:lnRef>
+          <a:fillRef idx="1">
+            <a:schemeClr val="accent1"/>
+          </a:fillRef>
+          <a:effectRef idx="0">
+            <a:schemeClr val="accent1"/>
+          </a:effectRef>
+          <a:fontRef idx="minor">
+            <a:schemeClr val="lt1"/>
+          </a:fontRef>
+        </p:style>
+        <p:txBody>
+          <a:bodyPr rtlCol="0" anchor="ctr"/>
+          <a:lstStyle/>
+          <a:p>
+            <a:pPr algn="ctr"/>
+            <a:endParaRPr lang="zh-TW" altLang="en-US" sz="4000" dirty="0">
+              <a:solidFill>
+                <a:schemeClr val="tx1"/>
+              </a:solidFill>
+            </a:endParaRPr>
+          </a:p>
+        </p:txBody>
+      </p:sp>
+      <p:sp>
+        <p:nvSpPr>
+          <p:cNvPr id="5" name="文字方塊 4">
+            <a:extLst>
+              <a:ext uri="{FF2B5EF4-FFF2-40B4-BE49-F238E27FC236}">
+                <a16:creationId xmlns:a16="http://schemas.microsoft.com/office/drawing/2014/main" id="{095DD9B8-2699-46D3-AE28-904BF29E6E4D}"/>
+              </a:ext>
+            </a:extLst>
+          </p:cNvPr>
+          <p:cNvSpPr txBox="1"/>
+          <p:nvPr/>
+        </p:nvSpPr>
+        <p:spPr>
+          <a:xfrm>
+            <a:off x="2427767" y="980502"/>
+            <a:ext cx="7336466" cy="4508927"/>
+          </a:xfrm>
+          <a:prstGeom prst="rect">
+            <a:avLst/>
+          </a:prstGeom>
+          <a:noFill/>
+          <a:ln>
+            <a:noFill/>
+          </a:ln>
+          <a:effectLst>
+            <a:outerShdw blurRad="44450" dist="27940" dir="5400000" algn="ctr">
+              <a:srgbClr val="000000">
+                <a:alpha val="32000"/>
+              </a:srgbClr>
+            </a:outerShdw>
+          </a:effectLst>
+        </p:spPr>
+        <p:txBody>
+          <a:bodyPr wrap="square" rtlCol="0">
+            <a:spAutoFit/>
+          </a:bodyPr>
+          <a:lstStyle/>
+          <a:p>
+            <a:pPr algn="ctr"/>
+            <a:r>
+              <a:rPr lang="en-US" altLang="zh-TW" sz="28700" dirty="0">
+                <a:latin typeface="Arial" panose="020B0604020202020204" pitchFamily="34" charset="0"/>
+                <a:cs typeface="Arial" panose="020B0604020202020204" pitchFamily="34" charset="0"/>
+              </a:rPr>
+              <a:t>next</a:t>
+            </a:r>
+            <a:endParaRPr lang="zh-TW" altLang="en-US" sz="28700" dirty="0">
+              <a:latin typeface="Arial" panose="020B0604020202020204" pitchFamily="34" charset="0"/>
+              <a:cs typeface="Arial" panose="020B0604020202020204" pitchFamily="34" charset="0"/>
+            </a:endParaRPr>
+          </a:p>
+        </p:txBody>
+      </p:sp>
+    </p:spTree>
+    <p:extLst>
+      <p:ext uri="{BB962C8B-B14F-4D97-AF65-F5344CB8AC3E}">
+        <p14:creationId xmlns:p14="http://schemas.microsoft.com/office/powerpoint/2010/main" val="2911671450"/>
+      </p:ext>
+    </p:extLst>
+  </p:cSld>
+  <p:clrMapOvr>
+    <a:masterClrMapping/>
+  </p:clrMapOvr>
+</p:sld>
+</file>
+
+<file path=ppt/slides/slide26.xml><?xml version="1.0" encoding="utf-8"?>
+<p:sld xmlns:a="http://schemas.openxmlformats.org/drawingml/2006/main" xmlns:r="http://schemas.openxmlformats.org/officeDocument/2006/relationships" xmlns:p="http://schemas.openxmlformats.org/presentationml/2006/main" show="0">
+  <p:cSld>
+    <p:bg>
+      <p:bgPr>
+        <a:solidFill>
+          <a:schemeClr val="bg1"/>
+        </a:solidFill>
+        <a:effectLst/>
+      </p:bgPr>
+    </p:bg>
+    <p:spTree>
+      <p:nvGrpSpPr>
+        <p:cNvPr id="1" name=""/>
+        <p:cNvGrpSpPr/>
+        <p:nvPr/>
+      </p:nvGrpSpPr>
+      <p:grpSpPr>
+        <a:xfrm>
+          <a:off x="0" y="0"/>
+          <a:ext cx="0" cy="0"/>
+          <a:chOff x="0" y="0"/>
+          <a:chExt cx="0" cy="0"/>
+        </a:xfrm>
+      </p:grpSpPr>
+      <p:grpSp>
+        <p:nvGrpSpPr>
+          <p:cNvPr id="4" name="群組 3">
+            <a:extLst>
+              <a:ext uri="{FF2B5EF4-FFF2-40B4-BE49-F238E27FC236}">
+                <a16:creationId xmlns:a16="http://schemas.microsoft.com/office/drawing/2014/main" id="{009A3505-0EC9-46D1-B285-72D06E820A41}"/>
+              </a:ext>
+            </a:extLst>
+          </p:cNvPr>
+          <p:cNvGrpSpPr/>
+          <p:nvPr/>
+        </p:nvGrpSpPr>
+        <p:grpSpPr>
+          <a:xfrm>
+            <a:off x="0" y="0"/>
+            <a:ext cx="12192000" cy="6858000"/>
+            <a:chOff x="0" y="0"/>
+            <a:chExt cx="12191999" cy="6858000"/>
+          </a:xfrm>
+        </p:grpSpPr>
+        <p:sp>
+          <p:nvSpPr>
+            <p:cNvPr id="3" name="矩形 2">
+              <a:extLst>
+                <a:ext uri="{FF2B5EF4-FFF2-40B4-BE49-F238E27FC236}">
+                  <a16:creationId xmlns:a16="http://schemas.microsoft.com/office/drawing/2014/main" id="{A5DF52FF-D02C-4FBF-9D47-CE8C08C14032}"/>
+                </a:ext>
+              </a:extLst>
+            </p:cNvPr>
+            <p:cNvSpPr/>
+            <p:nvPr/>
+          </p:nvSpPr>
+          <p:spPr>
+            <a:xfrm>
+              <a:off x="0" y="0"/>
+              <a:ext cx="12191999" cy="6858000"/>
+            </a:xfrm>
+            <a:prstGeom prst="rect">
+              <a:avLst/>
+            </a:prstGeom>
+            <a:solidFill>
+              <a:schemeClr val="bg1"/>
+            </a:solidFill>
+            <a:ln>
+              <a:solidFill>
+                <a:schemeClr val="bg1">
+                  <a:lumMod val="50000"/>
+                </a:schemeClr>
+              </a:solidFill>
+            </a:ln>
+            <a:effectLst>
+              <a:outerShdw blurRad="44450" dist="27940" dir="5400000" algn="ctr">
+                <a:srgbClr val="000000">
+                  <a:alpha val="32000"/>
+                </a:srgbClr>
+              </a:outerShdw>
+            </a:effectLst>
+          </p:spPr>
+          <p:style>
+            <a:lnRef idx="2">
+              <a:schemeClr val="accent1">
+                <a:shade val="50000"/>
+              </a:schemeClr>
+            </a:lnRef>
+            <a:fillRef idx="1">
+              <a:schemeClr val="accent1"/>
+            </a:fillRef>
+            <a:effectRef idx="0">
+              <a:schemeClr val="accent1"/>
+            </a:effectRef>
+            <a:fontRef idx="minor">
+              <a:schemeClr val="lt1"/>
+            </a:fontRef>
+          </p:style>
+          <p:txBody>
+            <a:bodyPr rtlCol="0" anchor="ctr"/>
+            <a:lstStyle/>
+            <a:p>
+              <a:pPr algn="ctr"/>
+              <a:endParaRPr lang="zh-TW" altLang="en-US"/>
+            </a:p>
+          </p:txBody>
+        </p:sp>
+        <p:sp>
+          <p:nvSpPr>
+            <p:cNvPr id="2" name="文字方塊 1">
+              <a:extLst>
+                <a:ext uri="{FF2B5EF4-FFF2-40B4-BE49-F238E27FC236}">
+                  <a16:creationId xmlns:a16="http://schemas.microsoft.com/office/drawing/2014/main" id="{F53A80FE-A13C-4BF0-A6C8-7828BBF3618E}"/>
+                </a:ext>
+              </a:extLst>
+            </p:cNvPr>
+            <p:cNvSpPr txBox="1"/>
+            <p:nvPr/>
+          </p:nvSpPr>
+          <p:spPr>
+            <a:xfrm>
+              <a:off x="2942010" y="969362"/>
+              <a:ext cx="6307979" cy="4508927"/>
+            </a:xfrm>
+            <a:prstGeom prst="rect">
+              <a:avLst/>
+            </a:prstGeom>
+            <a:noFill/>
+            <a:ln>
+              <a:noFill/>
+            </a:ln>
+            <a:effectLst>
+              <a:outerShdw blurRad="44450" dist="27940" dir="5400000" algn="ctr">
+                <a:srgbClr val="000000">
+                  <a:alpha val="32000"/>
+                </a:srgbClr>
+              </a:outerShdw>
+            </a:effectLst>
+          </p:spPr>
+          <p:txBody>
+            <a:bodyPr wrap="square" rtlCol="0">
+              <a:spAutoFit/>
+            </a:bodyPr>
+            <a:lstStyle/>
+            <a:p>
+              <a:r>
+                <a:rPr lang="en-US" altLang="zh-TW" sz="28700" dirty="0">
+                  <a:latin typeface="Arial" panose="020B0604020202020204" pitchFamily="34" charset="0"/>
+                  <a:cs typeface="Arial" panose="020B0604020202020204" pitchFamily="34" charset="0"/>
+                </a:rPr>
+                <a:t>end</a:t>
+              </a:r>
+              <a:endParaRPr lang="zh-TW" altLang="en-US" sz="28700" dirty="0">
+                <a:latin typeface="Arial" panose="020B0604020202020204" pitchFamily="34" charset="0"/>
+                <a:cs typeface="Arial" panose="020B0604020202020204" pitchFamily="34" charset="0"/>
+              </a:endParaRPr>
+            </a:p>
+          </p:txBody>
+        </p:sp>
+      </p:grpSp>
+    </p:spTree>
+    <p:extLst>
+      <p:ext uri="{BB962C8B-B14F-4D97-AF65-F5344CB8AC3E}">
+        <p14:creationId xmlns:p14="http://schemas.microsoft.com/office/powerpoint/2010/main" val="672141525"/>
       </p:ext>
     </p:extLst>
   </p:cSld>
@@ -19061,8 +20137,8 @@
         </p:nvSpPr>
         <p:spPr>
           <a:xfrm>
-            <a:off x="2592143" y="557477"/>
-            <a:ext cx="7007713" cy="523220"/>
+            <a:off x="2453248" y="745573"/>
+            <a:ext cx="7285504" cy="523220"/>
           </a:xfrm>
           <a:prstGeom prst="rect">
             <a:avLst/>
@@ -19080,7 +20156,7 @@
                 <a:latin typeface="微軟正黑體" panose="020B0604030504040204" pitchFamily="34" charset="-120"/>
                 <a:ea typeface="微軟正黑體" panose="020B0604030504040204" pitchFamily="34" charset="-120"/>
               </a:rPr>
-              <a:t>請您按照心中的想法，選擇比較喜歡的選項</a:t>
+              <a:t>請您按照心中的想法，選擇比較偏好的選項。</a:t>
             </a:r>
           </a:p>
         </p:txBody>
@@ -19883,8 +20959,8 @@
         </p:nvSpPr>
         <p:spPr>
           <a:xfrm>
-            <a:off x="1675806" y="572855"/>
-            <a:ext cx="8840387" cy="523220"/>
+            <a:off x="1375144" y="741990"/>
+            <a:ext cx="9441711" cy="523220"/>
           </a:xfrm>
           <a:prstGeom prst="rect">
             <a:avLst/>
@@ -19902,7 +20978,7 @@
                 <a:latin typeface="微軟正黑體" panose="020B0604030504040204" pitchFamily="34" charset="-120"/>
                 <a:ea typeface="微軟正黑體" panose="020B0604030504040204" pitchFamily="34" charset="-120"/>
               </a:rPr>
-              <a:t>請用滑鼠控制，使得</a:t>
+              <a:t>請移動滑桿調整數值，使得</a:t>
             </a:r>
             <a:r>
               <a:rPr lang="en-US" altLang="zh-TW" sz="2800" dirty="0">
@@ -19916,7 +20992,7 @@
                 <a:latin typeface="微軟正黑體" panose="020B0604030504040204" pitchFamily="34" charset="-120"/>
                 <a:ea typeface="微軟正黑體" panose="020B0604030504040204" pitchFamily="34" charset="-120"/>
               </a:rPr>
-              <a:t>賭局和</a:t>
+              <a:t>、</a:t>
             </a:r>
             <a:r>
               <a:rPr lang="en-US" altLang="zh-TW" sz="2800" dirty="0">
@@ -19930,7 +21006,7 @@
                 <a:latin typeface="微軟正黑體" panose="020B0604030504040204" pitchFamily="34" charset="-120"/>
                 <a:ea typeface="微軟正黑體" panose="020B0604030504040204" pitchFamily="34" charset="-120"/>
               </a:rPr>
-              <a:t>賭局對您的心理感受相同</a:t>
+              <a:t>選項在您心中的感受相同。</a:t>
             </a:r>
             <a:endParaRPr lang="zh-TW" altLang="en-US" sz="4000" dirty="0">
               <a:latin typeface="微軟正黑體" panose="020B0604030504040204" pitchFamily="34" charset="-120"/>
